--- a/答辩/ppt/SY1406108_陈志伟_毕业答辩.pptx
+++ b/答辩/ppt/SY1406108_陈志伟_毕业答辩.pptx
@@ -5645,7 +5645,7 @@
           <a:graphicData uri="http://schemas.openxmlformats.org/presentationml/2006/ole">
             <mc:AlternateContent xmlns:mc="http://schemas.openxmlformats.org/markup-compatibility/2006">
               <mc:Choice xmlns:v="urn:schemas-microsoft-com:vml" Requires="v">
-                <p:oleObj spid="_x0000_s1833" name="Image" r:id="rId3" imgW="8228571" imgH="8711111" progId="">
+                <p:oleObj spid="_x0000_s1834" name="Image" r:id="rId3" imgW="8228571" imgH="8711111" progId="">
                   <p:embed/>
                 </p:oleObj>
               </mc:Choice>
@@ -20603,7 +20603,7 @@
           <a:graphicData uri="http://schemas.openxmlformats.org/presentationml/2006/ole">
             <mc:AlternateContent xmlns:mc="http://schemas.openxmlformats.org/markup-compatibility/2006">
               <mc:Choice xmlns:v="urn:schemas-microsoft-com:vml" Requires="v">
-                <p:oleObj spid="_x0000_s4374" name="Visio" r:id="rId3" imgW="6096000" imgH="5505540" progId="Visio.Drawing.15">
+                <p:oleObj spid="_x0000_s4375" name="Visio" r:id="rId3" imgW="6096000" imgH="5505540" progId="Visio.Drawing.15">
                   <p:embed/>
                 </p:oleObj>
               </mc:Choice>
@@ -20966,7 +20966,7 @@
           <a:graphicData uri="http://schemas.openxmlformats.org/presentationml/2006/ole">
             <mc:AlternateContent xmlns:mc="http://schemas.openxmlformats.org/markup-compatibility/2006">
               <mc:Choice xmlns:v="urn:schemas-microsoft-com:vml" Requires="v">
-                <p:oleObj spid="_x0000_s6417" name="Visio" r:id="rId3" imgW="9639300" imgH="5934165" progId="Visio.Drawing.15">
+                <p:oleObj spid="_x0000_s6418" name="Visio" r:id="rId3" imgW="9639300" imgH="5934165" progId="Visio.Drawing.15">
                   <p:embed/>
                 </p:oleObj>
               </mc:Choice>

--- a/答辩/ppt/SY1406108_陈志伟_毕业答辩.pptx
+++ b/答辩/ppt/SY1406108_陈志伟_毕业答辩.pptx
@@ -245,7 +245,7 @@
           <a:p>
             <a:fld id="{70B15314-E3FC-4C9D-A25B-E4CA7D8DC52F}" type="datetimeFigureOut">
               <a:rPr lang="zh-CN" altLang="en-US" smtClean="0"/>
-              <a:t>2017/2/28</a:t>
+              <a:t>2017/3/1</a:t>
             </a:fld>
             <a:endParaRPr lang="zh-CN" altLang="en-US"/>
           </a:p>
@@ -1602,6 +1602,170 @@
           <a:p>
             <a:endParaRPr lang="en-US" altLang="zh-CN" dirty="0" smtClean="0"/>
           </a:p>
+          <a:p>
+            <a:r>
+              <a:rPr lang="zh-CN" altLang="zh-CN" sz="1200" kern="1200" dirty="0" smtClean="0">
+                <a:solidFill>
+                  <a:schemeClr val="tx1"/>
+                </a:solidFill>
+                <a:effectLst/>
+                <a:latin typeface="+mn-lt"/>
+                <a:ea typeface="+mn-ea"/>
+                <a:cs typeface="+mn-cs"/>
+              </a:rPr>
+              <a:t>随着计算机应用技术的飞速发展，机载软件已经在航空航天领域中得到了广泛的应用。同时，作为安全关键系统的重要构成部分，机载软件规模不断扩大、内部结构更加复杂、应用环境越来越开放，其安全性和可靠性得到了人们的广泛关注。编译器作为机载软件开发过程中的重要工具，是实现软件从设计到在硬件上运行的桥梁。</a:t>
+            </a:r>
+            <a:endParaRPr lang="en-US" altLang="zh-CN" sz="1200" kern="1200" dirty="0" smtClean="0">
+              <a:solidFill>
+                <a:schemeClr val="tx1"/>
+              </a:solidFill>
+              <a:effectLst/>
+              <a:latin typeface="+mn-lt"/>
+              <a:ea typeface="+mn-ea"/>
+              <a:cs typeface="+mn-cs"/>
+            </a:endParaRPr>
+          </a:p>
+          <a:p>
+            <a:endParaRPr lang="en-US" altLang="zh-CN" sz="1200" kern="1200" dirty="0" smtClean="0">
+              <a:solidFill>
+                <a:schemeClr val="tx1"/>
+              </a:solidFill>
+              <a:effectLst/>
+              <a:latin typeface="+mn-lt"/>
+              <a:ea typeface="+mn-ea"/>
+              <a:cs typeface="+mn-cs"/>
+            </a:endParaRPr>
+          </a:p>
+          <a:p>
+            <a:r>
+              <a:rPr lang="zh-CN" altLang="zh-CN" sz="1200" kern="1200" dirty="0" smtClean="0">
+                <a:solidFill>
+                  <a:schemeClr val="tx1"/>
+                </a:solidFill>
+                <a:effectLst/>
+                <a:latin typeface="+mn-lt"/>
+                <a:ea typeface="+mn-ea"/>
+                <a:cs typeface="+mn-cs"/>
+              </a:rPr>
+              <a:t>构建编译器的过程是一个极其复杂的软件工程实践。</a:t>
+            </a:r>
+            <a:endParaRPr lang="en-US" altLang="zh-CN" sz="1200" kern="1200" dirty="0" smtClean="0">
+              <a:solidFill>
+                <a:schemeClr val="tx1"/>
+              </a:solidFill>
+              <a:effectLst/>
+              <a:latin typeface="+mn-lt"/>
+              <a:ea typeface="+mn-ea"/>
+              <a:cs typeface="+mn-cs"/>
+            </a:endParaRPr>
+          </a:p>
+          <a:p>
+            <a:endParaRPr lang="en-US" altLang="zh-CN" sz="1200" kern="1200" dirty="0" smtClean="0">
+              <a:solidFill>
+                <a:schemeClr val="tx1"/>
+              </a:solidFill>
+              <a:effectLst/>
+              <a:latin typeface="+mn-lt"/>
+              <a:ea typeface="+mn-ea"/>
+              <a:cs typeface="+mn-cs"/>
+            </a:endParaRPr>
+          </a:p>
+          <a:p>
+            <a:r>
+              <a:rPr lang="zh-CN" altLang="zh-CN" sz="1200" kern="1200" dirty="0" smtClean="0">
+                <a:solidFill>
+                  <a:schemeClr val="tx1"/>
+                </a:solidFill>
+                <a:effectLst/>
+                <a:latin typeface="+mn-lt"/>
+                <a:ea typeface="+mn-ea"/>
+                <a:cs typeface="+mn-cs"/>
+              </a:rPr>
+              <a:t>编译器中已发现的出于各种原因没被修改的</a:t>
+            </a:r>
+            <a:r>
+              <a:rPr lang="en-US" altLang="zh-CN" sz="1200" kern="1200" dirty="0" smtClean="0">
+                <a:solidFill>
+                  <a:schemeClr val="tx1"/>
+                </a:solidFill>
+                <a:effectLst/>
+                <a:latin typeface="+mn-lt"/>
+                <a:ea typeface="+mn-ea"/>
+                <a:cs typeface="+mn-cs"/>
+              </a:rPr>
+              <a:t>bugs</a:t>
+            </a:r>
+            <a:r>
+              <a:rPr lang="zh-CN" altLang="zh-CN" sz="1200" kern="1200" dirty="0" smtClean="0">
+                <a:solidFill>
+                  <a:schemeClr val="tx1"/>
+                </a:solidFill>
+                <a:effectLst/>
+                <a:latin typeface="+mn-lt"/>
+                <a:ea typeface="+mn-ea"/>
+                <a:cs typeface="+mn-cs"/>
+              </a:rPr>
+              <a:t>和还未被发现的</a:t>
+            </a:r>
+            <a:r>
+              <a:rPr lang="en-US" altLang="zh-CN" sz="1200" kern="1200" dirty="0" smtClean="0">
+                <a:solidFill>
+                  <a:schemeClr val="tx1"/>
+                </a:solidFill>
+                <a:effectLst/>
+                <a:latin typeface="+mn-lt"/>
+                <a:ea typeface="+mn-ea"/>
+                <a:cs typeface="+mn-cs"/>
+              </a:rPr>
+              <a:t>bugs</a:t>
+            </a:r>
+            <a:r>
+              <a:rPr lang="zh-CN" altLang="zh-CN" sz="1200" kern="1200" dirty="0" smtClean="0">
+                <a:solidFill>
+                  <a:schemeClr val="tx1"/>
+                </a:solidFill>
+                <a:effectLst/>
+                <a:latin typeface="+mn-lt"/>
+                <a:ea typeface="+mn-ea"/>
+                <a:cs typeface="+mn-cs"/>
+              </a:rPr>
+              <a:t>将一直存在，因此传统编译器无法满足安全关键领域对编译系统的要求。</a:t>
+            </a:r>
+            <a:endParaRPr lang="en-US" altLang="zh-CN" sz="1200" kern="1200" dirty="0" smtClean="0">
+              <a:solidFill>
+                <a:schemeClr val="tx1"/>
+              </a:solidFill>
+              <a:effectLst/>
+              <a:latin typeface="+mn-lt"/>
+              <a:ea typeface="+mn-ea"/>
+              <a:cs typeface="+mn-cs"/>
+            </a:endParaRPr>
+          </a:p>
+          <a:p>
+            <a:endParaRPr lang="en-US" altLang="zh-CN" sz="1200" kern="1200" dirty="0" smtClean="0">
+              <a:solidFill>
+                <a:schemeClr val="tx1"/>
+              </a:solidFill>
+              <a:effectLst/>
+              <a:latin typeface="+mn-lt"/>
+              <a:ea typeface="+mn-ea"/>
+              <a:cs typeface="+mn-cs"/>
+            </a:endParaRPr>
+          </a:p>
+          <a:p>
+            <a:endParaRPr lang="en-US" altLang="zh-CN" sz="1200" kern="1200" dirty="0" smtClean="0">
+              <a:solidFill>
+                <a:schemeClr val="tx1"/>
+              </a:solidFill>
+              <a:effectLst/>
+              <a:latin typeface="+mn-lt"/>
+              <a:ea typeface="+mn-ea"/>
+              <a:cs typeface="+mn-cs"/>
+            </a:endParaRPr>
+          </a:p>
+          <a:p>
+            <a:endParaRPr lang="en-US" altLang="zh-CN" dirty="0" smtClean="0"/>
+          </a:p>
         </p:txBody>
       </p:sp>
       <p:sp>
@@ -1768,6 +1932,27 @@
           <a:bodyPr/>
           <a:lstStyle/>
           <a:p>
+            <a:r>
+              <a:rPr lang="zh-CN" altLang="en-US" sz="1200" dirty="0" smtClean="0">
+                <a:latin typeface="黑体" panose="02010609060101010101" pitchFamily="49" charset="-122"/>
+                <a:cs typeface="Times New Roman" panose="02020603050405020304" pitchFamily="18" charset="0"/>
+              </a:rPr>
+              <a:t>算法第</a:t>
+            </a:r>
+            <a:r>
+              <a:rPr lang="en-US" altLang="zh-CN" sz="1200" dirty="0" smtClean="0">
+                <a:latin typeface="黑体" panose="02010609060101010101" pitchFamily="49" charset="-122"/>
+                <a:cs typeface="Times New Roman" panose="02020603050405020304" pitchFamily="18" charset="0"/>
+              </a:rPr>
+              <a:t>9</a:t>
+            </a:r>
+            <a:r>
+              <a:rPr lang="zh-CN" altLang="en-US" sz="1200" dirty="0" smtClean="0">
+                <a:latin typeface="黑体" panose="02010609060101010101" pitchFamily="49" charset="-122"/>
+                <a:cs typeface="Times New Roman" panose="02020603050405020304" pitchFamily="18" charset="0"/>
+              </a:rPr>
+              <a:t>行，状态栈是回滚栈的栈顶的一个元素。</a:t>
+            </a:r>
             <a:endParaRPr lang="en-US" altLang="zh-CN" dirty="0" smtClean="0"/>
           </a:p>
         </p:txBody>
@@ -2633,7 +2818,46 @@
           <a:bodyPr/>
           <a:lstStyle/>
           <a:p>
+            <a:r>
+              <a:rPr lang="zh-CN" altLang="en-US" dirty="0" smtClean="0"/>
+              <a:t>局限性：完全正确</a:t>
+            </a:r>
             <a:endParaRPr lang="en-US" altLang="zh-CN" dirty="0" smtClean="0"/>
+          </a:p>
+          <a:p>
+            <a:endParaRPr lang="en-US" altLang="zh-CN" dirty="0" smtClean="0"/>
+          </a:p>
+          <a:p>
+            <a:pPr marL="0" marR="0" lvl="2" indent="0" algn="l" defTabSz="914400" rtl="0" eaLnBrk="1" fontAlgn="auto" latinLnBrk="0" hangingPunct="1">
+              <a:lnSpc>
+                <a:spcPct val="100000"/>
+              </a:lnSpc>
+              <a:spcBef>
+                <a:spcPts val="0"/>
+              </a:spcBef>
+              <a:spcAft>
+                <a:spcPts val="0"/>
+              </a:spcAft>
+              <a:buClrTx/>
+              <a:buSzTx/>
+              <a:buFontTx/>
+              <a:buNone/>
+              <a:tabLst/>
+              <a:defRPr/>
+            </a:pPr>
+            <a:r>
+              <a:rPr lang="zh-CN" altLang="en-US" dirty="0" smtClean="0"/>
+              <a:t>编译器构建中，</a:t>
+            </a:r>
+            <a:r>
+              <a:rPr lang="zh-CN" altLang="en-US" sz="1800" dirty="0" smtClean="0"/>
+              <a:t>验证编译器程序本身满足给定规范的前后置条件</a:t>
+            </a:r>
+            <a:r>
+              <a:rPr lang="zh-CN" altLang="en-US" sz="1200" dirty="0" smtClean="0"/>
+              <a:t>。</a:t>
+            </a:r>
+            <a:endParaRPr lang="en-US" altLang="zh-CN" sz="1800" dirty="0" smtClean="0"/>
           </a:p>
         </p:txBody>
       </p:sp>
@@ -2951,6 +3175,88 @@
               </a:rPr>
               <a:t>年颁布的航空适航认证标准</a:t>
             </a:r>
+            <a:r>
+              <a:rPr lang="zh-CN" altLang="en-US" sz="1200" kern="1200" dirty="0" smtClean="0">
+                <a:solidFill>
+                  <a:schemeClr val="tx1"/>
+                </a:solidFill>
+                <a:effectLst/>
+                <a:latin typeface="+mn-lt"/>
+                <a:ea typeface="+mn-ea"/>
+                <a:cs typeface="+mn-cs"/>
+              </a:rPr>
+              <a:t>。</a:t>
+            </a:r>
+            <a:endParaRPr lang="en-US" altLang="zh-CN" sz="1200" kern="1200" dirty="0" smtClean="0">
+              <a:solidFill>
+                <a:schemeClr val="tx1"/>
+              </a:solidFill>
+              <a:effectLst/>
+              <a:latin typeface="+mn-lt"/>
+              <a:ea typeface="+mn-ea"/>
+              <a:cs typeface="+mn-cs"/>
+            </a:endParaRPr>
+          </a:p>
+          <a:p>
+            <a:r>
+              <a:rPr lang="en-US" altLang="zh-CN" sz="1200" kern="1200" dirty="0" smtClean="0">
+                <a:solidFill>
+                  <a:schemeClr val="tx1"/>
+                </a:solidFill>
+                <a:effectLst/>
+                <a:latin typeface="+mn-lt"/>
+                <a:ea typeface="+mn-ea"/>
+                <a:cs typeface="+mn-cs"/>
+              </a:rPr>
+              <a:t>DO-178C</a:t>
+            </a:r>
+            <a:r>
+              <a:rPr lang="zh-CN" altLang="zh-CN" sz="1200" kern="1200" dirty="0" smtClean="0">
+                <a:solidFill>
+                  <a:schemeClr val="tx1"/>
+                </a:solidFill>
+                <a:effectLst/>
+                <a:latin typeface="+mn-lt"/>
+                <a:ea typeface="+mn-ea"/>
+                <a:cs typeface="+mn-cs"/>
+              </a:rPr>
+              <a:t>明确了将形式化方法引入到了机载软件甚至</a:t>
+            </a:r>
+            <a:r>
+              <a:rPr lang="en-US" altLang="zh-CN" sz="1200" kern="1200" dirty="0" smtClean="0">
+                <a:solidFill>
+                  <a:schemeClr val="tx1"/>
+                </a:solidFill>
+                <a:effectLst/>
+                <a:latin typeface="+mn-lt"/>
+                <a:ea typeface="+mn-ea"/>
+                <a:cs typeface="+mn-cs"/>
+              </a:rPr>
+              <a:t>A</a:t>
+            </a:r>
+            <a:r>
+              <a:rPr lang="zh-CN" altLang="zh-CN" sz="1200" kern="1200" dirty="0" smtClean="0">
+                <a:solidFill>
+                  <a:schemeClr val="tx1"/>
+                </a:solidFill>
+                <a:effectLst/>
+                <a:latin typeface="+mn-lt"/>
+                <a:ea typeface="+mn-ea"/>
+                <a:cs typeface="+mn-cs"/>
+              </a:rPr>
+              <a:t>级软件的开发和验证中，强调了整个过程的双向追溯性和类型的一致性等。</a:t>
+            </a:r>
+            <a:endParaRPr lang="en-US" altLang="zh-CN" sz="1200" kern="1200" dirty="0" smtClean="0">
+              <a:solidFill>
+                <a:schemeClr val="tx1"/>
+              </a:solidFill>
+              <a:effectLst/>
+              <a:latin typeface="+mn-lt"/>
+              <a:ea typeface="+mn-ea"/>
+              <a:cs typeface="+mn-cs"/>
+            </a:endParaRPr>
+          </a:p>
+          <a:p>
             <a:endParaRPr lang="en-US" altLang="zh-CN" dirty="0" smtClean="0"/>
           </a:p>
           <a:p>
@@ -4597,7 +4903,7 @@
           <a:graphicData uri="http://schemas.openxmlformats.org/presentationml/2006/ole">
             <mc:AlternateContent xmlns:mc="http://schemas.openxmlformats.org/markup-compatibility/2006">
               <mc:Choice xmlns:v="urn:schemas-microsoft-com:vml" Requires="v">
-                <p:oleObj spid="_x0000_s13713" name="Image" r:id="rId3" imgW="8228571" imgH="8711111" progId="">
+                <p:oleObj spid="_x0000_s13842" name="Image" r:id="rId3" imgW="8228571" imgH="8711111" progId="">
                   <p:embed/>
                 </p:oleObj>
               </mc:Choice>
@@ -14389,7 +14695,7 @@
         </p:spPr>
         <p:txBody>
           <a:bodyPr>
-            <a:normAutofit fontScale="92500" lnSpcReduction="10000"/>
+            <a:normAutofit/>
           </a:bodyPr>
           <a:lstStyle/>
           <a:p>
@@ -14466,14 +14772,14 @@
                 <a:latin typeface="宋体" panose="02010600030101010101" pitchFamily="2" charset="-122"/>
                 <a:ea typeface="宋体" panose="02010600030101010101" pitchFamily="2" charset="-122"/>
               </a:rPr>
-              <a:t>把编译过程的正确性验证转化</a:t>
+              <a:t>把编译过程的正确性验证转化为文法</a:t>
             </a:r>
             <a:r>
               <a:rPr lang="zh-CN" altLang="en-US" sz="2000" dirty="0">
                 <a:latin typeface="宋体" panose="02010600030101010101" pitchFamily="2" charset="-122"/>
                 <a:ea typeface="宋体" panose="02010600030101010101" pitchFamily="2" charset="-122"/>
               </a:rPr>
-              <a:t>为对源程序中包含的文法单元</a:t>
+              <a:t>单元</a:t>
             </a:r>
             <a:r>
               <a:rPr lang="zh-CN" altLang="en-US" sz="2000" dirty="0" smtClean="0">
@@ -14607,56 +14913,49 @@
                 <a:latin typeface="宋体" panose="02010600030101010101" pitchFamily="2" charset="-122"/>
                 <a:ea typeface="宋体" panose="02010600030101010101" pitchFamily="2" charset="-122"/>
               </a:rPr>
-              <a:t>针对</a:t>
-            </a:r>
-            <a:r>
-              <a:rPr lang="en-US" altLang="zh-CN" sz="2000" dirty="0">
+              <a:t>设计</a:t>
+            </a:r>
+            <a:r>
+              <a:rPr lang="zh-CN" altLang="en-US" sz="2000" b="1" u="sng" dirty="0" smtClean="0">
                 <a:latin typeface="宋体" panose="02010600030101010101" pitchFamily="2" charset="-122"/>
                 <a:ea typeface="宋体" panose="02010600030101010101" pitchFamily="2" charset="-122"/>
               </a:rPr>
-              <a:t>A</a:t>
+              <a:t>一种源和目标码之间的对应方法</a:t>
+            </a:r>
+            <a:r>
+              <a:rPr lang="zh-CN" altLang="en-US" sz="2000" dirty="0" smtClean="0">
+                <a:latin typeface="宋体" panose="02010600030101010101" pitchFamily="2" charset="-122"/>
+                <a:ea typeface="宋体" panose="02010600030101010101" pitchFamily="2" charset="-122"/>
+              </a:rPr>
+              <a:t>，</a:t>
             </a:r>
             <a:r>
               <a:rPr lang="zh-CN" altLang="en-US" sz="2000" dirty="0">
                 <a:latin typeface="宋体" panose="02010600030101010101" pitchFamily="2" charset="-122"/>
                 <a:ea typeface="宋体" panose="02010600030101010101" pitchFamily="2" charset="-122"/>
               </a:rPr>
-              <a:t>级</a:t>
+              <a:t>实现</a:t>
+            </a:r>
+            <a:r>
+              <a:rPr lang="en-US" altLang="zh-CN" sz="2000" dirty="0" smtClean="0">
+                <a:latin typeface="宋体" panose="02010600030101010101" pitchFamily="2" charset="-122"/>
+                <a:ea typeface="宋体" panose="02010600030101010101" pitchFamily="2" charset="-122"/>
+              </a:rPr>
+              <a:t>A</a:t>
+            </a:r>
+            <a:r>
+              <a:rPr lang="zh-CN" altLang="en-US" sz="2000" dirty="0">
+                <a:latin typeface="宋体" panose="02010600030101010101" pitchFamily="2" charset="-122"/>
+                <a:ea typeface="宋体" panose="02010600030101010101" pitchFamily="2" charset="-122"/>
+              </a:rPr>
+              <a:t>级软件开发中源代码和目标代码的可追踪性</a:t>
             </a:r>
             <a:r>
               <a:rPr lang="zh-CN" altLang="en-US" sz="2000" dirty="0" smtClean="0">
                 <a:latin typeface="宋体" panose="02010600030101010101" pitchFamily="2" charset="-122"/>
                 <a:ea typeface="宋体" panose="02010600030101010101" pitchFamily="2" charset="-122"/>
               </a:rPr>
-              <a:t>软件开发中源代码和目标代码的可</a:t>
-            </a:r>
-            <a:r>
-              <a:rPr lang="zh-CN" altLang="en-US" sz="2000" dirty="0">
-                <a:latin typeface="宋体" panose="02010600030101010101" pitchFamily="2" charset="-122"/>
-                <a:ea typeface="宋体" panose="02010600030101010101" pitchFamily="2" charset="-122"/>
-              </a:rPr>
-              <a:t>追踪性</a:t>
-            </a:r>
-            <a:r>
-              <a:rPr lang="zh-CN" altLang="en-US" sz="2000" dirty="0" smtClean="0">
-                <a:latin typeface="宋体" panose="02010600030101010101" pitchFamily="2" charset="-122"/>
-                <a:ea typeface="宋体" panose="02010600030101010101" pitchFamily="2" charset="-122"/>
-              </a:rPr>
-              <a:t>需求，设计</a:t>
-            </a:r>
-            <a:r>
-              <a:rPr lang="zh-CN" altLang="en-US" sz="2000" b="1" u="sng" dirty="0" smtClean="0">
-                <a:latin typeface="宋体" panose="02010600030101010101" pitchFamily="2" charset="-122"/>
-                <a:ea typeface="宋体" panose="02010600030101010101" pitchFamily="2" charset="-122"/>
-              </a:rPr>
-              <a:t>一种源和目标码之间的对应方法</a:t>
-            </a:r>
-            <a:r>
-              <a:rPr lang="zh-CN" altLang="en-US" sz="2000" dirty="0" smtClean="0">
-                <a:latin typeface="宋体" panose="02010600030101010101" pitchFamily="2" charset="-122"/>
-                <a:ea typeface="宋体" panose="02010600030101010101" pitchFamily="2" charset="-122"/>
-              </a:rPr>
-              <a:t>。</a:t>
+              <a:t>需求。</a:t>
             </a:r>
             <a:endParaRPr lang="en-US" altLang="zh-CN" sz="2000" dirty="0" smtClean="0">
               <a:latin typeface="宋体" panose="02010600030101010101" pitchFamily="2" charset="-122"/>
@@ -14674,7 +14973,21 @@
                 <a:latin typeface="宋体" panose="02010600030101010101" pitchFamily="2" charset="-122"/>
                 <a:ea typeface="宋体" panose="02010600030101010101" pitchFamily="2" charset="-122"/>
               </a:rPr>
-              <a:t>设计与实现编译验证工具原型。</a:t>
+              <a:t>设计与实现</a:t>
+            </a:r>
+            <a:r>
+              <a:rPr lang="zh-CN" altLang="en-US" sz="2000" b="1" u="sng" dirty="0" smtClean="0">
+                <a:latin typeface="宋体" panose="02010600030101010101" pitchFamily="2" charset="-122"/>
+                <a:ea typeface="宋体" panose="02010600030101010101" pitchFamily="2" charset="-122"/>
+              </a:rPr>
+              <a:t>编译验证工具原型</a:t>
+            </a:r>
+            <a:r>
+              <a:rPr lang="zh-CN" altLang="en-US" sz="2000" dirty="0" smtClean="0">
+                <a:latin typeface="宋体" panose="02010600030101010101" pitchFamily="2" charset="-122"/>
+                <a:ea typeface="宋体" panose="02010600030101010101" pitchFamily="2" charset="-122"/>
+              </a:rPr>
+              <a:t>。</a:t>
             </a:r>
             <a:endParaRPr lang="en-US" altLang="zh-CN" sz="2000" dirty="0" smtClean="0">
               <a:latin typeface="宋体" panose="02010600030101010101" pitchFamily="2" charset="-122"/>
@@ -14852,7 +15165,23 @@
             </a:r>
             <a:r>
               <a:rPr lang="zh-CN" altLang="en-US" sz="1800" dirty="0"/>
-              <a:t>：编译过程正确性是要保证输入的源代码和编译后的目标代码语义一致，即源代码与编译后的代码行为上要等价，编译器不能在目标代码中改变源代码中的操作。</a:t>
+              <a:t>：编译过程正确性是要保证输入的源代码和编译后的目标代码语义一致，即源代码与编译后的代码行为上要等价，编译器不能在目标代码</a:t>
+            </a:r>
+            <a:r>
+              <a:rPr lang="zh-CN" altLang="en-US" sz="1800" dirty="0" smtClean="0"/>
+              <a:t>中</a:t>
+            </a:r>
+            <a:r>
+              <a:rPr lang="zh-CN" altLang="en-US" sz="1800" dirty="0"/>
+              <a:t>篡改</a:t>
+            </a:r>
+            <a:r>
+              <a:rPr lang="zh-CN" altLang="en-US" sz="1800" dirty="0" smtClean="0"/>
+              <a:t>源代码</a:t>
+            </a:r>
+            <a:r>
+              <a:rPr lang="zh-CN" altLang="en-US" sz="1800" dirty="0"/>
+              <a:t>中的操作。</a:t>
             </a:r>
             <a:endParaRPr lang="en-US" altLang="zh-CN" sz="1800" dirty="0" smtClean="0"/>
           </a:p>
@@ -14923,7 +15252,15 @@
             </a:r>
             <a:r>
               <a:rPr lang="zh-CN" altLang="en-US" sz="1800" dirty="0"/>
-              <a:t>，对编译过程正确性形式化的验证就是证明对应的转换示意图的</a:t>
+              <a:t>，对编译过程</a:t>
+            </a:r>
+            <a:r>
+              <a:rPr lang="zh-CN" altLang="en-US" sz="1800" dirty="0" smtClean="0"/>
+              <a:t>正确性的</a:t>
+            </a:r>
+            <a:r>
+              <a:rPr lang="zh-CN" altLang="en-US" sz="1800" dirty="0"/>
+              <a:t>验证就是证明对应的转换示意图的</a:t>
             </a:r>
             <a:r>
               <a:rPr lang="zh-CN" altLang="en-US" sz="1800" dirty="0" smtClean="0"/>
@@ -15065,7 +15402,7 @@
           <a:graphicData uri="http://schemas.openxmlformats.org/presentationml/2006/ole">
             <mc:AlternateContent xmlns:mc="http://schemas.openxmlformats.org/markup-compatibility/2006">
               <mc:Choice xmlns:v="urn:schemas-microsoft-com:vml" Requires="v">
-                <p:oleObj spid="_x0000_s7737" name="Equation" r:id="rId4" imgW="3581280" imgH="253800" progId="Equation.DSMT4">
+                <p:oleObj spid="_x0000_s7866" name="Equation" r:id="rId4" imgW="3581280" imgH="253800" progId="Equation.DSMT4">
                   <p:embed/>
                 </p:oleObj>
               </mc:Choice>
@@ -15301,12 +15638,14 @@
             </a:pPr>
             <a:r>
               <a:rPr lang="zh-CN" altLang="en-US" sz="2200" dirty="0" smtClean="0">
-                <a:latin typeface="黑体" panose="02010609060101010101" pitchFamily="49" charset="-122"/>
+                <a:latin typeface="Times New Roman" panose="02020603050405020304" pitchFamily="18" charset="0"/>
+                <a:cs typeface="Times New Roman" panose="02020603050405020304" pitchFamily="18" charset="0"/>
               </a:rPr>
               <a:t>编译验证方法原理</a:t>
             </a:r>
             <a:endParaRPr lang="en-US" altLang="zh-CN" sz="2200" dirty="0">
-              <a:latin typeface="黑体" panose="02010609060101010101" pitchFamily="49" charset="-122"/>
+              <a:latin typeface="Times New Roman" panose="02020603050405020304" pitchFamily="18" charset="0"/>
+              <a:cs typeface="Times New Roman" panose="02020603050405020304" pitchFamily="18" charset="0"/>
             </a:endParaRPr>
           </a:p>
           <a:p>
@@ -15316,13 +15655,15 @@
             </a:pPr>
             <a:r>
               <a:rPr lang="en-US" altLang="zh-CN" sz="2200" dirty="0" smtClean="0">
-                <a:latin typeface="黑体" panose="02010609060101010101" pitchFamily="49" charset="-122"/>
+                <a:latin typeface="Times New Roman" panose="02020603050405020304" pitchFamily="18" charset="0"/>
+                <a:cs typeface="Times New Roman" panose="02020603050405020304" pitchFamily="18" charset="0"/>
               </a:rPr>
               <a:t>	</a:t>
             </a:r>
             <a:r>
               <a:rPr lang="zh-CN" altLang="en-US" sz="1800" dirty="0" smtClean="0">
-                <a:latin typeface="黑体" panose="02010609060101010101" pitchFamily="49" charset="-122"/>
+                <a:latin typeface="Times New Roman" panose="02020603050405020304" pitchFamily="18" charset="0"/>
+                <a:cs typeface="Times New Roman" panose="02020603050405020304" pitchFamily="18" charset="0"/>
               </a:rPr>
               <a:t>设目标代码为</a:t>
             </a:r>
@@ -15335,36 +15676,42 @@
             </a:r>
             <a:r>
               <a:rPr lang="zh-CN" altLang="en-US" sz="1800" dirty="0" smtClean="0">
-                <a:latin typeface="黑体" panose="02010609060101010101" pitchFamily="49" charset="-122"/>
+                <a:latin typeface="Times New Roman" panose="02020603050405020304" pitchFamily="18" charset="0"/>
+                <a:cs typeface="Times New Roman" panose="02020603050405020304" pitchFamily="18" charset="0"/>
               </a:rPr>
               <a:t>，目标代码</a:t>
             </a:r>
             <a:r>
               <a:rPr lang="zh-CN" altLang="en-US" sz="1800" dirty="0">
-                <a:latin typeface="黑体" panose="02010609060101010101" pitchFamily="49" charset="-122"/>
+                <a:latin typeface="Times New Roman" panose="02020603050405020304" pitchFamily="18" charset="0"/>
+                <a:cs typeface="Times New Roman" panose="02020603050405020304" pitchFamily="18" charset="0"/>
               </a:rPr>
               <a:t>是由</a:t>
             </a:r>
             <a:r>
               <a:rPr lang="zh-CN" altLang="en-US" sz="1800" dirty="0" smtClean="0">
-                <a:latin typeface="黑体" panose="02010609060101010101" pitchFamily="49" charset="-122"/>
+                <a:latin typeface="Times New Roman" panose="02020603050405020304" pitchFamily="18" charset="0"/>
+                <a:cs typeface="Times New Roman" panose="02020603050405020304" pitchFamily="18" charset="0"/>
               </a:rPr>
               <a:t>源代码</a:t>
             </a:r>
             <a:r>
               <a:rPr lang="zh-CN" altLang="en-US" sz="1800" dirty="0">
-                <a:latin typeface="黑体" panose="02010609060101010101" pitchFamily="49" charset="-122"/>
+                <a:latin typeface="Times New Roman" panose="02020603050405020304" pitchFamily="18" charset="0"/>
+                <a:cs typeface="Times New Roman" panose="02020603050405020304" pitchFamily="18" charset="0"/>
               </a:rPr>
               <a:t>编译得到的，故</a:t>
             </a:r>
             <a:r>
               <a:rPr lang="zh-CN" altLang="en-US" sz="1800" dirty="0" smtClean="0">
-                <a:latin typeface="黑体" panose="02010609060101010101" pitchFamily="49" charset="-122"/>
+                <a:latin typeface="Times New Roman" panose="02020603050405020304" pitchFamily="18" charset="0"/>
+                <a:cs typeface="Times New Roman" panose="02020603050405020304" pitchFamily="18" charset="0"/>
               </a:rPr>
               <a:t>有：</a:t>
             </a:r>
             <a:endParaRPr lang="en-US" altLang="zh-CN" sz="1800" dirty="0" smtClean="0">
-              <a:latin typeface="黑体" panose="02010609060101010101" pitchFamily="49" charset="-122"/>
+              <a:latin typeface="Times New Roman" panose="02020603050405020304" pitchFamily="18" charset="0"/>
+              <a:cs typeface="Times New Roman" panose="02020603050405020304" pitchFamily="18" charset="0"/>
             </a:endParaRPr>
           </a:p>
           <a:p>
@@ -15373,7 +15720,8 @@
               <a:buNone/>
             </a:pPr>
             <a:endParaRPr lang="en-US" altLang="zh-CN" sz="1800" dirty="0">
-              <a:latin typeface="黑体" panose="02010609060101010101" pitchFamily="49" charset="-122"/>
+              <a:latin typeface="Times New Roman" panose="02020603050405020304" pitchFamily="18" charset="0"/>
+              <a:cs typeface="Times New Roman" panose="02020603050405020304" pitchFamily="18" charset="0"/>
             </a:endParaRPr>
           </a:p>
           <a:p>
@@ -15383,48 +15731,56 @@
             </a:pPr>
             <a:r>
               <a:rPr lang="zh-CN" altLang="en-US" sz="1800" dirty="0" smtClean="0">
-                <a:latin typeface="黑体" panose="02010609060101010101" pitchFamily="49" charset="-122"/>
+                <a:latin typeface="Times New Roman" panose="02020603050405020304" pitchFamily="18" charset="0"/>
+                <a:cs typeface="Times New Roman" panose="02020603050405020304" pitchFamily="18" charset="0"/>
               </a:rPr>
               <a:t>由</a:t>
             </a:r>
             <a:r>
               <a:rPr lang="en-US" altLang="zh-CN" sz="1800" dirty="0" smtClean="0">
-                <a:latin typeface="黑体" panose="02010609060101010101" pitchFamily="49" charset="-122"/>
+                <a:latin typeface="Times New Roman" panose="02020603050405020304" pitchFamily="18" charset="0"/>
+                <a:cs typeface="Times New Roman" panose="02020603050405020304" pitchFamily="18" charset="0"/>
               </a:rPr>
               <a:t>(1</a:t>
             </a:r>
             <a:r>
               <a:rPr lang="en-US" altLang="zh-CN" sz="1800" dirty="0">
-                <a:latin typeface="黑体" panose="02010609060101010101" pitchFamily="49" charset="-122"/>
+                <a:latin typeface="Times New Roman" panose="02020603050405020304" pitchFamily="18" charset="0"/>
+                <a:cs typeface="Times New Roman" panose="02020603050405020304" pitchFamily="18" charset="0"/>
               </a:rPr>
               <a:t>)</a:t>
             </a:r>
             <a:r>
               <a:rPr lang="zh-CN" altLang="en-US" sz="1800" dirty="0">
-                <a:latin typeface="黑体" panose="02010609060101010101" pitchFamily="49" charset="-122"/>
+                <a:latin typeface="Times New Roman" panose="02020603050405020304" pitchFamily="18" charset="0"/>
+                <a:cs typeface="Times New Roman" panose="02020603050405020304" pitchFamily="18" charset="0"/>
               </a:rPr>
               <a:t>、</a:t>
             </a:r>
             <a:r>
               <a:rPr lang="en-US" altLang="zh-CN" sz="1800" dirty="0">
-                <a:latin typeface="黑体" panose="02010609060101010101" pitchFamily="49" charset="-122"/>
+                <a:latin typeface="Times New Roman" panose="02020603050405020304" pitchFamily="18" charset="0"/>
+                <a:cs typeface="Times New Roman" panose="02020603050405020304" pitchFamily="18" charset="0"/>
               </a:rPr>
               <a:t>(2)</a:t>
             </a:r>
             <a:r>
               <a:rPr lang="zh-CN" altLang="en-US" sz="1800" dirty="0">
-                <a:latin typeface="黑体" panose="02010609060101010101" pitchFamily="49" charset="-122"/>
+                <a:latin typeface="Times New Roman" panose="02020603050405020304" pitchFamily="18" charset="0"/>
+                <a:cs typeface="Times New Roman" panose="02020603050405020304" pitchFamily="18" charset="0"/>
               </a:rPr>
               <a:t>式可以</a:t>
             </a:r>
             <a:r>
               <a:rPr lang="zh-CN" altLang="en-US" sz="1800" dirty="0" smtClean="0">
-                <a:latin typeface="黑体" panose="02010609060101010101" pitchFamily="49" charset="-122"/>
+                <a:latin typeface="Times New Roman" panose="02020603050405020304" pitchFamily="18" charset="0"/>
+                <a:cs typeface="Times New Roman" panose="02020603050405020304" pitchFamily="18" charset="0"/>
               </a:rPr>
               <a:t>得到：</a:t>
             </a:r>
             <a:endParaRPr lang="en-US" altLang="zh-CN" sz="1800" dirty="0" smtClean="0">
-              <a:latin typeface="黑体" panose="02010609060101010101" pitchFamily="49" charset="-122"/>
+              <a:latin typeface="Times New Roman" panose="02020603050405020304" pitchFamily="18" charset="0"/>
+              <a:cs typeface="Times New Roman" panose="02020603050405020304" pitchFamily="18" charset="0"/>
             </a:endParaRPr>
           </a:p>
           <a:p>
@@ -15433,7 +15789,8 @@
               <a:buNone/>
             </a:pPr>
             <a:endParaRPr lang="en-US" altLang="zh-CN" sz="1800" dirty="0">
-              <a:latin typeface="黑体" panose="02010609060101010101" pitchFamily="49" charset="-122"/>
+              <a:latin typeface="Times New Roman" panose="02020603050405020304" pitchFamily="18" charset="0"/>
+              <a:cs typeface="Times New Roman" panose="02020603050405020304" pitchFamily="18" charset="0"/>
             </a:endParaRPr>
           </a:p>
           <a:p>
@@ -15443,13 +15800,15 @@
             </a:pPr>
             <a:r>
               <a:rPr lang="en-US" altLang="zh-CN" sz="1800" dirty="0" smtClean="0">
-                <a:latin typeface="黑体" panose="02010609060101010101" pitchFamily="49" charset="-122"/>
+                <a:latin typeface="Times New Roman" panose="02020603050405020304" pitchFamily="18" charset="0"/>
+                <a:cs typeface="Times New Roman" panose="02020603050405020304" pitchFamily="18" charset="0"/>
               </a:rPr>
               <a:t>	</a:t>
             </a:r>
             <a:r>
               <a:rPr lang="zh-CN" altLang="en-US" sz="1800" dirty="0" smtClean="0">
-                <a:latin typeface="黑体" panose="02010609060101010101" pitchFamily="49" charset="-122"/>
+                <a:latin typeface="Times New Roman" panose="02020603050405020304" pitchFamily="18" charset="0"/>
+                <a:cs typeface="Times New Roman" panose="02020603050405020304" pitchFamily="18" charset="0"/>
               </a:rPr>
               <a:t>不妨设</a:t>
             </a:r>
@@ -15462,13 +15821,15 @@
             </a:r>
             <a:r>
               <a:rPr lang="zh-CN" altLang="en-US" sz="1800" dirty="0">
-                <a:latin typeface="黑体" panose="02010609060101010101" pitchFamily="49" charset="-122"/>
+                <a:latin typeface="Times New Roman" panose="02020603050405020304" pitchFamily="18" charset="0"/>
+                <a:cs typeface="Times New Roman" panose="02020603050405020304" pitchFamily="18" charset="0"/>
               </a:rPr>
               <a:t>文法单元</a:t>
             </a:r>
             <a:r>
               <a:rPr lang="zh-CN" altLang="en-US" sz="1800" dirty="0" smtClean="0">
-                <a:latin typeface="黑体" panose="02010609060101010101" pitchFamily="49" charset="-122"/>
+                <a:latin typeface="Times New Roman" panose="02020603050405020304" pitchFamily="18" charset="0"/>
+                <a:cs typeface="Times New Roman" panose="02020603050405020304" pitchFamily="18" charset="0"/>
               </a:rPr>
               <a:t>为</a:t>
             </a:r>
@@ -15488,19 +15849,22 @@
             </a:r>
             <a:r>
               <a:rPr lang="zh-CN" altLang="en-US" sz="1800" dirty="0" smtClean="0">
-                <a:latin typeface="黑体" panose="02010609060101010101" pitchFamily="49" charset="-122"/>
+                <a:latin typeface="Times New Roman" panose="02020603050405020304" pitchFamily="18" charset="0"/>
+                <a:cs typeface="Times New Roman" panose="02020603050405020304" pitchFamily="18" charset="0"/>
               </a:rPr>
               <a:t>，</a:t>
             </a:r>
             <a:r>
               <a:rPr lang="zh-CN" altLang="en-US" sz="1800" dirty="0">
-                <a:latin typeface="黑体" panose="02010609060101010101" pitchFamily="49" charset="-122"/>
+                <a:latin typeface="Times New Roman" panose="02020603050405020304" pitchFamily="18" charset="0"/>
+                <a:cs typeface="Times New Roman" panose="02020603050405020304" pitchFamily="18" charset="0"/>
               </a:rPr>
               <a:t>对应的目标码模式</a:t>
             </a:r>
             <a:r>
               <a:rPr lang="zh-CN" altLang="en-US" sz="1800" dirty="0" smtClean="0">
-                <a:latin typeface="黑体" panose="02010609060101010101" pitchFamily="49" charset="-122"/>
+                <a:latin typeface="Times New Roman" panose="02020603050405020304" pitchFamily="18" charset="0"/>
+                <a:cs typeface="Times New Roman" panose="02020603050405020304" pitchFamily="18" charset="0"/>
               </a:rPr>
               <a:t>为</a:t>
             </a:r>
@@ -15520,18 +15884,21 @@
             </a:r>
             <a:r>
               <a:rPr lang="zh-CN" altLang="en-US" sz="1800" dirty="0" smtClean="0">
-                <a:latin typeface="黑体" panose="02010609060101010101" pitchFamily="49" charset="-122"/>
+                <a:latin typeface="Times New Roman" panose="02020603050405020304" pitchFamily="18" charset="0"/>
+                <a:cs typeface="Times New Roman" panose="02020603050405020304" pitchFamily="18" charset="0"/>
               </a:rPr>
               <a:t>。根据文法单元的</a:t>
             </a:r>
             <a:r>
               <a:rPr lang="zh-CN" altLang="en-US" sz="1800" dirty="0">
-                <a:latin typeface="黑体" panose="02010609060101010101" pitchFamily="49" charset="-122"/>
+                <a:latin typeface="Times New Roman" panose="02020603050405020304" pitchFamily="18" charset="0"/>
+                <a:cs typeface="Times New Roman" panose="02020603050405020304" pitchFamily="18" charset="0"/>
               </a:rPr>
               <a:t>独立性，则有：</a:t>
             </a:r>
             <a:endParaRPr lang="en-US" altLang="zh-CN" sz="1800" dirty="0" smtClean="0">
-              <a:latin typeface="黑体" panose="02010609060101010101" pitchFamily="49" charset="-122"/>
+              <a:latin typeface="Times New Roman" panose="02020603050405020304" pitchFamily="18" charset="0"/>
+              <a:cs typeface="Times New Roman" panose="02020603050405020304" pitchFamily="18" charset="0"/>
             </a:endParaRPr>
           </a:p>
           <a:p>
@@ -15540,7 +15907,8 @@
               <a:buNone/>
             </a:pPr>
             <a:endParaRPr lang="en-US" altLang="zh-CN" sz="2200" dirty="0" smtClean="0">
-              <a:latin typeface="黑体" panose="02010609060101010101" pitchFamily="49" charset="-122"/>
+              <a:latin typeface="Times New Roman" panose="02020603050405020304" pitchFamily="18" charset="0"/>
+              <a:cs typeface="Times New Roman" panose="02020603050405020304" pitchFamily="18" charset="0"/>
             </a:endParaRPr>
           </a:p>
           <a:p>
@@ -15549,7 +15917,8 @@
               <a:buNone/>
             </a:pPr>
             <a:endParaRPr lang="en-US" altLang="zh-CN" sz="2200" dirty="0" smtClean="0">
-              <a:latin typeface="黑体" panose="02010609060101010101" pitchFamily="49" charset="-122"/>
+              <a:latin typeface="Times New Roman" panose="02020603050405020304" pitchFamily="18" charset="0"/>
+              <a:cs typeface="Times New Roman" panose="02020603050405020304" pitchFamily="18" charset="0"/>
             </a:endParaRPr>
           </a:p>
           <a:p>
@@ -15559,36 +15928,42 @@
             </a:pPr>
             <a:r>
               <a:rPr lang="zh-CN" altLang="en-US" sz="1800" dirty="0" smtClean="0">
-                <a:latin typeface="黑体" panose="02010609060101010101" pitchFamily="49" charset="-122"/>
+                <a:latin typeface="Times New Roman" panose="02020603050405020304" pitchFamily="18" charset="0"/>
+                <a:cs typeface="Times New Roman" panose="02020603050405020304" pitchFamily="18" charset="0"/>
               </a:rPr>
               <a:t>把</a:t>
             </a:r>
             <a:r>
               <a:rPr lang="en-US" altLang="zh-CN" sz="1800" dirty="0">
-                <a:latin typeface="黑体" panose="02010609060101010101" pitchFamily="49" charset="-122"/>
+                <a:latin typeface="Times New Roman" panose="02020603050405020304" pitchFamily="18" charset="0"/>
+                <a:cs typeface="Times New Roman" panose="02020603050405020304" pitchFamily="18" charset="0"/>
               </a:rPr>
               <a:t>(4)</a:t>
             </a:r>
             <a:r>
               <a:rPr lang="zh-CN" altLang="en-US" sz="1800" dirty="0">
-                <a:latin typeface="黑体" panose="02010609060101010101" pitchFamily="49" charset="-122"/>
+                <a:latin typeface="Times New Roman" panose="02020603050405020304" pitchFamily="18" charset="0"/>
+                <a:cs typeface="Times New Roman" panose="02020603050405020304" pitchFamily="18" charset="0"/>
               </a:rPr>
               <a:t>式代入</a:t>
             </a:r>
             <a:r>
               <a:rPr lang="en-US" altLang="zh-CN" sz="1800" dirty="0">
-                <a:latin typeface="黑体" panose="02010609060101010101" pitchFamily="49" charset="-122"/>
+                <a:latin typeface="Times New Roman" panose="02020603050405020304" pitchFamily="18" charset="0"/>
+                <a:cs typeface="Times New Roman" panose="02020603050405020304" pitchFamily="18" charset="0"/>
               </a:rPr>
               <a:t>(3)</a:t>
             </a:r>
             <a:r>
               <a:rPr lang="zh-CN" altLang="en-US" sz="1800" dirty="0" smtClean="0">
-                <a:latin typeface="黑体" panose="02010609060101010101" pitchFamily="49" charset="-122"/>
+                <a:latin typeface="Times New Roman" panose="02020603050405020304" pitchFamily="18" charset="0"/>
+                <a:cs typeface="Times New Roman" panose="02020603050405020304" pitchFamily="18" charset="0"/>
               </a:rPr>
               <a:t>式，简化后有：</a:t>
             </a:r>
             <a:endParaRPr lang="en-US" altLang="zh-CN" sz="1800" dirty="0" smtClean="0">
-              <a:latin typeface="黑体" panose="02010609060101010101" pitchFamily="49" charset="-122"/>
+              <a:latin typeface="Times New Roman" panose="02020603050405020304" pitchFamily="18" charset="0"/>
+              <a:cs typeface="Times New Roman" panose="02020603050405020304" pitchFamily="18" charset="0"/>
             </a:endParaRPr>
           </a:p>
           <a:p>
@@ -15597,7 +15972,8 @@
               <a:buNone/>
             </a:pPr>
             <a:endParaRPr lang="en-US" altLang="zh-CN" sz="1800" dirty="0" smtClean="0">
-              <a:latin typeface="黑体" panose="02010609060101010101" pitchFamily="49" charset="-122"/>
+              <a:latin typeface="Times New Roman" panose="02020603050405020304" pitchFamily="18" charset="0"/>
+              <a:cs typeface="Times New Roman" panose="02020603050405020304" pitchFamily="18" charset="0"/>
             </a:endParaRPr>
           </a:p>
           <a:p>
@@ -15606,7 +15982,8 @@
               <a:buNone/>
             </a:pPr>
             <a:endParaRPr lang="en-US" altLang="zh-CN" sz="1800" dirty="0">
-              <a:latin typeface="黑体" panose="02010609060101010101" pitchFamily="49" charset="-122"/>
+              <a:latin typeface="Times New Roman" panose="02020603050405020304" pitchFamily="18" charset="0"/>
+              <a:cs typeface="Times New Roman" panose="02020603050405020304" pitchFamily="18" charset="0"/>
             </a:endParaRPr>
           </a:p>
           <a:p>
@@ -15616,78 +15993,112 @@
             </a:pPr>
             <a:r>
               <a:rPr lang="en-US" altLang="zh-CN" sz="1800" dirty="0">
-                <a:latin typeface="黑体" panose="02010609060101010101" pitchFamily="49" charset="-122"/>
+                <a:latin typeface="Times New Roman" panose="02020603050405020304" pitchFamily="18" charset="0"/>
+                <a:cs typeface="Times New Roman" panose="02020603050405020304" pitchFamily="18" charset="0"/>
               </a:rPr>
               <a:t> </a:t>
             </a:r>
             <a:r>
               <a:rPr lang="en-US" altLang="zh-CN" sz="1800" dirty="0" smtClean="0">
-                <a:latin typeface="黑体" panose="02010609060101010101" pitchFamily="49" charset="-122"/>
+                <a:latin typeface="Times New Roman" panose="02020603050405020304" pitchFamily="18" charset="0"/>
+                <a:cs typeface="Times New Roman" panose="02020603050405020304" pitchFamily="18" charset="0"/>
               </a:rPr>
               <a:t>   </a:t>
             </a:r>
             <a:r>
               <a:rPr lang="zh-CN" altLang="en-US" sz="1800" dirty="0" smtClean="0">
-                <a:latin typeface="黑体" panose="02010609060101010101" pitchFamily="49" charset="-122"/>
+                <a:latin typeface="Times New Roman" panose="02020603050405020304" pitchFamily="18" charset="0"/>
+                <a:cs typeface="Times New Roman" panose="02020603050405020304" pitchFamily="18" charset="0"/>
               </a:rPr>
               <a:t>上述</a:t>
             </a:r>
             <a:r>
               <a:rPr lang="en-US" altLang="zh-CN" sz="1800" dirty="0">
-                <a:latin typeface="黑体" panose="02010609060101010101" pitchFamily="49" charset="-122"/>
+                <a:latin typeface="Times New Roman" panose="02020603050405020304" pitchFamily="18" charset="0"/>
+                <a:cs typeface="Times New Roman" panose="02020603050405020304" pitchFamily="18" charset="0"/>
               </a:rPr>
               <a:t>(5)</a:t>
             </a:r>
             <a:r>
               <a:rPr lang="zh-CN" altLang="en-US" sz="1800" dirty="0">
-                <a:latin typeface="黑体" panose="02010609060101010101" pitchFamily="49" charset="-122"/>
+                <a:latin typeface="Times New Roman" panose="02020603050405020304" pitchFamily="18" charset="0"/>
+                <a:cs typeface="Times New Roman" panose="02020603050405020304" pitchFamily="18" charset="0"/>
               </a:rPr>
               <a:t>式说明了编译过程正确性验证可以等价为</a:t>
             </a:r>
             <a:r>
               <a:rPr lang="zh-CN" altLang="en-US" sz="1800" dirty="0" smtClean="0">
-                <a:latin typeface="黑体" panose="02010609060101010101" pitchFamily="49" charset="-122"/>
+                <a:latin typeface="Times New Roman" panose="02020603050405020304" pitchFamily="18" charset="0"/>
+                <a:cs typeface="Times New Roman" panose="02020603050405020304" pitchFamily="18" charset="0"/>
               </a:rPr>
               <a:t>对源代码中每个</a:t>
             </a:r>
             <a:r>
               <a:rPr lang="en-US" altLang="zh-CN" sz="1800" dirty="0">
-                <a:latin typeface="黑体" panose="02010609060101010101" pitchFamily="49" charset="-122"/>
+                <a:latin typeface="Times New Roman" panose="02020603050405020304" pitchFamily="18" charset="0"/>
+                <a:cs typeface="Times New Roman" panose="02020603050405020304" pitchFamily="18" charset="0"/>
               </a:rPr>
               <a:t>C</a:t>
             </a:r>
             <a:r>
               <a:rPr lang="zh-CN" altLang="en-US" sz="1800" dirty="0">
-                <a:latin typeface="黑体" panose="02010609060101010101" pitchFamily="49" charset="-122"/>
+                <a:latin typeface="Times New Roman" panose="02020603050405020304" pitchFamily="18" charset="0"/>
+                <a:cs typeface="Times New Roman" panose="02020603050405020304" pitchFamily="18" charset="0"/>
               </a:rPr>
               <a:t>文法单元的验证，可以通过</a:t>
             </a:r>
             <a:r>
               <a:rPr lang="zh-CN" altLang="en-US" sz="1800" b="1" u="sng" dirty="0">
-                <a:latin typeface="黑体" panose="02010609060101010101" pitchFamily="49" charset="-122"/>
+                <a:latin typeface="Times New Roman" panose="02020603050405020304" pitchFamily="18" charset="0"/>
+                <a:cs typeface="Times New Roman" panose="02020603050405020304" pitchFamily="18" charset="0"/>
               </a:rPr>
               <a:t>验证编译前后</a:t>
             </a:r>
             <a:r>
               <a:rPr lang="zh-CN" altLang="en-US" sz="1800" b="1" u="sng" dirty="0" smtClean="0">
-                <a:latin typeface="黑体" panose="02010609060101010101" pitchFamily="49" charset="-122"/>
+                <a:latin typeface="Times New Roman" panose="02020603050405020304" pitchFamily="18" charset="0"/>
+                <a:cs typeface="Times New Roman" panose="02020603050405020304" pitchFamily="18" charset="0"/>
               </a:rPr>
               <a:t>每个文法</a:t>
             </a:r>
             <a:r>
               <a:rPr lang="zh-CN" altLang="en-US" sz="1800" b="1" u="sng" dirty="0">
-                <a:latin typeface="黑体" panose="02010609060101010101" pitchFamily="49" charset="-122"/>
-              </a:rPr>
-              <a:t>单元和对应的目标代码模式的语义的等价性</a:t>
+                <a:latin typeface="Times New Roman" panose="02020603050405020304" pitchFamily="18" charset="0"/>
+                <a:cs typeface="Times New Roman" panose="02020603050405020304" pitchFamily="18" charset="0"/>
+              </a:rPr>
+              <a:t>单元和对应的目标代码模式的语义</a:t>
+            </a:r>
+            <a:r>
+              <a:rPr lang="zh-CN" altLang="en-US" sz="1800" b="1" u="sng" dirty="0" smtClean="0">
+                <a:latin typeface="Times New Roman" panose="02020603050405020304" pitchFamily="18" charset="0"/>
+                <a:cs typeface="Times New Roman" panose="02020603050405020304" pitchFamily="18" charset="0"/>
+              </a:rPr>
+              <a:t>的</a:t>
+            </a:r>
+            <a:r>
+              <a:rPr lang="zh-CN" altLang="en-US" sz="1800" b="1" u="sng" dirty="0">
+                <a:latin typeface="Times New Roman" panose="02020603050405020304" pitchFamily="18" charset="0"/>
+                <a:cs typeface="Times New Roman" panose="02020603050405020304" pitchFamily="18" charset="0"/>
+              </a:rPr>
+              <a:t>一致</a:t>
+            </a:r>
+            <a:r>
+              <a:rPr lang="zh-CN" altLang="en-US" sz="1800" b="1" u="sng" dirty="0" smtClean="0">
+                <a:latin typeface="Times New Roman" panose="02020603050405020304" pitchFamily="18" charset="0"/>
+                <a:cs typeface="Times New Roman" panose="02020603050405020304" pitchFamily="18" charset="0"/>
+              </a:rPr>
+              <a:t>性</a:t>
             </a:r>
             <a:r>
               <a:rPr lang="zh-CN" altLang="en-US" sz="1800" dirty="0">
-                <a:latin typeface="黑体" panose="02010609060101010101" pitchFamily="49" charset="-122"/>
+                <a:latin typeface="Times New Roman" panose="02020603050405020304" pitchFamily="18" charset="0"/>
+                <a:cs typeface="Times New Roman" panose="02020603050405020304" pitchFamily="18" charset="0"/>
               </a:rPr>
               <a:t>来实现。</a:t>
             </a:r>
             <a:endParaRPr lang="en-US" altLang="zh-CN" sz="1800" dirty="0" smtClean="0">
-              <a:latin typeface="黑体" panose="02010609060101010101" pitchFamily="49" charset="-122"/>
+              <a:latin typeface="Times New Roman" panose="02020603050405020304" pitchFamily="18" charset="0"/>
+              <a:cs typeface="Times New Roman" panose="02020603050405020304" pitchFamily="18" charset="0"/>
             </a:endParaRPr>
           </a:p>
         </p:txBody>
@@ -15714,7 +16125,7 @@
           <a:graphicData uri="http://schemas.openxmlformats.org/presentationml/2006/ole">
             <mc:AlternateContent xmlns:mc="http://schemas.openxmlformats.org/markup-compatibility/2006">
               <mc:Choice xmlns:v="urn:schemas-microsoft-com:vml" Requires="v">
-                <p:oleObj spid="_x0000_s22509" name="Equation" r:id="rId4" imgW="1002865" imgH="253890" progId="Equation.DSMT4">
+                <p:oleObj spid="_x0000_s30193" name="Equation" r:id="rId4" imgW="1002865" imgH="253890" progId="Equation.DSMT4">
                   <p:embed/>
                 </p:oleObj>
               </mc:Choice>
@@ -15880,7 +16291,7 @@
           <a:graphicData uri="http://schemas.openxmlformats.org/presentationml/2006/ole">
             <mc:AlternateContent xmlns:mc="http://schemas.openxmlformats.org/markup-compatibility/2006">
               <mc:Choice xmlns:v="urn:schemas-microsoft-com:vml" Requires="v">
-                <p:oleObj spid="_x0000_s22510" name="Equation" r:id="rId6" imgW="2959100" imgH="254000" progId="Equation.DSMT4">
+                <p:oleObj spid="_x0000_s30194" name="Equation" r:id="rId6" imgW="2959100" imgH="254000" progId="Equation.DSMT4">
                   <p:embed/>
                 </p:oleObj>
               </mc:Choice>
@@ -16046,7 +16457,7 @@
           <a:graphicData uri="http://schemas.openxmlformats.org/presentationml/2006/ole">
             <mc:AlternateContent xmlns:mc="http://schemas.openxmlformats.org/markup-compatibility/2006">
               <mc:Choice xmlns:v="urn:schemas-microsoft-com:vml" Requires="v">
-                <p:oleObj spid="_x0000_s22511" name="Equation" r:id="rId8" imgW="660400" imgH="914400" progId="Equation.DSMT4">
+                <p:oleObj spid="_x0000_s30195" name="Equation" r:id="rId8" imgW="660400" imgH="914400" progId="Equation.DSMT4">
                   <p:embed/>
                 </p:oleObj>
               </mc:Choice>
@@ -16221,7 +16632,7 @@
           <a:graphicData uri="http://schemas.openxmlformats.org/presentationml/2006/ole">
             <mc:AlternateContent xmlns:mc="http://schemas.openxmlformats.org/markup-compatibility/2006">
               <mc:Choice xmlns:v="urn:schemas-microsoft-com:vml" Requires="v">
-                <p:oleObj spid="_x0000_s22512" name="Equation" r:id="rId10" imgW="3797300" imgH="254000" progId="Equation.DSMT4">
+                <p:oleObj spid="_x0000_s30196" name="Equation" r:id="rId10" imgW="3797300" imgH="254000" progId="Equation.DSMT4">
                   <p:embed/>
                 </p:oleObj>
               </mc:Choice>
@@ -16772,7 +17183,7 @@
           <a:graphicData uri="http://schemas.openxmlformats.org/presentationml/2006/ole">
             <mc:AlternateContent xmlns:mc="http://schemas.openxmlformats.org/markup-compatibility/2006">
               <mc:Choice xmlns:v="urn:schemas-microsoft-com:vml" Requires="v">
-                <p:oleObj spid="_x0000_s11744" name="Visio" r:id="rId4" imgW="4838482" imgH="4919589" progId="Visio.Drawing.15">
+                <p:oleObj spid="_x0000_s11873" name="Visio" r:id="rId4" imgW="4838482" imgH="4919589" progId="Visio.Drawing.15">
                   <p:embed/>
                 </p:oleObj>
               </mc:Choice>
@@ -18167,7 +18578,35 @@
                 <a:latin typeface="Times New Roman" panose="02020603050405020304" pitchFamily="18" charset="0"/>
                 <a:cs typeface="Times New Roman" panose="02020603050405020304" pitchFamily="18" charset="0"/>
               </a:rPr>
-              <a:t>上下文无关文法之间具有相互独立的特性，因此上下文无关文法的并集仍然是上下文无关文法。</a:t>
+              <a:t>上下文无关文法之间具有</a:t>
+            </a:r>
+            <a:r>
+              <a:rPr lang="zh-CN" altLang="en-US" sz="1800" b="1" u="sng" dirty="0">
+                <a:latin typeface="Times New Roman" panose="02020603050405020304" pitchFamily="18" charset="0"/>
+                <a:cs typeface="Times New Roman" panose="02020603050405020304" pitchFamily="18" charset="0"/>
+              </a:rPr>
+              <a:t>相互独立的特性</a:t>
+            </a:r>
+            <a:r>
+              <a:rPr lang="zh-CN" altLang="en-US" sz="1800" dirty="0">
+                <a:latin typeface="Times New Roman" panose="02020603050405020304" pitchFamily="18" charset="0"/>
+                <a:cs typeface="Times New Roman" panose="02020603050405020304" pitchFamily="18" charset="0"/>
+              </a:rPr>
+              <a:t>，因此</a:t>
+            </a:r>
+            <a:r>
+              <a:rPr lang="zh-CN" altLang="en-US" sz="1800" b="1" u="sng" dirty="0">
+                <a:latin typeface="Times New Roman" panose="02020603050405020304" pitchFamily="18" charset="0"/>
+                <a:cs typeface="Times New Roman" panose="02020603050405020304" pitchFamily="18" charset="0"/>
+              </a:rPr>
+              <a:t>上下文无关文法的并集</a:t>
+            </a:r>
+            <a:r>
+              <a:rPr lang="zh-CN" altLang="en-US" sz="1800" dirty="0">
+                <a:latin typeface="Times New Roman" panose="02020603050405020304" pitchFamily="18" charset="0"/>
+                <a:cs typeface="Times New Roman" panose="02020603050405020304" pitchFamily="18" charset="0"/>
+              </a:rPr>
+              <a:t>仍然是上下文无关文法。</a:t>
             </a:r>
             <a:endParaRPr lang="en-US" altLang="zh-CN" sz="1800" dirty="0" smtClean="0">
               <a:latin typeface="Times New Roman" panose="02020603050405020304" pitchFamily="18" charset="0"/>
@@ -18242,7 +18681,15 @@
             </a:r>
             <a:r>
               <a:rPr lang="zh-CN" altLang="en-US" sz="1800" dirty="0"/>
-              <a:t>文法单元可以用对应文法的下推自动机来识别，不同文法单元之间之间也是相互独立的。</a:t>
+              <a:t>文法单元可以用对应文法的下推自动机来识别，不同</a:t>
+            </a:r>
+            <a:r>
+              <a:rPr lang="zh-CN" altLang="en-US" sz="1800" b="1" u="sng" dirty="0"/>
+              <a:t>文法单元之间之间也是相互独立的</a:t>
+            </a:r>
+            <a:r>
+              <a:rPr lang="zh-CN" altLang="en-US" sz="1800" dirty="0"/>
+              <a:t>。</a:t>
             </a:r>
             <a:endParaRPr lang="en-US" altLang="zh-CN" sz="1800" dirty="0" smtClean="0"/>
           </a:p>
@@ -18266,11 +18713,19 @@
             </a:pPr>
             <a:r>
               <a:rPr lang="zh-CN" altLang="en-US" sz="1800" dirty="0"/>
-              <a:t>语义定义了用于判定特定模型中的语句真值的规则，也就是语句的含义以及这些含义之间的</a:t>
+              <a:t>语义定义了用于判定特定模型中的语句真值的规则，也就是</a:t>
+            </a:r>
+            <a:r>
+              <a:rPr lang="zh-CN" altLang="en-US" sz="1800" b="1" u="sng" dirty="0"/>
+              <a:t>语句的含义以及这些含义之间的</a:t>
+            </a:r>
+            <a:r>
+              <a:rPr lang="zh-CN" altLang="en-US" sz="1800" b="1" u="sng" dirty="0" smtClean="0"/>
+              <a:t>关系</a:t>
             </a:r>
             <a:r>
               <a:rPr lang="zh-CN" altLang="en-US" sz="1800" dirty="0" smtClean="0"/>
-              <a:t>关系。</a:t>
+              <a:t>。</a:t>
             </a:r>
             <a:endParaRPr lang="en-US" altLang="zh-CN" sz="1800" dirty="0" smtClean="0"/>
           </a:p>
@@ -18308,16 +18763,52 @@
           </a:p>
         </p:txBody>
       </p:sp>
+      <p:sp>
+        <p:nvSpPr>
+          <p:cNvPr id="5" name="灯片编号占位符 4"/>
+          <p:cNvSpPr>
+            <a:spLocks noGrp="1"/>
+          </p:cNvSpPr>
+          <p:nvPr>
+            <p:ph type="sldNum" sz="quarter" idx="11"/>
+          </p:nvPr>
+        </p:nvSpPr>
+        <p:spPr/>
+        <p:txBody>
+          <a:bodyPr/>
+          <a:lstStyle/>
+          <a:p>
+            <a:fld id="{0C913308-F349-4B6D-A68A-DD1791B4A57B}" type="slidenum">
+              <a:rPr lang="zh-CN" altLang="en-US" smtClean="0">
+                <a:solidFill>
+                  <a:prstClr val="black">
+                    <a:tint val="75000"/>
+                  </a:prstClr>
+                </a:solidFill>
+              </a:rPr>
+              <a:pPr/>
+              <a:t>16</a:t>
+            </a:fld>
+            <a:endParaRPr lang="zh-CN" altLang="en-US" dirty="0">
+              <a:solidFill>
+                <a:prstClr val="black">
+                  <a:tint val="75000"/>
+                </a:prstClr>
+              </a:solidFill>
+            </a:endParaRPr>
+          </a:p>
+        </p:txBody>
+      </p:sp>
       <p:graphicFrame>
         <p:nvGraphicFramePr>
-          <p:cNvPr id="4" name="表格 3"/>
+          <p:cNvPr id="6" name="表格 5"/>
           <p:cNvGraphicFramePr>
             <a:graphicFrameLocks noGrp="1"/>
           </p:cNvGraphicFramePr>
           <p:nvPr>
             <p:extLst>
               <p:ext uri="{D42A27DB-BD31-4B8C-83A1-F6EECF244321}">
-                <p14:modId xmlns:p14="http://schemas.microsoft.com/office/powerpoint/2010/main" val="168886553"/>
+                <p14:modId xmlns:p14="http://schemas.microsoft.com/office/powerpoint/2010/main" val="2846511699"/>
               </p:ext>
             </p:extLst>
           </p:nvPr>
@@ -18884,42 +19375,6 @@
           </a:graphicData>
         </a:graphic>
       </p:graphicFrame>
-      <p:sp>
-        <p:nvSpPr>
-          <p:cNvPr id="5" name="灯片编号占位符 4"/>
-          <p:cNvSpPr>
-            <a:spLocks noGrp="1"/>
-          </p:cNvSpPr>
-          <p:nvPr>
-            <p:ph type="sldNum" sz="quarter" idx="11"/>
-          </p:nvPr>
-        </p:nvSpPr>
-        <p:spPr/>
-        <p:txBody>
-          <a:bodyPr/>
-          <a:lstStyle/>
-          <a:p>
-            <a:fld id="{0C913308-F349-4B6D-A68A-DD1791B4A57B}" type="slidenum">
-              <a:rPr lang="zh-CN" altLang="en-US" smtClean="0">
-                <a:solidFill>
-                  <a:prstClr val="black">
-                    <a:tint val="75000"/>
-                  </a:prstClr>
-                </a:solidFill>
-              </a:rPr>
-              <a:pPr/>
-              <a:t>16</a:t>
-            </a:fld>
-            <a:endParaRPr lang="zh-CN" altLang="en-US" dirty="0">
-              <a:solidFill>
-                <a:prstClr val="black">
-                  <a:tint val="75000"/>
-                </a:prstClr>
-              </a:solidFill>
-            </a:endParaRPr>
-          </a:p>
-        </p:txBody>
-      </p:sp>
     </p:spTree>
     <p:extLst>
       <p:ext uri="{BB962C8B-B14F-4D97-AF65-F5344CB8AC3E}">
@@ -18963,7 +19418,7 @@
                             </p:stCondLst>
                             <p:childTnLst>
                               <p:par>
-                                <p:cTn id="5" presetID="42" presetClass="entr" presetSubtype="0" fill="hold" nodeType="clickEffect">
+                                <p:cTn id="5" presetID="16" presetClass="entr" presetSubtype="21" fill="hold" nodeType="clickEffect">
                                   <p:stCondLst>
                                     <p:cond delay="0"/>
                                   </p:stCondLst>
@@ -18976,7 +19431,7 @@
                                           </p:stCondLst>
                                         </p:cTn>
                                         <p:tgtEl>
-                                          <p:spTgt spid="4"/>
+                                          <p:spTgt spid="6"/>
                                         </p:tgtEl>
                                         <p:attrNameLst>
                                           <p:attrName>style.visibility</p:attrName>
@@ -18986,60 +19441,14 @@
                                         <p:strVal val="visible"/>
                                       </p:to>
                                     </p:set>
-                                    <p:animEffect transition="in" filter="fade">
+                                    <p:animEffect transition="in" filter="barn(inVertical)">
                                       <p:cBhvr>
-                                        <p:cTn id="7" dur="1000"/>
+                                        <p:cTn id="7" dur="500"/>
                                         <p:tgtEl>
-                                          <p:spTgt spid="4"/>
+                                          <p:spTgt spid="6"/>
                                         </p:tgtEl>
                                       </p:cBhvr>
                                     </p:animEffect>
-                                    <p:anim calcmode="lin" valueType="num">
-                                      <p:cBhvr>
-                                        <p:cTn id="8" dur="1000" fill="hold"/>
-                                        <p:tgtEl>
-                                          <p:spTgt spid="4"/>
-                                        </p:tgtEl>
-                                        <p:attrNameLst>
-                                          <p:attrName>ppt_x</p:attrName>
-                                        </p:attrNameLst>
-                                      </p:cBhvr>
-                                      <p:tavLst>
-                                        <p:tav tm="0">
-                                          <p:val>
-                                            <p:strVal val="#ppt_x"/>
-                                          </p:val>
-                                        </p:tav>
-                                        <p:tav tm="100000">
-                                          <p:val>
-                                            <p:strVal val="#ppt_x"/>
-                                          </p:val>
-                                        </p:tav>
-                                      </p:tavLst>
-                                    </p:anim>
-                                    <p:anim calcmode="lin" valueType="num">
-                                      <p:cBhvr>
-                                        <p:cTn id="9" dur="1000" fill="hold"/>
-                                        <p:tgtEl>
-                                          <p:spTgt spid="4"/>
-                                        </p:tgtEl>
-                                        <p:attrNameLst>
-                                          <p:attrName>ppt_y</p:attrName>
-                                        </p:attrNameLst>
-                                      </p:cBhvr>
-                                      <p:tavLst>
-                                        <p:tav tm="0">
-                                          <p:val>
-                                            <p:strVal val="#ppt_y+.1"/>
-                                          </p:val>
-                                        </p:tav>
-                                        <p:tav tm="100000">
-                                          <p:val>
-                                            <p:strVal val="#ppt_y"/>
-                                          </p:val>
-                                        </p:tav>
-                                      </p:tavLst>
-                                    </p:anim>
                                   </p:childTnLst>
                                 </p:cTn>
                               </p:par>
@@ -19214,21 +19623,35 @@
                 <a:latin typeface="Times New Roman" panose="02020603050405020304" pitchFamily="18" charset="0"/>
                 <a:cs typeface="Times New Roman" panose="02020603050405020304" pitchFamily="18" charset="0"/>
               </a:rPr>
-              <a:t>文法单元得到目标码序列，消除掉语境对目标码序列的影响而获得的目标码序列的</a:t>
-            </a:r>
-            <a:r>
-              <a:rPr lang="zh-CN" altLang="en-US" sz="1800" dirty="0" smtClean="0">
+              <a:t>文法单元得到目标码序列，消除掉语境对目标码序列的影响而获得的</a:t>
+            </a:r>
+            <a:r>
+              <a:rPr lang="zh-CN" altLang="en-US" sz="1800" b="1" u="sng" dirty="0">
                 <a:latin typeface="Times New Roman" panose="02020603050405020304" pitchFamily="18" charset="0"/>
                 <a:cs typeface="Times New Roman" panose="02020603050405020304" pitchFamily="18" charset="0"/>
               </a:rPr>
+              <a:t>目标码序列的</a:t>
+            </a:r>
+            <a:r>
+              <a:rPr lang="zh-CN" altLang="en-US" sz="1800" b="1" u="sng" dirty="0" smtClean="0">
+                <a:latin typeface="Times New Roman" panose="02020603050405020304" pitchFamily="18" charset="0"/>
+                <a:cs typeface="Times New Roman" panose="02020603050405020304" pitchFamily="18" charset="0"/>
+              </a:rPr>
               <a:t>一般化表示</a:t>
+            </a:r>
+            <a:r>
+              <a:rPr lang="zh-CN" altLang="en-US" sz="1800" b="1" u="sng" dirty="0">
+                <a:latin typeface="Times New Roman" panose="02020603050405020304" pitchFamily="18" charset="0"/>
+                <a:cs typeface="Times New Roman" panose="02020603050405020304" pitchFamily="18" charset="0"/>
+              </a:rPr>
+              <a:t>形式</a:t>
             </a:r>
             <a:r>
               <a:rPr lang="zh-CN" altLang="en-US" sz="1800" dirty="0">
                 <a:latin typeface="Times New Roman" panose="02020603050405020304" pitchFamily="18" charset="0"/>
                 <a:cs typeface="Times New Roman" panose="02020603050405020304" pitchFamily="18" charset="0"/>
               </a:rPr>
-              <a:t>形式。</a:t>
+              <a:t>。</a:t>
             </a:r>
             <a:endParaRPr lang="en-US" altLang="zh-CN" sz="1800" dirty="0" smtClean="0">
               <a:latin typeface="Times New Roman" panose="02020603050405020304" pitchFamily="18" charset="0"/>
@@ -19299,14 +19722,14 @@
             </a:pPr>
             <a:r>
               <a:rPr lang="zh-CN" altLang="en-US" sz="1800" dirty="0" smtClean="0"/>
-              <a:t>以</a:t>
-            </a:r>
-            <a:r>
-              <a:rPr lang="en-US" altLang="zh-CN" sz="1800" dirty="0"/>
+              <a:t>目标码模式命题是以</a:t>
+            </a:r>
+            <a:r>
+              <a:rPr lang="en-US" altLang="zh-CN" sz="1800" b="1" u="sng" dirty="0"/>
               <a:t>PowerPC</a:t>
             </a:r>
             <a:r>
-              <a:rPr lang="zh-CN" altLang="en-US" sz="1800" dirty="0"/>
+              <a:rPr lang="zh-CN" altLang="en-US" sz="1800" b="1" u="sng" dirty="0"/>
               <a:t>指令的指称语义</a:t>
             </a:r>
             <a:r>
@@ -19315,7 +19738,15 @@
             </a:r>
             <a:r>
               <a:rPr lang="zh-CN" altLang="en-US" sz="1800" dirty="0"/>
-              <a:t>专用公理使用命题映射算法转化目标码模式而得到的。</a:t>
+              <a:t>专用公理使用</a:t>
+            </a:r>
+            <a:r>
+              <a:rPr lang="zh-CN" altLang="en-US" sz="1800" b="1" u="sng" dirty="0"/>
+              <a:t>命题映射算法</a:t>
+            </a:r>
+            <a:r>
+              <a:rPr lang="zh-CN" altLang="en-US" sz="1800" dirty="0"/>
+              <a:t>转化目标码模式而得到的。</a:t>
             </a:r>
           </a:p>
           <a:p>
@@ -19330,16 +19761,52 @@
           </a:p>
         </p:txBody>
       </p:sp>
+      <p:sp>
+        <p:nvSpPr>
+          <p:cNvPr id="8" name="灯片编号占位符 7"/>
+          <p:cNvSpPr>
+            <a:spLocks noGrp="1"/>
+          </p:cNvSpPr>
+          <p:nvPr>
+            <p:ph type="sldNum" sz="quarter" idx="11"/>
+          </p:nvPr>
+        </p:nvSpPr>
+        <p:spPr/>
+        <p:txBody>
+          <a:bodyPr/>
+          <a:lstStyle/>
+          <a:p>
+            <a:fld id="{0C913308-F349-4B6D-A68A-DD1791B4A57B}" type="slidenum">
+              <a:rPr lang="zh-CN" altLang="en-US" smtClean="0">
+                <a:solidFill>
+                  <a:prstClr val="black">
+                    <a:tint val="75000"/>
+                  </a:prstClr>
+                </a:solidFill>
+              </a:rPr>
+              <a:pPr/>
+              <a:t>17</a:t>
+            </a:fld>
+            <a:endParaRPr lang="zh-CN" altLang="en-US" dirty="0">
+              <a:solidFill>
+                <a:prstClr val="black">
+                  <a:tint val="75000"/>
+                </a:prstClr>
+              </a:solidFill>
+            </a:endParaRPr>
+          </a:p>
+        </p:txBody>
+      </p:sp>
       <p:graphicFrame>
         <p:nvGraphicFramePr>
-          <p:cNvPr id="7" name="表格 6"/>
+          <p:cNvPr id="6" name="表格 5"/>
           <p:cNvGraphicFramePr>
             <a:graphicFrameLocks noGrp="1"/>
           </p:cNvGraphicFramePr>
           <p:nvPr>
             <p:extLst>
               <p:ext uri="{D42A27DB-BD31-4B8C-83A1-F6EECF244321}">
-                <p14:modId xmlns:p14="http://schemas.microsoft.com/office/powerpoint/2010/main" val="1194597485"/>
+                <p14:modId xmlns:p14="http://schemas.microsoft.com/office/powerpoint/2010/main" val="4042644283"/>
               </p:ext>
             </p:extLst>
           </p:nvPr>
@@ -20169,42 +20636,6 @@
           </a:graphicData>
         </a:graphic>
       </p:graphicFrame>
-      <p:sp>
-        <p:nvSpPr>
-          <p:cNvPr id="8" name="灯片编号占位符 7"/>
-          <p:cNvSpPr>
-            <a:spLocks noGrp="1"/>
-          </p:cNvSpPr>
-          <p:nvPr>
-            <p:ph type="sldNum" sz="quarter" idx="11"/>
-          </p:nvPr>
-        </p:nvSpPr>
-        <p:spPr/>
-        <p:txBody>
-          <a:bodyPr/>
-          <a:lstStyle/>
-          <a:p>
-            <a:fld id="{0C913308-F349-4B6D-A68A-DD1791B4A57B}" type="slidenum">
-              <a:rPr lang="zh-CN" altLang="en-US" smtClean="0">
-                <a:solidFill>
-                  <a:prstClr val="black">
-                    <a:tint val="75000"/>
-                  </a:prstClr>
-                </a:solidFill>
-              </a:rPr>
-              <a:pPr/>
-              <a:t>17</a:t>
-            </a:fld>
-            <a:endParaRPr lang="zh-CN" altLang="en-US" dirty="0">
-              <a:solidFill>
-                <a:prstClr val="black">
-                  <a:tint val="75000"/>
-                </a:prstClr>
-              </a:solidFill>
-            </a:endParaRPr>
-          </a:p>
-        </p:txBody>
-      </p:sp>
     </p:spTree>
     <p:extLst>
       <p:ext uri="{BB962C8B-B14F-4D97-AF65-F5344CB8AC3E}">
@@ -20248,7 +20679,7 @@
                             </p:stCondLst>
                             <p:childTnLst>
                               <p:par>
-                                <p:cTn id="5" presetID="42" presetClass="entr" presetSubtype="0" fill="hold" nodeType="clickEffect">
+                                <p:cTn id="5" presetID="16" presetClass="entr" presetSubtype="21" fill="hold" nodeType="clickEffect">
                                   <p:stCondLst>
                                     <p:cond delay="0"/>
                                   </p:stCondLst>
@@ -20261,7 +20692,7 @@
                                           </p:stCondLst>
                                         </p:cTn>
                                         <p:tgtEl>
-                                          <p:spTgt spid="7"/>
+                                          <p:spTgt spid="6"/>
                                         </p:tgtEl>
                                         <p:attrNameLst>
                                           <p:attrName>style.visibility</p:attrName>
@@ -20271,60 +20702,14 @@
                                         <p:strVal val="visible"/>
                                       </p:to>
                                     </p:set>
-                                    <p:animEffect transition="in" filter="fade">
+                                    <p:animEffect transition="in" filter="barn(inVertical)">
                                       <p:cBhvr>
-                                        <p:cTn id="7" dur="1000"/>
+                                        <p:cTn id="7" dur="500"/>
                                         <p:tgtEl>
-                                          <p:spTgt spid="7"/>
+                                          <p:spTgt spid="6"/>
                                         </p:tgtEl>
                                       </p:cBhvr>
                                     </p:animEffect>
-                                    <p:anim calcmode="lin" valueType="num">
-                                      <p:cBhvr>
-                                        <p:cTn id="8" dur="1000" fill="hold"/>
-                                        <p:tgtEl>
-                                          <p:spTgt spid="7"/>
-                                        </p:tgtEl>
-                                        <p:attrNameLst>
-                                          <p:attrName>ppt_x</p:attrName>
-                                        </p:attrNameLst>
-                                      </p:cBhvr>
-                                      <p:tavLst>
-                                        <p:tav tm="0">
-                                          <p:val>
-                                            <p:strVal val="#ppt_x"/>
-                                          </p:val>
-                                        </p:tav>
-                                        <p:tav tm="100000">
-                                          <p:val>
-                                            <p:strVal val="#ppt_x"/>
-                                          </p:val>
-                                        </p:tav>
-                                      </p:tavLst>
-                                    </p:anim>
-                                    <p:anim calcmode="lin" valueType="num">
-                                      <p:cBhvr>
-                                        <p:cTn id="9" dur="1000" fill="hold"/>
-                                        <p:tgtEl>
-                                          <p:spTgt spid="7"/>
-                                        </p:tgtEl>
-                                        <p:attrNameLst>
-                                          <p:attrName>ppt_y</p:attrName>
-                                        </p:attrNameLst>
-                                      </p:cBhvr>
-                                      <p:tavLst>
-                                        <p:tav tm="0">
-                                          <p:val>
-                                            <p:strVal val="#ppt_y+.1"/>
-                                          </p:val>
-                                        </p:tav>
-                                        <p:tav tm="100000">
-                                          <p:val>
-                                            <p:strVal val="#ppt_y"/>
-                                          </p:val>
-                                        </p:tav>
-                                      </p:tavLst>
-                                    </p:anim>
                                   </p:childTnLst>
                                 </p:cTn>
                               </p:par>
@@ -20457,13 +20842,25 @@
               <a:rPr lang="zh-CN" altLang="en-US" sz="1800" dirty="0">
                 <a:latin typeface="黑体" panose="02010609060101010101" pitchFamily="49" charset="-122"/>
               </a:rPr>
-              <a:t>推理规则是正确推理的依据，任何一条永真蕴含式都可以作为一条推理规则。下表给</a:t>
+              <a:t>推理规则是</a:t>
+            </a:r>
+            <a:r>
+              <a:rPr lang="zh-CN" altLang="en-US" sz="1800" b="1" u="sng" dirty="0">
+                <a:latin typeface="黑体" panose="02010609060101010101" pitchFamily="49" charset="-122"/>
+              </a:rPr>
+              <a:t>正确推理的依据</a:t>
+            </a:r>
+            <a:r>
+              <a:rPr lang="zh-CN" altLang="en-US" sz="1800" dirty="0">
+                <a:latin typeface="黑体" panose="02010609060101010101" pitchFamily="49" charset="-122"/>
+              </a:rPr>
+              <a:t>，任何一条永真蕴含式都可以作为一条推理规则。下表给</a:t>
             </a:r>
             <a:r>
               <a:rPr lang="zh-CN" altLang="en-US" sz="1800" dirty="0" smtClean="0">
                 <a:latin typeface="黑体" panose="02010609060101010101" pitchFamily="49" charset="-122"/>
               </a:rPr>
-              <a:t>出公理系统</a:t>
+              <a:t>出本公理系统</a:t>
             </a:r>
             <a:r>
               <a:rPr lang="zh-CN" altLang="en-US" sz="1800" dirty="0">
@@ -20560,7 +20957,7 @@
           <a:graphicData uri="http://schemas.openxmlformats.org/presentationml/2006/ole">
             <mc:AlternateContent xmlns:mc="http://schemas.openxmlformats.org/markup-compatibility/2006">
               <mc:Choice xmlns:v="urn:schemas-microsoft-com:vml" Requires="v">
-                <p:oleObj spid="_x0000_s28577" name="Equation" r:id="rId4" imgW="685800" imgH="457200" progId="Equation.DSMT4">
+                <p:oleObj spid="_x0000_s31657" name="Equation" r:id="rId4" imgW="685800" imgH="457200" progId="Equation.DSMT4">
                   <p:embed/>
                 </p:oleObj>
               </mc:Choice>
@@ -20636,7 +21033,7 @@
           <a:graphicData uri="http://schemas.openxmlformats.org/presentationml/2006/ole">
             <mc:AlternateContent xmlns:mc="http://schemas.openxmlformats.org/markup-compatibility/2006">
               <mc:Choice xmlns:v="urn:schemas-microsoft-com:vml" Requires="v">
-                <p:oleObj spid="_x0000_s28578" name="Equation" r:id="rId6" imgW="850531" imgH="203112" progId="Equation.DSMT4">
+                <p:oleObj spid="_x0000_s31658" name="Equation" r:id="rId6" imgW="850531" imgH="203112" progId="Equation.DSMT4">
                   <p:embed/>
                 </p:oleObj>
               </mc:Choice>
@@ -20712,7 +21109,7 @@
           <a:graphicData uri="http://schemas.openxmlformats.org/presentationml/2006/ole">
             <mc:AlternateContent xmlns:mc="http://schemas.openxmlformats.org/markup-compatibility/2006">
               <mc:Choice xmlns:v="urn:schemas-microsoft-com:vml" Requires="v">
-                <p:oleObj spid="_x0000_s28579" name="Equation" r:id="rId8" imgW="850531" imgH="203112" progId="Equation.DSMT4">
+                <p:oleObj spid="_x0000_s31659" name="Equation" r:id="rId8" imgW="850531" imgH="203112" progId="Equation.DSMT4">
                   <p:embed/>
                 </p:oleObj>
               </mc:Choice>
@@ -20788,7 +21185,7 @@
           <a:graphicData uri="http://schemas.openxmlformats.org/presentationml/2006/ole">
             <mc:AlternateContent xmlns:mc="http://schemas.openxmlformats.org/markup-compatibility/2006">
               <mc:Choice xmlns:v="urn:schemas-microsoft-com:vml" Requires="v">
-                <p:oleObj spid="_x0000_s28580" name="Equation" r:id="rId10" imgW="685800" imgH="457200" progId="Equation.DSMT4">
+                <p:oleObj spid="_x0000_s31660" name="Equation" r:id="rId10" imgW="685800" imgH="457200" progId="Equation.DSMT4">
                   <p:embed/>
                 </p:oleObj>
               </mc:Choice>
@@ -20864,7 +21261,7 @@
           <a:graphicData uri="http://schemas.openxmlformats.org/presentationml/2006/ole">
             <mc:AlternateContent xmlns:mc="http://schemas.openxmlformats.org/markup-compatibility/2006">
               <mc:Choice xmlns:v="urn:schemas-microsoft-com:vml" Requires="v">
-                <p:oleObj spid="_x0000_s28581" name="Equation" r:id="rId11" imgW="761669" imgH="203112" progId="Equation.DSMT4">
+                <p:oleObj spid="_x0000_s31661" name="Equation" r:id="rId11" imgW="761669" imgH="203112" progId="Equation.DSMT4">
                   <p:embed/>
                 </p:oleObj>
               </mc:Choice>
@@ -20940,7 +21337,7 @@
           <a:graphicData uri="http://schemas.openxmlformats.org/presentationml/2006/ole">
             <mc:AlternateContent xmlns:mc="http://schemas.openxmlformats.org/markup-compatibility/2006">
               <mc:Choice xmlns:v="urn:schemas-microsoft-com:vml" Requires="v">
-                <p:oleObj spid="_x0000_s28582" name="Equation" r:id="rId13" imgW="914400" imgH="203200" progId="Equation.DSMT4">
+                <p:oleObj spid="_x0000_s31662" name="Equation" r:id="rId13" imgW="914400" imgH="203200" progId="Equation.DSMT4">
                   <p:embed/>
                 </p:oleObj>
               </mc:Choice>
@@ -21016,7 +21413,7 @@
           <a:graphicData uri="http://schemas.openxmlformats.org/presentationml/2006/ole">
             <mc:AlternateContent xmlns:mc="http://schemas.openxmlformats.org/markup-compatibility/2006">
               <mc:Choice xmlns:v="urn:schemas-microsoft-com:vml" Requires="v">
-                <p:oleObj spid="_x0000_s28583" name="Equation" r:id="rId15" imgW="1002865" imgH="457002" progId="Equation.DSMT4">
+                <p:oleObj spid="_x0000_s31663" name="Equation" r:id="rId15" imgW="1002865" imgH="457002" progId="Equation.DSMT4">
                   <p:embed/>
                 </p:oleObj>
               </mc:Choice>
@@ -21092,7 +21489,7 @@
           <a:graphicData uri="http://schemas.openxmlformats.org/presentationml/2006/ole">
             <mc:AlternateContent xmlns:mc="http://schemas.openxmlformats.org/markup-compatibility/2006">
               <mc:Choice xmlns:v="urn:schemas-microsoft-com:vml" Requires="v">
-                <p:oleObj spid="_x0000_s28584" name="Equation" r:id="rId17" imgW="596641" imgH="203112" progId="Equation.DSMT4">
+                <p:oleObj spid="_x0000_s31664" name="Equation" r:id="rId17" imgW="596641" imgH="203112" progId="Equation.DSMT4">
                   <p:embed/>
                 </p:oleObj>
               </mc:Choice>
@@ -21469,18 +21866,18 @@
                         </a:spcAft>
                       </a:pPr>
                       <a:r>
-                        <a:rPr lang="en-US" sz="1200" kern="0">
+                        <a:rPr lang="en-US" sz="1200" kern="0" dirty="0">
                           <a:effectLst/>
                         </a:rPr>
                         <a:t>Rule3 </a:t>
                       </a:r>
                       <a:r>
-                        <a:rPr lang="zh-CN" sz="1200" kern="0">
+                        <a:rPr lang="zh-CN" sz="1200" kern="0" dirty="0">
                           <a:effectLst/>
                         </a:rPr>
                         <a:t>演绎规则</a:t>
                       </a:r>
-                      <a:endParaRPr lang="zh-CN" sz="1200" kern="100">
+                      <a:endParaRPr lang="zh-CN" sz="1200" kern="100" dirty="0">
                         <a:effectLst/>
                         <a:latin typeface="Times New Roman" panose="02020603050405020304" pitchFamily="18" charset="0"/>
                         <a:ea typeface="宋体" panose="02010600030101010101" pitchFamily="2" charset="-122"/>
@@ -21554,18 +21951,18 @@
                         </a:spcAft>
                       </a:pPr>
                       <a:r>
-                        <a:rPr lang="en-US" sz="1200" kern="0">
+                        <a:rPr lang="en-US" sz="1200" kern="0" dirty="0">
                           <a:effectLst/>
                         </a:rPr>
                         <a:t>Rule4 MP</a:t>
                       </a:r>
                       <a:r>
-                        <a:rPr lang="zh-CN" sz="1200" kern="0">
+                        <a:rPr lang="zh-CN" sz="1200" kern="0" dirty="0">
                           <a:effectLst/>
                         </a:rPr>
                         <a:t>规则（假言推理）</a:t>
                       </a:r>
-                      <a:endParaRPr lang="zh-CN" sz="1200" kern="100">
+                      <a:endParaRPr lang="zh-CN" sz="1200" kern="100" dirty="0">
                         <a:effectLst/>
                         <a:latin typeface="Times New Roman" panose="02020603050405020304" pitchFamily="18" charset="0"/>
                         <a:ea typeface="宋体" panose="02010600030101010101" pitchFamily="2" charset="-122"/>
@@ -21639,18 +22036,18 @@
                         </a:spcAft>
                       </a:pPr>
                       <a:r>
-                        <a:rPr lang="en-US" sz="1200" kern="0">
+                        <a:rPr lang="en-US" sz="1200" kern="0" dirty="0">
                           <a:effectLst/>
                         </a:rPr>
                         <a:t>Rule5 P</a:t>
                       </a:r>
                       <a:r>
-                        <a:rPr lang="zh-CN" sz="1200" kern="0">
+                        <a:rPr lang="zh-CN" sz="1200" kern="0" dirty="0">
                           <a:effectLst/>
                         </a:rPr>
                         <a:t>规则（前提引入）</a:t>
                       </a:r>
-                      <a:endParaRPr lang="zh-CN" sz="1200" kern="100">
+                      <a:endParaRPr lang="zh-CN" sz="1200" kern="100" dirty="0">
                         <a:effectLst/>
                         <a:latin typeface="Times New Roman" panose="02020603050405020304" pitchFamily="18" charset="0"/>
                         <a:ea typeface="宋体" panose="02010600030101010101" pitchFamily="2" charset="-122"/>
@@ -21718,18 +22115,18 @@
                         </a:spcAft>
                       </a:pPr>
                       <a:r>
-                        <a:rPr lang="en-US" sz="1200" kern="0">
+                        <a:rPr lang="en-US" sz="1200" kern="0" dirty="0">
                           <a:effectLst/>
                         </a:rPr>
                         <a:t>Rule6 T</a:t>
                       </a:r>
                       <a:r>
-                        <a:rPr lang="zh-CN" sz="1200" kern="0">
+                        <a:rPr lang="zh-CN" sz="1200" kern="0" dirty="0">
                           <a:effectLst/>
                         </a:rPr>
                         <a:t>规则（结论引用）</a:t>
                       </a:r>
-                      <a:endParaRPr lang="zh-CN" sz="1200" kern="100">
+                      <a:endParaRPr lang="zh-CN" sz="1200" kern="100" dirty="0">
                         <a:effectLst/>
                         <a:latin typeface="Times New Roman" panose="02020603050405020304" pitchFamily="18" charset="0"/>
                         <a:ea typeface="宋体" panose="02010600030101010101" pitchFamily="2" charset="-122"/>
@@ -21950,18 +22347,39 @@
               <a:t>的编译验证公理系统，从公理系统中事先给定的</a:t>
             </a:r>
             <a:r>
+              <a:rPr lang="zh-CN" altLang="en-US" sz="1800" u="sng" dirty="0" smtClean="0">
+                <a:latin typeface="Times New Roman" panose="02020603050405020304" pitchFamily="18" charset="0"/>
+                <a:cs typeface="Times New Roman" panose="02020603050405020304" pitchFamily="18" charset="0"/>
+              </a:rPr>
+              <a:t>前提集（</a:t>
+            </a:r>
+            <a:r>
+              <a:rPr lang="zh-CN" altLang="en-US" sz="1800" u="sng" dirty="0">
+                <a:latin typeface="Times New Roman" panose="02020603050405020304" pitchFamily="18" charset="0"/>
+                <a:cs typeface="Times New Roman" panose="02020603050405020304" pitchFamily="18" charset="0"/>
+              </a:rPr>
+              <a:t>目标码模式命题）出发</a:t>
+            </a:r>
+            <a:r>
+              <a:rPr lang="zh-CN" altLang="en-US" sz="1800" dirty="0">
+                <a:latin typeface="Times New Roman" panose="02020603050405020304" pitchFamily="18" charset="0"/>
+                <a:cs typeface="Times New Roman" panose="02020603050405020304" pitchFamily="18" charset="0"/>
+              </a:rPr>
+              <a:t>，根据公理系统的推理</a:t>
+            </a:r>
+            <a:r>
               <a:rPr lang="zh-CN" altLang="en-US" sz="1800" dirty="0" smtClean="0">
                 <a:latin typeface="Times New Roman" panose="02020603050405020304" pitchFamily="18" charset="0"/>
                 <a:cs typeface="Times New Roman" panose="02020603050405020304" pitchFamily="18" charset="0"/>
               </a:rPr>
-              <a:t>前提集（</a:t>
+              <a:t>规则推导</a:t>
             </a:r>
             <a:r>
               <a:rPr lang="zh-CN" altLang="en-US" sz="1800" dirty="0">
                 <a:latin typeface="Times New Roman" panose="02020603050405020304" pitchFamily="18" charset="0"/>
                 <a:cs typeface="Times New Roman" panose="02020603050405020304" pitchFamily="18" charset="0"/>
               </a:rPr>
-              <a:t>目标码模式命题）出发，根据公理系统的推理规则推导出一系列新命题，并作为定理加入到之后的证明过程中</a:t>
+              <a:t>出一系列新命题，并作为定理加入到之后的证明过程中</a:t>
             </a:r>
             <a:r>
               <a:rPr lang="zh-CN" altLang="en-US" sz="1800" dirty="0" smtClean="0">
@@ -21984,7 +22402,14 @@
                 <a:latin typeface="Times New Roman" panose="02020603050405020304" pitchFamily="18" charset="0"/>
                 <a:cs typeface="Times New Roman" panose="02020603050405020304" pitchFamily="18" charset="0"/>
               </a:rPr>
-              <a:t>证明过程中每一项都是前提、公理或由定理推导</a:t>
+              <a:t>证明过程中每一项都是</a:t>
+            </a:r>
+            <a:r>
+              <a:rPr lang="zh-CN" altLang="en-US" sz="1800" u="sng" dirty="0">
+                <a:latin typeface="Times New Roman" panose="02020603050405020304" pitchFamily="18" charset="0"/>
+                <a:cs typeface="Times New Roman" panose="02020603050405020304" pitchFamily="18" charset="0"/>
+              </a:rPr>
+              <a:t>前提、公理或由定理推导</a:t>
             </a:r>
             <a:r>
               <a:rPr lang="zh-CN" altLang="en-US" sz="1800" dirty="0" smtClean="0">
@@ -22004,7 +22429,15 @@
             </a:pPr>
             <a:r>
               <a:rPr lang="zh-CN" altLang="en-US" sz="1800" dirty="0" smtClean="0"/>
-              <a:t>命题逻辑公理系统是可靠且完全的，所以最终</a:t>
+              <a:t>命题逻辑公理系统是</a:t>
+            </a:r>
+            <a:r>
+              <a:rPr lang="zh-CN" altLang="en-US" sz="1800" u="sng" dirty="0" smtClean="0"/>
+              <a:t>可靠且完全的</a:t>
+            </a:r>
+            <a:r>
+              <a:rPr lang="zh-CN" altLang="en-US" sz="1800" dirty="0" smtClean="0"/>
+              <a:t>，所以最终</a:t>
             </a:r>
             <a:r>
               <a:rPr lang="zh-CN" altLang="en-US" sz="1800" dirty="0"/>
@@ -22038,7 +22471,23 @@
             </a:pPr>
             <a:r>
               <a:rPr lang="zh-CN" altLang="en-US" sz="1800" dirty="0"/>
-              <a:t>证明序列是一系列证明步骤的集合，每个步骤包括公式和证据两</a:t>
+              <a:t>证明序列是一系列</a:t>
+            </a:r>
+            <a:r>
+              <a:rPr lang="zh-CN" altLang="en-US" sz="1800" u="sng" dirty="0"/>
+              <a:t>证明步骤的集合</a:t>
+            </a:r>
+            <a:r>
+              <a:rPr lang="zh-CN" altLang="en-US" sz="1800" dirty="0"/>
+              <a:t>，每个步骤包括</a:t>
+            </a:r>
+            <a:r>
+              <a:rPr lang="zh-CN" altLang="en-US" sz="1800" u="sng" dirty="0"/>
+              <a:t>公式和证据</a:t>
+            </a:r>
+            <a:r>
+              <a:rPr lang="zh-CN" altLang="en-US" sz="1800" dirty="0"/>
+              <a:t>两</a:t>
             </a:r>
             <a:r>
               <a:rPr lang="zh-CN" altLang="en-US" sz="1800" dirty="0" smtClean="0"/>
@@ -24457,14 +24906,28 @@
                 <a:latin typeface="Times New Roman" panose="02020603050405020304" pitchFamily="18" charset="0"/>
                 <a:cs typeface="Times New Roman" panose="02020603050405020304" pitchFamily="18" charset="0"/>
               </a:rPr>
-              <a:t>作用是把目标码模式转换为命题的</a:t>
+              <a:t>作用是</a:t>
+            </a:r>
+            <a:r>
+              <a:rPr lang="zh-CN" altLang="en-US" sz="2200" b="1" u="sng" dirty="0">
+                <a:latin typeface="Times New Roman" panose="02020603050405020304" pitchFamily="18" charset="0"/>
+                <a:cs typeface="Times New Roman" panose="02020603050405020304" pitchFamily="18" charset="0"/>
+              </a:rPr>
+              <a:t>把目标码模式转换为命题的</a:t>
+            </a:r>
+            <a:r>
+              <a:rPr lang="zh-CN" altLang="en-US" sz="2200" b="1" u="sng" dirty="0" smtClean="0">
+                <a:latin typeface="Times New Roman" panose="02020603050405020304" pitchFamily="18" charset="0"/>
+                <a:cs typeface="Times New Roman" panose="02020603050405020304" pitchFamily="18" charset="0"/>
+              </a:rPr>
+              <a:t>形式</a:t>
             </a:r>
             <a:r>
               <a:rPr lang="zh-CN" altLang="en-US" sz="2200" dirty="0" smtClean="0">
                 <a:latin typeface="Times New Roman" panose="02020603050405020304" pitchFamily="18" charset="0"/>
                 <a:cs typeface="Times New Roman" panose="02020603050405020304" pitchFamily="18" charset="0"/>
               </a:rPr>
-              <a:t>形式，构造后续推理的前提集合。</a:t>
+              <a:t>，构造后续推理的前提集合。</a:t>
             </a:r>
             <a:endParaRPr lang="en-US" altLang="zh-CN" sz="2200" dirty="0" smtClean="0">
               <a:latin typeface="Times New Roman" panose="02020603050405020304" pitchFamily="18" charset="0"/>
@@ -24541,7 +25004,15 @@
             </a:r>
             <a:r>
               <a:rPr lang="zh-CN" altLang="en-US" sz="2200" dirty="0"/>
-              <a:t>提出的形式验证方法的核心。</a:t>
+              <a:t>提出的</a:t>
+            </a:r>
+            <a:r>
+              <a:rPr lang="zh-CN" altLang="en-US" sz="2200" b="1" u="sng" dirty="0"/>
+              <a:t>形式验证方法的核心</a:t>
+            </a:r>
+            <a:r>
+              <a:rPr lang="zh-CN" altLang="en-US" sz="2200" dirty="0"/>
+              <a:t>。</a:t>
             </a:r>
             <a:endParaRPr lang="en-US" altLang="zh-CN" sz="2200" dirty="0" smtClean="0"/>
           </a:p>
@@ -24555,11 +25026,11 @@
             </a:r>
             <a:r>
               <a:rPr lang="zh-CN" altLang="en-US" sz="2200" dirty="0"/>
-              <a:t>的公理系统，使用前提集和推理规则推导出一系列新命题，把这些新的命题作为定理加入</a:t>
+              <a:t>的公理系统，使用前提集和推理规则推导出一系列新命题，把这些新的命题作为定理</a:t>
             </a:r>
             <a:r>
               <a:rPr lang="zh-CN" altLang="en-US" sz="2200" dirty="0" smtClean="0"/>
-              <a:t>前提集中</a:t>
+              <a:t>加入当前集合中</a:t>
             </a:r>
             <a:r>
               <a:rPr lang="zh-CN" altLang="en-US" sz="2200" dirty="0"/>
@@ -24629,7 +25100,15 @@
             </a:pPr>
             <a:r>
               <a:rPr lang="zh-CN" altLang="en-US" sz="2200" dirty="0"/>
-              <a:t>主要用于含有循环结构的文法</a:t>
+              <a:t>主要用于</a:t>
+            </a:r>
+            <a:r>
+              <a:rPr lang="zh-CN" altLang="en-US" sz="2200" b="1" u="sng" dirty="0"/>
+              <a:t>含有循环结构</a:t>
+            </a:r>
+            <a:r>
+              <a:rPr lang="zh-CN" altLang="en-US" sz="2200" dirty="0"/>
+              <a:t>的文法</a:t>
             </a:r>
             <a:r>
               <a:rPr lang="zh-CN" altLang="en-US" sz="2200" dirty="0" smtClean="0"/>
@@ -24643,13 +25122,17 @@
             </a:pPr>
             <a:r>
               <a:rPr lang="zh-CN" altLang="en-US" sz="2200" dirty="0"/>
-              <a:t>理论基础是限定</a:t>
-            </a:r>
-            <a:r>
-              <a:rPr lang="zh-CN" altLang="en-US" sz="2200" dirty="0" smtClean="0"/>
+              <a:t>理论基础是</a:t>
+            </a:r>
+            <a:r>
+              <a:rPr lang="zh-CN" altLang="en-US" sz="2200" b="1" u="sng" dirty="0"/>
+              <a:t>限定</a:t>
+            </a:r>
+            <a:r>
+              <a:rPr lang="zh-CN" altLang="en-US" sz="2200" b="1" u="sng" dirty="0" smtClean="0"/>
               <a:t>数学归纳法</a:t>
             </a:r>
-            <a:endParaRPr lang="en-US" altLang="zh-CN" sz="2200" dirty="0" smtClean="0"/>
+            <a:endParaRPr lang="en-US" altLang="zh-CN" sz="2200" b="1" u="sng" dirty="0" smtClean="0"/>
           </a:p>
           <a:p>
             <a:pPr lvl="1">
@@ -25108,22 +25591,36 @@
               <a:buSzPct val="100000"/>
             </a:pPr>
             <a:r>
-              <a:rPr lang="zh-CN" altLang="en-US" sz="1800" b="1" u="sng" dirty="0"/>
-              <a:t>文法</a:t>
-            </a:r>
-            <a:r>
-              <a:rPr lang="zh-CN" altLang="en-US" sz="1800" b="1" u="sng" dirty="0" smtClean="0"/>
-              <a:t>单元识别</a:t>
-            </a:r>
-            <a:endParaRPr lang="en-US" altLang="zh-CN" sz="1800" b="1" u="sng" dirty="0" smtClean="0"/>
+              <a:rPr lang="zh-CN" altLang="en-US" sz="1800" dirty="0"/>
+              <a:t>形式验证</a:t>
+            </a:r>
+            <a:endParaRPr lang="en-US" altLang="zh-CN" sz="1800" dirty="0"/>
+          </a:p>
+          <a:p>
+            <a:pPr lvl="2">
+              <a:buSzPct val="100000"/>
+            </a:pPr>
+            <a:r>
+              <a:rPr lang="zh-CN" altLang="en-US" sz="1400" dirty="0"/>
+              <a:t>前文所述编译验证过程作为一个处理阶段加入到编译系统的后端实现</a:t>
+            </a:r>
+            <a:r>
+              <a:rPr lang="zh-CN" altLang="en-US" sz="1400" dirty="0" smtClean="0"/>
+              <a:t>中</a:t>
+            </a:r>
+            <a:endParaRPr lang="en-US" altLang="zh-CN" sz="1800" dirty="0" smtClean="0"/>
           </a:p>
           <a:p>
             <a:pPr lvl="1">
               <a:buSzPct val="100000"/>
             </a:pPr>
             <a:r>
+              <a:rPr lang="zh-CN" altLang="en-US" sz="1800" b="1" u="sng" dirty="0"/>
+              <a:t>文法</a:t>
+            </a:r>
+            <a:r>
               <a:rPr lang="zh-CN" altLang="en-US" sz="1800" b="1" u="sng" dirty="0" smtClean="0"/>
-              <a:t>层级编码</a:t>
+              <a:t>单元识别</a:t>
             </a:r>
             <a:endParaRPr lang="en-US" altLang="zh-CN" sz="1800" b="1" u="sng" dirty="0" smtClean="0"/>
           </a:p>
@@ -25133,15 +25630,7 @@
             </a:pPr>
             <a:r>
               <a:rPr lang="zh-CN" altLang="en-US" sz="1800" b="1" u="sng" dirty="0" smtClean="0"/>
-              <a:t>安全</a:t>
-            </a:r>
-            <a:r>
-              <a:rPr lang="en-US" altLang="zh-CN" sz="1800" b="1" u="sng" dirty="0" smtClean="0"/>
-              <a:t>C</a:t>
-            </a:r>
-            <a:r>
-              <a:rPr lang="zh-CN" altLang="en-US" sz="1800" b="1" u="sng" dirty="0" smtClean="0"/>
-              <a:t>检验</a:t>
+              <a:t>层级编码</a:t>
             </a:r>
             <a:endParaRPr lang="en-US" altLang="zh-CN" sz="1800" b="1" u="sng" dirty="0" smtClean="0"/>
           </a:p>
@@ -25150,36 +25639,18 @@
               <a:buSzPct val="100000"/>
             </a:pPr>
             <a:r>
-              <a:rPr lang="zh-CN" altLang="en-US" sz="1800" dirty="0" smtClean="0"/>
-              <a:t>形式验证</a:t>
-            </a:r>
-            <a:endParaRPr lang="en-US" altLang="zh-CN" sz="1800" dirty="0" smtClean="0"/>
-          </a:p>
-          <a:p>
-            <a:pPr lvl="2">
-              <a:buSzPct val="100000"/>
-            </a:pPr>
-            <a:r>
-              <a:rPr lang="zh-CN" altLang="en-US" sz="1400" dirty="0" smtClean="0"/>
-              <a:t>前文所述编译验证</a:t>
-            </a:r>
-            <a:r>
-              <a:rPr lang="zh-CN" altLang="en-US" sz="1400" dirty="0"/>
-              <a:t>过程作为一个处理阶段加入到</a:t>
-            </a:r>
-            <a:r>
-              <a:rPr lang="zh-CN" altLang="en-US" sz="1400" dirty="0" smtClean="0"/>
-              <a:t>编译系统</a:t>
-            </a:r>
-            <a:r>
-              <a:rPr lang="zh-CN" altLang="en-US" sz="1400" dirty="0"/>
-              <a:t>的</a:t>
-            </a:r>
-            <a:r>
-              <a:rPr lang="zh-CN" altLang="en-US" sz="1400" dirty="0" smtClean="0"/>
-              <a:t>后端实现中</a:t>
-            </a:r>
-            <a:endParaRPr lang="en-US" altLang="zh-CN" sz="1400" dirty="0" smtClean="0"/>
+              <a:rPr lang="zh-CN" altLang="en-US" sz="1800" b="1" u="sng" dirty="0" smtClean="0"/>
+              <a:t>安全</a:t>
+            </a:r>
+            <a:r>
+              <a:rPr lang="en-US" altLang="zh-CN" sz="1800" b="1" u="sng" dirty="0" smtClean="0"/>
+              <a:t>C</a:t>
+            </a:r>
+            <a:r>
+              <a:rPr lang="zh-CN" altLang="en-US" sz="1800" b="1" u="sng" dirty="0" smtClean="0"/>
+              <a:t>检验</a:t>
+            </a:r>
+            <a:endParaRPr lang="en-US" altLang="zh-CN" sz="1800" b="1" u="sng" dirty="0" smtClean="0"/>
           </a:p>
         </p:txBody>
       </p:sp>
@@ -25268,7 +25739,7 @@
           <a:graphicData uri="http://schemas.openxmlformats.org/presentationml/2006/ole">
             <mc:AlternateContent xmlns:mc="http://schemas.openxmlformats.org/markup-compatibility/2006">
               <mc:Choice xmlns:v="urn:schemas-microsoft-com:vml" Requires="v">
-                <p:oleObj spid="_x0000_s20742" name="Visio" r:id="rId4" imgW="5710501" imgH="3319389" progId="Visio.Drawing.15">
+                <p:oleObj spid="_x0000_s20871" name="Visio" r:id="rId4" imgW="5710501" imgH="3319389" progId="Visio.Drawing.15">
                   <p:embed/>
                 </p:oleObj>
               </mc:Choice>
@@ -25487,10 +25958,16 @@
               <a:buSzPct val="100000"/>
             </a:pPr>
             <a:r>
+              <a:rPr lang="zh-CN" altLang="en-US" sz="2000" b="1" dirty="0">
+                <a:latin typeface="黑体" panose="02010609060101010101" pitchFamily="49" charset="-122"/>
+              </a:rPr>
+              <a:t>定义：</a:t>
+            </a:r>
+            <a:r>
               <a:rPr lang="zh-CN" altLang="en-US" sz="2000" dirty="0">
                 <a:latin typeface="黑体" panose="02010609060101010101" pitchFamily="49" charset="-122"/>
               </a:rPr>
-              <a:t>定义：下推自动机是一个六元组 </a:t>
+              <a:t>下推自动机是一个六元组 </a:t>
             </a:r>
             <a:r>
               <a:rPr lang="zh-CN" altLang="en-US" sz="2000" dirty="0" smtClean="0">
@@ -26038,7 +26515,49 @@
                 <a:latin typeface="黑体" panose="02010609060101010101" pitchFamily="49" charset="-122"/>
                 <a:cs typeface="Times New Roman" panose="02020603050405020304" pitchFamily="18" charset="0"/>
               </a:rPr>
-              <a:t>一个分析栈、一个回滚栈以及一个状态栈。</a:t>
+              <a:t>一个</a:t>
+            </a:r>
+            <a:r>
+              <a:rPr lang="zh-CN" altLang="en-US" sz="2000" u="sng" dirty="0">
+                <a:latin typeface="黑体" panose="02010609060101010101" pitchFamily="49" charset="-122"/>
+                <a:cs typeface="Times New Roman" panose="02020603050405020304" pitchFamily="18" charset="0"/>
+              </a:rPr>
+              <a:t>分析栈</a:t>
+            </a:r>
+            <a:r>
+              <a:rPr lang="zh-CN" altLang="en-US" sz="2000" dirty="0">
+                <a:latin typeface="黑体" panose="02010609060101010101" pitchFamily="49" charset="-122"/>
+                <a:cs typeface="Times New Roman" panose="02020603050405020304" pitchFamily="18" charset="0"/>
+              </a:rPr>
+              <a:t>、一个</a:t>
+            </a:r>
+            <a:r>
+              <a:rPr lang="zh-CN" altLang="en-US" sz="2000" u="sng" dirty="0">
+                <a:latin typeface="黑体" panose="02010609060101010101" pitchFamily="49" charset="-122"/>
+                <a:cs typeface="Times New Roman" panose="02020603050405020304" pitchFamily="18" charset="0"/>
+              </a:rPr>
+              <a:t>回滚栈</a:t>
+            </a:r>
+            <a:r>
+              <a:rPr lang="zh-CN" altLang="en-US" sz="2000" dirty="0">
+                <a:latin typeface="黑体" panose="02010609060101010101" pitchFamily="49" charset="-122"/>
+                <a:cs typeface="Times New Roman" panose="02020603050405020304" pitchFamily="18" charset="0"/>
+              </a:rPr>
+              <a:t>以及一个</a:t>
+            </a:r>
+            <a:r>
+              <a:rPr lang="zh-CN" altLang="en-US" sz="2000" u="sng" dirty="0">
+                <a:latin typeface="黑体" panose="02010609060101010101" pitchFamily="49" charset="-122"/>
+                <a:cs typeface="Times New Roman" panose="02020603050405020304" pitchFamily="18" charset="0"/>
+              </a:rPr>
+              <a:t>状态栈</a:t>
+            </a:r>
+            <a:r>
+              <a:rPr lang="zh-CN" altLang="en-US" sz="2000" dirty="0">
+                <a:latin typeface="黑体" panose="02010609060101010101" pitchFamily="49" charset="-122"/>
+                <a:cs typeface="Times New Roman" panose="02020603050405020304" pitchFamily="18" charset="0"/>
+              </a:rPr>
+              <a:t>。</a:t>
             </a:r>
           </a:p>
           <a:p>
@@ -26062,7 +26581,21 @@
                 <a:latin typeface="黑体" panose="02010609060101010101" pitchFamily="49" charset="-122"/>
                 <a:cs typeface="Times New Roman" panose="02020603050405020304" pitchFamily="18" charset="0"/>
               </a:rPr>
-              <a:t>回滚栈中记录了每个阶段自动机都可能到达的状态集合，当自动机匹配失败时可以回溯到上一个状态，从而可以继续当前的匹配过程；</a:t>
+              <a:t>回滚栈中记录</a:t>
+            </a:r>
+            <a:r>
+              <a:rPr lang="zh-CN" altLang="en-US" sz="2000" dirty="0" smtClean="0">
+                <a:latin typeface="黑体" panose="02010609060101010101" pitchFamily="49" charset="-122"/>
+                <a:cs typeface="Times New Roman" panose="02020603050405020304" pitchFamily="18" charset="0"/>
+              </a:rPr>
+              <a:t>了每个阶段自动机都</a:t>
+            </a:r>
+            <a:r>
+              <a:rPr lang="zh-CN" altLang="en-US" sz="2000" dirty="0">
+                <a:latin typeface="黑体" panose="02010609060101010101" pitchFamily="49" charset="-122"/>
+                <a:cs typeface="Times New Roman" panose="02020603050405020304" pitchFamily="18" charset="0"/>
+              </a:rPr>
+              <a:t>可能到达的状态集合，当自动机匹配失败时可以回溯到上一个状态，从而可以继续当前的匹配过程；</a:t>
             </a:r>
           </a:p>
           <a:p>
@@ -26070,18 +26603,25 @@
               <a:buSzPct val="100000"/>
             </a:pPr>
             <a:r>
-              <a:rPr lang="zh-CN" altLang="en-US" sz="2000" dirty="0">
+              <a:rPr lang="zh-CN" altLang="en-US" sz="2000" u="sng" dirty="0">
                 <a:latin typeface="黑体" panose="02010609060101010101" pitchFamily="49" charset="-122"/>
                 <a:cs typeface="Times New Roman" panose="02020603050405020304" pitchFamily="18" charset="0"/>
               </a:rPr>
               <a:t>状态栈中存储当前阶段自动机可能达到的</a:t>
+            </a:r>
+            <a:r>
+              <a:rPr lang="zh-CN" altLang="en-US" sz="2000" u="sng" dirty="0" smtClean="0">
+                <a:latin typeface="黑体" panose="02010609060101010101" pitchFamily="49" charset="-122"/>
+                <a:cs typeface="Times New Roman" panose="02020603050405020304" pitchFamily="18" charset="0"/>
+              </a:rPr>
+              <a:t>状态</a:t>
             </a:r>
             <a:r>
               <a:rPr lang="zh-CN" altLang="en-US" sz="2000" dirty="0" smtClean="0">
                 <a:latin typeface="黑体" panose="02010609060101010101" pitchFamily="49" charset="-122"/>
                 <a:cs typeface="Times New Roman" panose="02020603050405020304" pitchFamily="18" charset="0"/>
               </a:rPr>
-              <a:t>状态。</a:t>
+              <a:t>。</a:t>
             </a:r>
             <a:endParaRPr lang="en-US" altLang="zh-CN" sz="2000" dirty="0" smtClean="0">
               <a:latin typeface="黑体" panose="02010609060101010101" pitchFamily="49" charset="-122"/>
@@ -26205,7 +26745,7 @@
           <a:graphicData uri="http://schemas.openxmlformats.org/presentationml/2006/ole">
             <mc:AlternateContent xmlns:mc="http://schemas.openxmlformats.org/markup-compatibility/2006">
               <mc:Choice xmlns:v="urn:schemas-microsoft-com:vml" Requires="v">
-                <p:oleObj spid="_x0000_s28820" name="Equation" r:id="rId5" imgW="1104900" imgH="254000" progId="Equation.DSMT4">
+                <p:oleObj spid="_x0000_s32158" name="Equation" r:id="rId5" imgW="1104900" imgH="254000" progId="Equation.DSMT4">
                   <p:embed/>
                 </p:oleObj>
               </mc:Choice>
@@ -26335,7 +26875,7 @@
           <a:graphicData uri="http://schemas.openxmlformats.org/presentationml/2006/ole">
             <mc:AlternateContent xmlns:mc="http://schemas.openxmlformats.org/markup-compatibility/2006">
               <mc:Choice xmlns:v="urn:schemas-microsoft-com:vml" Requires="v">
-                <p:oleObj spid="_x0000_s28821" name="Equation" r:id="rId7" imgW="152268" imgH="203024" progId="Equation.DSMT4">
+                <p:oleObj spid="_x0000_s32159" name="Equation" r:id="rId7" imgW="152268" imgH="203024" progId="Equation.DSMT4">
                   <p:embed/>
                 </p:oleObj>
               </mc:Choice>
@@ -26474,7 +27014,7 @@
           <a:graphicData uri="http://schemas.openxmlformats.org/presentationml/2006/ole">
             <mc:AlternateContent xmlns:mc="http://schemas.openxmlformats.org/markup-compatibility/2006">
               <mc:Choice xmlns:v="urn:schemas-microsoft-com:vml" Requires="v">
-                <p:oleObj spid="_x0000_s28822" name="Equation" r:id="rId9" imgW="139639" imgH="152334" progId="Equation.DSMT4">
+                <p:oleObj spid="_x0000_s32160" name="Equation" r:id="rId9" imgW="139639" imgH="152334" progId="Equation.DSMT4">
                   <p:embed/>
                 </p:oleObj>
               </mc:Choice>
@@ -26613,7 +27153,7 @@
           <a:graphicData uri="http://schemas.openxmlformats.org/presentationml/2006/ole">
             <mc:AlternateContent xmlns:mc="http://schemas.openxmlformats.org/markup-compatibility/2006">
               <mc:Choice xmlns:v="urn:schemas-microsoft-com:vml" Requires="v">
-                <p:oleObj spid="_x0000_s28823" name="Equation" r:id="rId11" imgW="139579" imgH="164957" progId="Equation.DSMT4">
+                <p:oleObj spid="_x0000_s32161" name="Equation" r:id="rId11" imgW="139579" imgH="164957" progId="Equation.DSMT4">
                   <p:embed/>
                 </p:oleObj>
               </mc:Choice>
@@ -26752,7 +27292,7 @@
           <a:graphicData uri="http://schemas.openxmlformats.org/presentationml/2006/ole">
             <mc:AlternateContent xmlns:mc="http://schemas.openxmlformats.org/markup-compatibility/2006">
               <mc:Choice xmlns:v="urn:schemas-microsoft-com:vml" Requires="v">
-                <p:oleObj spid="_x0000_s28824" name="Equation" r:id="rId13" imgW="152334" imgH="228501" progId="Equation.DSMT4">
+                <p:oleObj spid="_x0000_s32162" name="Equation" r:id="rId13" imgW="152334" imgH="228501" progId="Equation.DSMT4">
                   <p:embed/>
                 </p:oleObj>
               </mc:Choice>
@@ -26891,7 +27431,7 @@
           <a:graphicData uri="http://schemas.openxmlformats.org/presentationml/2006/ole">
             <mc:AlternateContent xmlns:mc="http://schemas.openxmlformats.org/markup-compatibility/2006">
               <mc:Choice xmlns:v="urn:schemas-microsoft-com:vml" Requires="v">
-                <p:oleObj spid="_x0000_s28825" name="Equation" r:id="rId15" imgW="165028" imgH="228501" progId="Equation.DSMT4">
+                <p:oleObj spid="_x0000_s32163" name="Equation" r:id="rId15" imgW="165028" imgH="228501" progId="Equation.DSMT4">
                   <p:embed/>
                 </p:oleObj>
               </mc:Choice>
@@ -27030,7 +27570,7 @@
           <a:graphicData uri="http://schemas.openxmlformats.org/presentationml/2006/ole">
             <mc:AlternateContent xmlns:mc="http://schemas.openxmlformats.org/markup-compatibility/2006">
               <mc:Choice xmlns:v="urn:schemas-microsoft-com:vml" Requires="v">
-                <p:oleObj spid="_x0000_s28826" name="Equation" r:id="rId17" imgW="164885" imgH="164885" progId="Equation.DSMT4">
+                <p:oleObj spid="_x0000_s32164" name="Equation" r:id="rId17" imgW="164885" imgH="164885" progId="Equation.DSMT4">
                   <p:embed/>
                 </p:oleObj>
               </mc:Choice>
@@ -27169,7 +27709,7 @@
           <a:graphicData uri="http://schemas.openxmlformats.org/presentationml/2006/ole">
             <mc:AlternateContent xmlns:mc="http://schemas.openxmlformats.org/markup-compatibility/2006">
               <mc:Choice xmlns:v="urn:schemas-microsoft-com:vml" Requires="v">
-                <p:oleObj spid="_x0000_s28827" name="Equation" r:id="rId19" imgW="444307" imgH="203112" progId="Equation.DSMT4">
+                <p:oleObj spid="_x0000_s32165" name="Equation" r:id="rId19" imgW="444307" imgH="203112" progId="Equation.DSMT4">
                   <p:embed/>
                 </p:oleObj>
               </mc:Choice>
@@ -27308,7 +27848,7 @@
           <a:graphicData uri="http://schemas.openxmlformats.org/presentationml/2006/ole">
             <mc:AlternateContent xmlns:mc="http://schemas.openxmlformats.org/markup-compatibility/2006">
               <mc:Choice xmlns:v="urn:schemas-microsoft-com:vml" Requires="v">
-                <p:oleObj spid="_x0000_s28828" name="Equation" r:id="rId21" imgW="1485900" imgH="279400" progId="Equation.DSMT4">
+                <p:oleObj spid="_x0000_s32166" name="Equation" r:id="rId21" imgW="1485900" imgH="279400" progId="Equation.DSMT4">
                   <p:embed/>
                 </p:oleObj>
               </mc:Choice>
@@ -27501,7 +28041,7 @@
           <a:graphicData uri="http://schemas.openxmlformats.org/presentationml/2006/ole">
             <mc:AlternateContent xmlns:mc="http://schemas.openxmlformats.org/markup-compatibility/2006">
               <mc:Choice xmlns:v="urn:schemas-microsoft-com:vml" Requires="v">
-                <p:oleObj spid="_x0000_s28829" name="Equation" r:id="rId23" imgW="800100" imgH="279400" progId="Equation.DSMT4">
+                <p:oleObj spid="_x0000_s32167" name="Equation" r:id="rId23" imgW="800100" imgH="279400" progId="Equation.DSMT4">
                   <p:embed/>
                 </p:oleObj>
               </mc:Choice>
@@ -27582,6 +28122,45 @@
           </a:p>
         </p:txBody>
       </p:sp>
+      <p:sp>
+        <p:nvSpPr>
+          <p:cNvPr id="6" name="矩形 5"/>
+          <p:cNvSpPr/>
+          <p:nvPr/>
+        </p:nvSpPr>
+        <p:spPr>
+          <a:xfrm>
+            <a:off x="5268740" y="3132161"/>
+            <a:ext cx="1964573" cy="105313"/>
+          </a:xfrm>
+          <a:prstGeom prst="rect">
+            <a:avLst/>
+          </a:prstGeom>
+          <a:noFill/>
+        </p:spPr>
+        <p:style>
+          <a:lnRef idx="1">
+            <a:schemeClr val="accent2"/>
+          </a:lnRef>
+          <a:fillRef idx="2">
+            <a:schemeClr val="accent2"/>
+          </a:fillRef>
+          <a:effectRef idx="1">
+            <a:schemeClr val="accent2"/>
+          </a:effectRef>
+          <a:fontRef idx="minor">
+            <a:schemeClr val="dk1"/>
+          </a:fontRef>
+        </p:style>
+        <p:txBody>
+          <a:bodyPr rtlCol="0" anchor="ctr"/>
+          <a:lstStyle/>
+          <a:p>
+            <a:pPr algn="ctr"/>
+            <a:endParaRPr lang="zh-CN" altLang="en-US"/>
+          </a:p>
+        </p:txBody>
+      </p:sp>
     </p:spTree>
     <p:extLst>
       <p:ext uri="{BB962C8B-B14F-4D97-AF65-F5344CB8AC3E}">
@@ -27607,9 +28186,126 @@
   <p:timing>
     <p:tnLst>
       <p:par>
-        <p:cTn id="1" dur="indefinite" restart="never" nodeType="tmRoot"/>
+        <p:cTn id="1" dur="indefinite" restart="never" nodeType="tmRoot">
+          <p:childTnLst>
+            <p:seq concurrent="1" nextAc="seek">
+              <p:cTn id="2" dur="indefinite" nodeType="mainSeq">
+                <p:childTnLst>
+                  <p:par>
+                    <p:cTn id="3" fill="hold">
+                      <p:stCondLst>
+                        <p:cond delay="indefinite"/>
+                      </p:stCondLst>
+                      <p:childTnLst>
+                        <p:par>
+                          <p:cTn id="4" fill="hold">
+                            <p:stCondLst>
+                              <p:cond delay="0"/>
+                            </p:stCondLst>
+                            <p:childTnLst>
+                              <p:par>
+                                <p:cTn id="5" presetID="2" presetClass="entr" presetSubtype="4" fill="hold" grpId="0" nodeType="clickEffect">
+                                  <p:stCondLst>
+                                    <p:cond delay="0"/>
+                                  </p:stCondLst>
+                                  <p:childTnLst>
+                                    <p:set>
+                                      <p:cBhvr>
+                                        <p:cTn id="6" dur="1" fill="hold">
+                                          <p:stCondLst>
+                                            <p:cond delay="0"/>
+                                          </p:stCondLst>
+                                        </p:cTn>
+                                        <p:tgtEl>
+                                          <p:spTgt spid="6"/>
+                                        </p:tgtEl>
+                                        <p:attrNameLst>
+                                          <p:attrName>style.visibility</p:attrName>
+                                        </p:attrNameLst>
+                                      </p:cBhvr>
+                                      <p:to>
+                                        <p:strVal val="visible"/>
+                                      </p:to>
+                                    </p:set>
+                                    <p:anim calcmode="lin" valueType="num">
+                                      <p:cBhvr additive="base">
+                                        <p:cTn id="7" dur="500" fill="hold"/>
+                                        <p:tgtEl>
+                                          <p:spTgt spid="6"/>
+                                        </p:tgtEl>
+                                        <p:attrNameLst>
+                                          <p:attrName>ppt_x</p:attrName>
+                                        </p:attrNameLst>
+                                      </p:cBhvr>
+                                      <p:tavLst>
+                                        <p:tav tm="0">
+                                          <p:val>
+                                            <p:strVal val="#ppt_x"/>
+                                          </p:val>
+                                        </p:tav>
+                                        <p:tav tm="100000">
+                                          <p:val>
+                                            <p:strVal val="#ppt_x"/>
+                                          </p:val>
+                                        </p:tav>
+                                      </p:tavLst>
+                                    </p:anim>
+                                    <p:anim calcmode="lin" valueType="num">
+                                      <p:cBhvr additive="base">
+                                        <p:cTn id="8" dur="500" fill="hold"/>
+                                        <p:tgtEl>
+                                          <p:spTgt spid="6"/>
+                                        </p:tgtEl>
+                                        <p:attrNameLst>
+                                          <p:attrName>ppt_y</p:attrName>
+                                        </p:attrNameLst>
+                                      </p:cBhvr>
+                                      <p:tavLst>
+                                        <p:tav tm="0">
+                                          <p:val>
+                                            <p:strVal val="1+#ppt_h/2"/>
+                                          </p:val>
+                                        </p:tav>
+                                        <p:tav tm="100000">
+                                          <p:val>
+                                            <p:strVal val="#ppt_y"/>
+                                          </p:val>
+                                        </p:tav>
+                                      </p:tavLst>
+                                    </p:anim>
+                                  </p:childTnLst>
+                                </p:cTn>
+                              </p:par>
+                            </p:childTnLst>
+                          </p:cTn>
+                        </p:par>
+                      </p:childTnLst>
+                    </p:cTn>
+                  </p:par>
+                </p:childTnLst>
+              </p:cTn>
+              <p:prevCondLst>
+                <p:cond evt="onPrev" delay="0">
+                  <p:tgtEl>
+                    <p:sldTgt/>
+                  </p:tgtEl>
+                </p:cond>
+              </p:prevCondLst>
+              <p:nextCondLst>
+                <p:cond evt="onNext" delay="0">
+                  <p:tgtEl>
+                    <p:sldTgt/>
+                  </p:tgtEl>
+                </p:cond>
+              </p:nextCondLst>
+            </p:seq>
+          </p:childTnLst>
+        </p:cTn>
       </p:par>
     </p:tnLst>
+    <p:bldLst>
+      <p:bldP spid="6" grpId="0" animBg="1"/>
+    </p:bldLst>
   </p:timing>
 </p:sld>
 </file>
@@ -27700,7 +28396,35 @@
                 <a:latin typeface="Times New Roman" panose="02020603050405020304" pitchFamily="18" charset="0"/>
                 <a:cs typeface="Times New Roman" panose="02020603050405020304" pitchFamily="18" charset="0"/>
               </a:rPr>
-              <a:t>一种把源代码按照代码的嵌套层次依次赋予对应的数字编号的</a:t>
+              <a:t>一种把源代码</a:t>
+            </a:r>
+            <a:r>
+              <a:rPr lang="zh-CN" altLang="en-US" sz="1600" u="sng" dirty="0">
+                <a:latin typeface="Times New Roman" panose="02020603050405020304" pitchFamily="18" charset="0"/>
+                <a:cs typeface="Times New Roman" panose="02020603050405020304" pitchFamily="18" charset="0"/>
+              </a:rPr>
+              <a:t>按照代码的嵌套层次</a:t>
+            </a:r>
+            <a:r>
+              <a:rPr lang="zh-CN" altLang="en-US" sz="1600" dirty="0">
+                <a:latin typeface="Times New Roman" panose="02020603050405020304" pitchFamily="18" charset="0"/>
+                <a:cs typeface="Times New Roman" panose="02020603050405020304" pitchFamily="18" charset="0"/>
+              </a:rPr>
+              <a:t>依次</a:t>
+            </a:r>
+            <a:r>
+              <a:rPr lang="zh-CN" altLang="en-US" sz="1600" u="sng" dirty="0">
+                <a:latin typeface="Times New Roman" panose="02020603050405020304" pitchFamily="18" charset="0"/>
+                <a:cs typeface="Times New Roman" panose="02020603050405020304" pitchFamily="18" charset="0"/>
+              </a:rPr>
+              <a:t>赋予对应的数字编号</a:t>
+            </a:r>
+            <a:r>
+              <a:rPr lang="zh-CN" altLang="en-US" sz="1600" dirty="0">
+                <a:latin typeface="Times New Roman" panose="02020603050405020304" pitchFamily="18" charset="0"/>
+                <a:cs typeface="Times New Roman" panose="02020603050405020304" pitchFamily="18" charset="0"/>
+              </a:rPr>
+              <a:t>的</a:t>
             </a:r>
             <a:r>
               <a:rPr lang="zh-CN" altLang="en-US" sz="1600" dirty="0" smtClean="0">
@@ -27733,7 +28457,7 @@
               <a:t>编译的前端实现的，只用到了代码的</a:t>
             </a:r>
             <a:r>
-              <a:rPr lang="zh-CN" altLang="en-US" sz="1600" dirty="0" smtClean="0">
+              <a:rPr lang="zh-CN" altLang="en-US" sz="1600" u="sng" dirty="0" smtClean="0">
                 <a:latin typeface="Times New Roman" panose="02020603050405020304" pitchFamily="18" charset="0"/>
                 <a:cs typeface="Times New Roman" panose="02020603050405020304" pitchFamily="18" charset="0"/>
               </a:rPr>
@@ -27822,10 +28546,16 @@
               <a:t>使用</a:t>
             </a:r>
             <a:r>
+              <a:rPr lang="zh-CN" altLang="en-US" sz="1600" u="sng" dirty="0">
+                <a:latin typeface="黑体" panose="02010609060101010101" pitchFamily="49" charset="-122"/>
+              </a:rPr>
+              <a:t>栈的方式</a:t>
+            </a:r>
+            <a:r>
               <a:rPr lang="zh-CN" altLang="en-US" sz="1600" dirty="0">
                 <a:latin typeface="黑体" panose="02010609060101010101" pitchFamily="49" charset="-122"/>
               </a:rPr>
-              <a:t>栈的方式存储当前的层级</a:t>
+              <a:t>存储当前的层级</a:t>
             </a:r>
             <a:r>
               <a:rPr lang="zh-CN" altLang="en-US" sz="1600" dirty="0" smtClean="0">
@@ -28205,11 +28935,19 @@
             </a:pPr>
             <a:r>
               <a:rPr lang="zh-CN" altLang="en-US" sz="2100" dirty="0" smtClean="0"/>
-              <a:t>实现系统安全性</a:t>
+              <a:t>实现</a:t>
+            </a:r>
+            <a:r>
+              <a:rPr lang="zh-CN" altLang="en-US" sz="2100" u="sng" dirty="0" smtClean="0"/>
+              <a:t>系统安全性</a:t>
+            </a:r>
+            <a:r>
+              <a:rPr lang="zh-CN" altLang="en-US" sz="2100" u="sng" dirty="0"/>
+              <a:t>和可靠性</a:t>
             </a:r>
             <a:r>
               <a:rPr lang="zh-CN" altLang="en-US" sz="2100" dirty="0"/>
-              <a:t>和可靠性的</a:t>
+              <a:t>的</a:t>
             </a:r>
             <a:r>
               <a:rPr lang="zh-CN" altLang="en-US" sz="2100" dirty="0" smtClean="0"/>
@@ -28245,7 +28983,15 @@
             </a:pPr>
             <a:r>
               <a:rPr lang="zh-CN" altLang="en-US" sz="1900" dirty="0"/>
-              <a:t>在编译系统的构建中实现</a:t>
+              <a:t>在</a:t>
+            </a:r>
+            <a:r>
+              <a:rPr lang="zh-CN" altLang="en-US" sz="1900" u="sng" dirty="0"/>
+              <a:t>编译系统的构建中</a:t>
+            </a:r>
+            <a:r>
+              <a:rPr lang="zh-CN" altLang="en-US" sz="1900" dirty="0"/>
+              <a:t>实现</a:t>
             </a:r>
             <a:r>
               <a:rPr lang="zh-CN" altLang="en-US" sz="1900" dirty="0" smtClean="0"/>
@@ -28438,7 +29184,7 @@
           <a:graphicData uri="http://schemas.openxmlformats.org/presentationml/2006/ole">
             <mc:AlternateContent xmlns:mc="http://schemas.openxmlformats.org/markup-compatibility/2006">
               <mc:Choice xmlns:v="urn:schemas-microsoft-com:vml" Requires="v">
-                <p:oleObj spid="_x0000_s24755" name="Visio" r:id="rId4" imgW="4338610" imgH="3438378" progId="Visio.Drawing.15">
+                <p:oleObj spid="_x0000_s24884" name="Visio" r:id="rId4" imgW="4338610" imgH="3438378" progId="Visio.Drawing.15">
                   <p:embed/>
                 </p:oleObj>
               </mc:Choice>
@@ -28891,7 +29637,7 @@
         <p:spPr>
           <a:xfrm>
             <a:off x="457200" y="1600202"/>
-            <a:ext cx="2727434" cy="4634344"/>
+            <a:ext cx="2525151" cy="4076112"/>
           </a:xfrm>
         </p:spPr>
         <p:txBody>
@@ -28904,18 +29650,18 @@
               <a:buSzPct val="100000"/>
             </a:pPr>
             <a:r>
-              <a:rPr lang="zh-CN" altLang="en-US" sz="2600" dirty="0">
+              <a:rPr lang="zh-CN" altLang="en-US" sz="2400" dirty="0">
                 <a:latin typeface="黑体" panose="02010609060101010101" pitchFamily="49" charset="-122"/>
               </a:rPr>
               <a:t>编译前端</a:t>
             </a:r>
             <a:r>
-              <a:rPr lang="zh-CN" altLang="en-US" sz="2600" dirty="0" smtClean="0">
+              <a:rPr lang="zh-CN" altLang="en-US" sz="2400" dirty="0" smtClean="0">
                 <a:latin typeface="黑体" panose="02010609060101010101" pitchFamily="49" charset="-122"/>
               </a:rPr>
               <a:t>模块</a:t>
             </a:r>
-            <a:endParaRPr lang="en-US" altLang="zh-CN" sz="2600" dirty="0" smtClean="0">
+            <a:endParaRPr lang="en-US" altLang="zh-CN" sz="2400" dirty="0" smtClean="0">
               <a:latin typeface="黑体" panose="02010609060101010101" pitchFamily="49" charset="-122"/>
             </a:endParaRPr>
           </a:p>
@@ -28924,24 +29670,24 @@
               <a:buSzPct val="100000"/>
             </a:pPr>
             <a:r>
-              <a:rPr lang="zh-CN" altLang="en-US" sz="2200" dirty="0" smtClean="0">
+              <a:rPr lang="zh-CN" altLang="en-US" sz="1900" dirty="0" smtClean="0">
                 <a:latin typeface="黑体" panose="02010609060101010101" pitchFamily="49" charset="-122"/>
               </a:rPr>
               <a:t>处理输入</a:t>
             </a:r>
             <a:r>
-              <a:rPr lang="zh-CN" altLang="en-US" sz="2200" dirty="0">
+              <a:rPr lang="zh-CN" altLang="en-US" sz="1900" dirty="0">
                 <a:latin typeface="黑体" panose="02010609060101010101" pitchFamily="49" charset="-122"/>
               </a:rPr>
               <a:t>的</a:t>
             </a:r>
             <a:r>
-              <a:rPr lang="zh-CN" altLang="en-US" sz="2200" dirty="0" smtClean="0">
+              <a:rPr lang="zh-CN" altLang="en-US" sz="1900" dirty="0" smtClean="0">
                 <a:latin typeface="黑体" panose="02010609060101010101" pitchFamily="49" charset="-122"/>
               </a:rPr>
               <a:t>源代码并生成文法单元集合</a:t>
             </a:r>
-            <a:endParaRPr lang="en-US" altLang="zh-CN" sz="2200" dirty="0" smtClean="0">
+            <a:endParaRPr lang="en-US" altLang="zh-CN" sz="1900" dirty="0" smtClean="0">
               <a:latin typeface="黑体" panose="02010609060101010101" pitchFamily="49" charset="-122"/>
             </a:endParaRPr>
           </a:p>
@@ -28950,12 +29696,12 @@
               <a:buSzPct val="100000"/>
             </a:pPr>
             <a:r>
-              <a:rPr lang="zh-CN" altLang="en-US" sz="2600" dirty="0" smtClean="0">
+              <a:rPr lang="zh-CN" altLang="en-US" sz="2400" dirty="0" smtClean="0">
                 <a:latin typeface="黑体" panose="02010609060101010101" pitchFamily="49" charset="-122"/>
               </a:rPr>
               <a:t>编译后端模块</a:t>
             </a:r>
-            <a:endParaRPr lang="en-US" altLang="zh-CN" sz="2600" dirty="0" smtClean="0">
+            <a:endParaRPr lang="en-US" altLang="zh-CN" sz="2400" dirty="0" smtClean="0">
               <a:latin typeface="黑体" panose="02010609060101010101" pitchFamily="49" charset="-122"/>
             </a:endParaRPr>
           </a:p>
@@ -28964,12 +29710,12 @@
               <a:buSzPct val="100000"/>
             </a:pPr>
             <a:r>
-              <a:rPr lang="zh-CN" altLang="en-US" sz="2200" dirty="0" smtClean="0">
+              <a:rPr lang="zh-CN" altLang="en-US" sz="1900" dirty="0" smtClean="0">
                 <a:latin typeface="黑体" panose="02010609060101010101" pitchFamily="49" charset="-122"/>
               </a:rPr>
               <a:t>目标代码生成与集成</a:t>
             </a:r>
-            <a:endParaRPr lang="en-US" altLang="zh-CN" sz="2200" dirty="0" smtClean="0">
+            <a:endParaRPr lang="en-US" altLang="zh-CN" sz="1900" dirty="0" smtClean="0">
               <a:latin typeface="黑体" panose="02010609060101010101" pitchFamily="49" charset="-122"/>
             </a:endParaRPr>
           </a:p>
@@ -28978,24 +29724,24 @@
               <a:buSzPct val="100000"/>
             </a:pPr>
             <a:r>
-              <a:rPr lang="zh-CN" altLang="en-US" sz="2600" dirty="0" smtClean="0">
+              <a:rPr lang="zh-CN" altLang="en-US" sz="2400" dirty="0" smtClean="0">
                 <a:latin typeface="黑体" panose="02010609060101010101" pitchFamily="49" charset="-122"/>
               </a:rPr>
               <a:t>形式</a:t>
             </a:r>
             <a:r>
-              <a:rPr lang="zh-CN" altLang="en-US" sz="2600" dirty="0">
+              <a:rPr lang="zh-CN" altLang="en-US" sz="2400" dirty="0">
                 <a:latin typeface="黑体" panose="02010609060101010101" pitchFamily="49" charset="-122"/>
               </a:rPr>
               <a:t>验证</a:t>
             </a:r>
             <a:r>
-              <a:rPr lang="zh-CN" altLang="en-US" sz="2600" dirty="0" smtClean="0">
+              <a:rPr lang="zh-CN" altLang="en-US" sz="2400" dirty="0" smtClean="0">
                 <a:latin typeface="黑体" panose="02010609060101010101" pitchFamily="49" charset="-122"/>
               </a:rPr>
               <a:t>模块</a:t>
             </a:r>
-            <a:endParaRPr lang="en-US" altLang="zh-CN" sz="2600" dirty="0" smtClean="0">
+            <a:endParaRPr lang="en-US" altLang="zh-CN" sz="2400" dirty="0" smtClean="0">
               <a:latin typeface="黑体" panose="02010609060101010101" pitchFamily="49" charset="-122"/>
             </a:endParaRPr>
           </a:p>
@@ -29004,24 +29750,24 @@
               <a:buSzPct val="100000"/>
             </a:pPr>
             <a:r>
-              <a:rPr lang="zh-CN" altLang="en-US" sz="2200" dirty="0" smtClean="0">
+              <a:rPr lang="zh-CN" altLang="en-US" sz="1900" dirty="0" smtClean="0">
                 <a:latin typeface="黑体" panose="02010609060101010101" pitchFamily="49" charset="-122"/>
               </a:rPr>
               <a:t>编译</a:t>
             </a:r>
             <a:r>
-              <a:rPr lang="zh-CN" altLang="en-US" sz="2200" dirty="0">
+              <a:rPr lang="zh-CN" altLang="en-US" sz="1900" dirty="0">
                 <a:latin typeface="黑体" panose="02010609060101010101" pitchFamily="49" charset="-122"/>
               </a:rPr>
               <a:t>语义形式</a:t>
             </a:r>
             <a:r>
-              <a:rPr lang="zh-CN" altLang="en-US" sz="2200" dirty="0" smtClean="0">
+              <a:rPr lang="zh-CN" altLang="en-US" sz="1900" dirty="0" smtClean="0">
                 <a:latin typeface="黑体" panose="02010609060101010101" pitchFamily="49" charset="-122"/>
               </a:rPr>
               <a:t>验证</a:t>
             </a:r>
-            <a:endParaRPr lang="en-US" altLang="zh-CN" sz="2200" dirty="0" smtClean="0">
+            <a:endParaRPr lang="en-US" altLang="zh-CN" sz="1900" dirty="0" smtClean="0">
               <a:latin typeface="黑体" panose="02010609060101010101" pitchFamily="49" charset="-122"/>
             </a:endParaRPr>
           </a:p>
@@ -29030,18 +29776,18 @@
               <a:buSzPct val="100000"/>
             </a:pPr>
             <a:r>
-              <a:rPr lang="zh-CN" altLang="en-US" sz="2600" dirty="0">
+              <a:rPr lang="zh-CN" altLang="en-US" sz="2400" dirty="0">
                 <a:latin typeface="黑体" panose="02010609060101010101" pitchFamily="49" charset="-122"/>
               </a:rPr>
               <a:t>用户界面</a:t>
             </a:r>
             <a:r>
-              <a:rPr lang="zh-CN" altLang="en-US" sz="2600" dirty="0" smtClean="0">
+              <a:rPr lang="zh-CN" altLang="en-US" sz="2400" dirty="0" smtClean="0">
                 <a:latin typeface="黑体" panose="02010609060101010101" pitchFamily="49" charset="-122"/>
               </a:rPr>
               <a:t>模块</a:t>
             </a:r>
-            <a:endParaRPr lang="en-US" altLang="zh-CN" sz="2600" dirty="0" smtClean="0">
+            <a:endParaRPr lang="en-US" altLang="zh-CN" sz="2400" dirty="0" smtClean="0">
               <a:latin typeface="黑体" panose="02010609060101010101" pitchFamily="49" charset="-122"/>
             </a:endParaRPr>
           </a:p>
@@ -29050,18 +29796,18 @@
               <a:buSzPct val="100000"/>
             </a:pPr>
             <a:r>
-              <a:rPr lang="zh-CN" altLang="en-US" sz="2200" dirty="0">
+              <a:rPr lang="zh-CN" altLang="en-US" sz="1800" dirty="0">
                 <a:latin typeface="黑体" panose="02010609060101010101" pitchFamily="49" charset="-122"/>
               </a:rPr>
               <a:t>用户与程序交互的</a:t>
             </a:r>
             <a:r>
-              <a:rPr lang="zh-CN" altLang="en-US" sz="2200" dirty="0" smtClean="0">
+              <a:rPr lang="zh-CN" altLang="en-US" sz="1800" dirty="0" smtClean="0">
                 <a:latin typeface="黑体" panose="02010609060101010101" pitchFamily="49" charset="-122"/>
               </a:rPr>
               <a:t>接口</a:t>
             </a:r>
-            <a:endParaRPr lang="en-US" altLang="zh-CN" sz="2200" dirty="0">
+            <a:endParaRPr lang="en-US" altLang="zh-CN" sz="1800" dirty="0">
               <a:latin typeface="黑体" panose="02010609060101010101" pitchFamily="49" charset="-122"/>
             </a:endParaRPr>
           </a:p>
@@ -29188,7 +29934,7 @@
           <a:graphicData uri="http://schemas.openxmlformats.org/presentationml/2006/ole">
             <mc:AlternateContent xmlns:mc="http://schemas.openxmlformats.org/markup-compatibility/2006">
               <mc:Choice xmlns:v="urn:schemas-microsoft-com:vml" Requires="v">
-                <p:oleObj spid="_x0000_s25747" name="Visio" r:id="rId4" imgW="5262299" imgH="4457700" progId="Visio.Drawing.15">
+                <p:oleObj spid="_x0000_s25876" name="Visio" r:id="rId4" imgW="5262299" imgH="4457700" progId="Visio.Drawing.15">
                   <p:embed/>
                 </p:oleObj>
               </mc:Choice>
@@ -30033,18 +30779,23 @@
               <a:t>许多</a:t>
             </a:r>
             <a:r>
-              <a:rPr lang="en-US" altLang="zh-CN" sz="2200" dirty="0" smtClean="0"/>
-              <a:t>GCC </a:t>
-            </a:r>
-            <a:r>
-              <a:rPr lang="en-US" altLang="zh-CN" sz="2200" dirty="0" smtClean="0"/>
-              <a:t>Bugs</a:t>
-            </a:r>
-            <a:r>
-              <a:rPr lang="en-US" altLang="zh-CN" sz="2200" baseline="30000" dirty="0" smtClean="0"/>
+              <a:rPr lang="en-US" altLang="zh-CN" sz="2200" dirty="0" smtClean="0">
+                <a:latin typeface="Times New Roman" panose="02020603050405020304" pitchFamily="18" charset="0"/>
+                <a:cs typeface="Times New Roman" panose="02020603050405020304" pitchFamily="18" charset="0"/>
+              </a:rPr>
+              <a:t>GCC Bugs</a:t>
+            </a:r>
+            <a:r>
+              <a:rPr lang="en-US" altLang="zh-CN" sz="2200" baseline="30000" dirty="0" smtClean="0">
+                <a:latin typeface="Times New Roman" panose="02020603050405020304" pitchFamily="18" charset="0"/>
+                <a:cs typeface="Times New Roman" panose="02020603050405020304" pitchFamily="18" charset="0"/>
+              </a:rPr>
               <a:t>[2]</a:t>
             </a:r>
-            <a:endParaRPr lang="en-US" altLang="zh-CN" sz="2200" baseline="30000" dirty="0"/>
+            <a:endParaRPr lang="en-US" altLang="zh-CN" sz="2200" baseline="30000" dirty="0">
+              <a:latin typeface="Times New Roman" panose="02020603050405020304" pitchFamily="18" charset="0"/>
+              <a:cs typeface="Times New Roman" panose="02020603050405020304" pitchFamily="18" charset="0"/>
+            </a:endParaRPr>
           </a:p>
         </p:txBody>
       </p:sp>
@@ -31715,46 +32466,186 @@
           <a:p>
             <a:pPr lvl="1"/>
             <a:r>
-              <a:rPr lang="zh-CN" altLang="en-US" b="1" dirty="0">
-                <a:latin typeface="华文仿宋" panose="02010600040101010101" pitchFamily="2" charset="-122"/>
-                <a:ea typeface="华文仿宋" panose="02010600040101010101" pitchFamily="2" charset="-122"/>
-              </a:rPr>
+              <a:rPr lang="zh-CN" altLang="en-US" dirty="0"/>
               <a:t>提出</a:t>
             </a:r>
+            <a:r>
+              <a:rPr lang="zh-CN" altLang="en-US" b="1" u="sng" dirty="0" smtClean="0"/>
+              <a:t>一</a:t>
+            </a:r>
+            <a:r>
+              <a:rPr lang="zh-CN" altLang="en-US" b="1" u="sng" dirty="0"/>
+              <a:t>种基于编译语义的形式化验证方法</a:t>
+            </a:r>
+            <a:r>
+              <a:rPr lang="zh-CN" altLang="en-US" dirty="0"/>
+              <a:t>，实现从源到目标码的编译过程</a:t>
+            </a:r>
+            <a:r>
+              <a:rPr lang="zh-CN" altLang="en-US" dirty="0" smtClean="0"/>
+              <a:t>验证，并给出了应用</a:t>
+            </a:r>
+            <a:r>
+              <a:rPr lang="zh-CN" altLang="en-US" dirty="0"/>
+              <a:t>于编译形式化验证过程中的</a:t>
+            </a:r>
+            <a:r>
+              <a:rPr lang="zh-CN" altLang="en-US" b="1" u="sng" dirty="0"/>
+              <a:t>三</a:t>
+            </a:r>
+            <a:r>
+              <a:rPr lang="zh-CN" altLang="en-US" b="1" u="sng" dirty="0" smtClean="0"/>
+              <a:t>大核心算法</a:t>
+            </a:r>
+            <a:r>
+              <a:rPr lang="zh-CN" altLang="en-US" dirty="0" smtClean="0"/>
+              <a:t>。</a:t>
+            </a:r>
+            <a:endParaRPr lang="en-US" altLang="zh-CN" dirty="0" smtClean="0"/>
+          </a:p>
+          <a:p>
+            <a:pPr lvl="1"/>
+            <a:r>
+              <a:rPr lang="zh-CN" altLang="en-US" dirty="0"/>
+              <a:t>提出了安全</a:t>
+            </a:r>
+            <a:r>
+              <a:rPr lang="en-US" altLang="zh-CN" dirty="0"/>
+              <a:t>C</a:t>
+            </a:r>
+            <a:r>
+              <a:rPr lang="zh-CN" altLang="en-US" dirty="0"/>
+              <a:t>编译器构建中的关键方法，并给出</a:t>
+            </a:r>
+            <a:r>
+              <a:rPr lang="zh-CN" altLang="en-US" dirty="0" smtClean="0"/>
+              <a:t>了</a:t>
+            </a:r>
+            <a:r>
+              <a:rPr lang="zh-CN" altLang="en-US" b="1" u="sng" dirty="0" smtClean="0"/>
+              <a:t>编译构建方法架构</a:t>
+            </a:r>
+            <a:r>
+              <a:rPr lang="zh-CN" altLang="en-US" dirty="0" smtClean="0"/>
+              <a:t>。其中，下推自动机</a:t>
+            </a:r>
+            <a:r>
+              <a:rPr lang="zh-CN" altLang="en-US" dirty="0"/>
+              <a:t>解决了</a:t>
+            </a:r>
+            <a:r>
+              <a:rPr lang="zh-CN" altLang="en-US" b="1" u="sng" dirty="0"/>
+              <a:t>文法单元的识别问题</a:t>
+            </a:r>
+            <a:r>
+              <a:rPr lang="zh-CN" altLang="en-US" dirty="0"/>
+              <a:t>，</a:t>
+            </a:r>
+            <a:r>
+              <a:rPr lang="zh-CN" altLang="en-US" b="1" u="sng" dirty="0"/>
+              <a:t>层级编码</a:t>
+            </a:r>
+            <a:r>
+              <a:rPr lang="zh-CN" altLang="en-US" dirty="0"/>
+              <a:t>和</a:t>
+            </a:r>
+            <a:r>
+              <a:rPr lang="zh-CN" altLang="en-US" b="1" u="sng" dirty="0"/>
+              <a:t>安全</a:t>
+            </a:r>
+            <a:r>
+              <a:rPr lang="en-US" altLang="zh-CN" b="1" u="sng" dirty="0"/>
+              <a:t>C</a:t>
+            </a:r>
+            <a:r>
+              <a:rPr lang="zh-CN" altLang="en-US" b="1" u="sng" dirty="0"/>
+              <a:t>检验方法</a:t>
+            </a:r>
+            <a:r>
+              <a:rPr lang="zh-CN" altLang="en-US" dirty="0"/>
+              <a:t>实现了</a:t>
+            </a:r>
+            <a:r>
+              <a:rPr lang="en-US" altLang="zh-CN" dirty="0"/>
+              <a:t>DO178C</a:t>
+            </a:r>
+            <a:r>
+              <a:rPr lang="zh-CN" altLang="en-US" dirty="0"/>
+              <a:t>规定</a:t>
+            </a:r>
+            <a:r>
+              <a:rPr lang="zh-CN" altLang="en-US" dirty="0" smtClean="0"/>
+              <a:t>的编译</a:t>
+            </a:r>
+            <a:r>
+              <a:rPr lang="zh-CN" altLang="en-US" dirty="0"/>
+              <a:t>验证系统的可追踪性</a:t>
+            </a:r>
+            <a:r>
+              <a:rPr lang="zh-CN" altLang="en-US" dirty="0" smtClean="0"/>
+              <a:t>和高安全性需求。</a:t>
+            </a:r>
+            <a:endParaRPr lang="en-US" altLang="zh-CN" dirty="0" smtClean="0"/>
+          </a:p>
+          <a:p>
+            <a:pPr lvl="1"/>
+            <a:r>
+              <a:rPr lang="zh-CN" altLang="en-US" dirty="0" smtClean="0"/>
+              <a:t>实现了一套基于上述</a:t>
+            </a:r>
+            <a:r>
+              <a:rPr lang="zh-CN" altLang="en-US" dirty="0"/>
+              <a:t>编译构建和验证</a:t>
+            </a:r>
+            <a:r>
+              <a:rPr lang="zh-CN" altLang="en-US" dirty="0" smtClean="0"/>
+              <a:t>方法的</a:t>
+            </a:r>
+            <a:r>
+              <a:rPr lang="zh-CN" altLang="en-US" b="1" u="sng" dirty="0"/>
+              <a:t>编译</a:t>
+            </a:r>
+            <a:r>
+              <a:rPr lang="zh-CN" altLang="en-US" b="1" u="sng" dirty="0" smtClean="0"/>
+              <a:t>验证工具</a:t>
+            </a:r>
+            <a:r>
+              <a:rPr lang="zh-CN" altLang="en-US" b="1" u="sng" dirty="0"/>
+              <a:t>原型</a:t>
+            </a:r>
+            <a:r>
+              <a:rPr lang="zh-CN" altLang="en-US" dirty="0"/>
+              <a:t>。</a:t>
+            </a:r>
+            <a:r>
+              <a:rPr lang="zh-CN" altLang="en-US" dirty="0" smtClean="0"/>
+              <a:t>为安全</a:t>
+            </a:r>
+            <a:r>
+              <a:rPr lang="en-US" altLang="zh-CN" dirty="0" smtClean="0"/>
+              <a:t>C</a:t>
+            </a:r>
+            <a:r>
+              <a:rPr lang="zh-CN" altLang="en-US" dirty="0" smtClean="0"/>
+              <a:t>编译器的构建和验证提供</a:t>
+            </a:r>
+            <a:r>
+              <a:rPr lang="zh-CN" altLang="en-US" dirty="0"/>
+              <a:t>一种可行的解决方案</a:t>
+            </a:r>
+            <a:r>
+              <a:rPr lang="zh-CN" altLang="en-US" dirty="0" smtClean="0"/>
+              <a:t>。</a:t>
+            </a:r>
+            <a:endParaRPr lang="en-US" altLang="zh-CN" dirty="0" smtClean="0"/>
+          </a:p>
+          <a:p>
             <a:r>
               <a:rPr lang="zh-CN" altLang="en-US" b="1" dirty="0" smtClean="0">
                 <a:latin typeface="华文仿宋" panose="02010600040101010101" pitchFamily="2" charset="-122"/>
                 <a:ea typeface="华文仿宋" panose="02010600040101010101" pitchFamily="2" charset="-122"/>
               </a:rPr>
-              <a:t>一</a:t>
-            </a:r>
-            <a:r>
-              <a:rPr lang="zh-CN" altLang="en-US" b="1" dirty="0">
-                <a:latin typeface="华文仿宋" panose="02010600040101010101" pitchFamily="2" charset="-122"/>
-                <a:ea typeface="华文仿宋" panose="02010600040101010101" pitchFamily="2" charset="-122"/>
-              </a:rPr>
-              <a:t>种基于编译语义的形式化验证方法，实现从源到目标码的编译过程</a:t>
-            </a:r>
-            <a:r>
-              <a:rPr lang="zh-CN" altLang="en-US" b="1" dirty="0" smtClean="0">
-                <a:latin typeface="华文仿宋" panose="02010600040101010101" pitchFamily="2" charset="-122"/>
-                <a:ea typeface="华文仿宋" panose="02010600040101010101" pitchFamily="2" charset="-122"/>
-              </a:rPr>
-              <a:t>验证，并给出了应用</a:t>
-            </a:r>
-            <a:r>
-              <a:rPr lang="zh-CN" altLang="en-US" b="1" dirty="0">
-                <a:latin typeface="华文仿宋" panose="02010600040101010101" pitchFamily="2" charset="-122"/>
-                <a:ea typeface="华文仿宋" panose="02010600040101010101" pitchFamily="2" charset="-122"/>
-              </a:rPr>
-              <a:t>于编译形式化验证过程中的三</a:t>
-            </a:r>
-            <a:r>
-              <a:rPr lang="zh-CN" altLang="en-US" b="1" dirty="0" smtClean="0">
-                <a:latin typeface="华文仿宋" panose="02010600040101010101" pitchFamily="2" charset="-122"/>
-                <a:ea typeface="华文仿宋" panose="02010600040101010101" pitchFamily="2" charset="-122"/>
-              </a:rPr>
-              <a:t>大核心算法。</a:t>
+              <a:t>展望</a:t>
             </a:r>
             <a:endParaRPr lang="en-US" altLang="zh-CN" b="1" dirty="0" smtClean="0">
               <a:latin typeface="华文仿宋" panose="02010600040101010101" pitchFamily="2" charset="-122"/>
@@ -31764,210 +32655,28 @@
           <a:p>
             <a:pPr lvl="1"/>
             <a:r>
-              <a:rPr lang="zh-CN" altLang="en-US" b="1" dirty="0">
-                <a:latin typeface="华文仿宋" panose="02010600040101010101" pitchFamily="2" charset="-122"/>
-                <a:ea typeface="华文仿宋" panose="02010600040101010101" pitchFamily="2" charset="-122"/>
-              </a:rPr>
-              <a:t>提出了安全</a:t>
-            </a:r>
-            <a:r>
-              <a:rPr lang="en-US" altLang="zh-CN" b="1" dirty="0">
-                <a:latin typeface="华文仿宋" panose="02010600040101010101" pitchFamily="2" charset="-122"/>
-                <a:ea typeface="华文仿宋" panose="02010600040101010101" pitchFamily="2" charset="-122"/>
-              </a:rPr>
-              <a:t>C</a:t>
-            </a:r>
-            <a:r>
-              <a:rPr lang="zh-CN" altLang="en-US" b="1" dirty="0">
-                <a:latin typeface="华文仿宋" panose="02010600040101010101" pitchFamily="2" charset="-122"/>
-                <a:ea typeface="华文仿宋" panose="02010600040101010101" pitchFamily="2" charset="-122"/>
-              </a:rPr>
-              <a:t>编译器构建中的关键方法，并给出</a:t>
+              <a:rPr lang="zh-CN" altLang="en-US" dirty="0"/>
+              <a:t>为</a:t>
+            </a:r>
+            <a:r>
+              <a:rPr lang="zh-CN" altLang="en-US" dirty="0" smtClean="0"/>
+              <a:t>本系统加入代码优化</a:t>
+            </a:r>
+            <a:r>
+              <a:rPr lang="zh-CN" altLang="en-US" dirty="0"/>
+              <a:t>部分</a:t>
             </a:r>
             <a:r>
               <a:rPr lang="zh-CN" altLang="en-US" b="1" dirty="0" smtClean="0">
                 <a:latin typeface="华文仿宋" panose="02010600040101010101" pitchFamily="2" charset="-122"/>
                 <a:ea typeface="华文仿宋" panose="02010600040101010101" pitchFamily="2" charset="-122"/>
               </a:rPr>
-              <a:t>了编译构建方法架构。其中，下推自动机</a:t>
-            </a:r>
-            <a:r>
-              <a:rPr lang="zh-CN" altLang="en-US" b="1" dirty="0">
-                <a:latin typeface="华文仿宋" panose="02010600040101010101" pitchFamily="2" charset="-122"/>
-                <a:ea typeface="华文仿宋" panose="02010600040101010101" pitchFamily="2" charset="-122"/>
-              </a:rPr>
-              <a:t>解决了文法单元的识别问题，层级编码和安全</a:t>
-            </a:r>
-            <a:r>
-              <a:rPr lang="en-US" altLang="zh-CN" b="1" dirty="0">
-                <a:latin typeface="华文仿宋" panose="02010600040101010101" pitchFamily="2" charset="-122"/>
-                <a:ea typeface="华文仿宋" panose="02010600040101010101" pitchFamily="2" charset="-122"/>
-              </a:rPr>
-              <a:t>C</a:t>
-            </a:r>
-            <a:r>
-              <a:rPr lang="zh-CN" altLang="en-US" b="1" dirty="0">
-                <a:latin typeface="华文仿宋" panose="02010600040101010101" pitchFamily="2" charset="-122"/>
-                <a:ea typeface="华文仿宋" panose="02010600040101010101" pitchFamily="2" charset="-122"/>
-              </a:rPr>
-              <a:t>检验方法实现了</a:t>
-            </a:r>
-            <a:r>
-              <a:rPr lang="en-US" altLang="zh-CN" b="1" dirty="0">
-                <a:latin typeface="华文仿宋" panose="02010600040101010101" pitchFamily="2" charset="-122"/>
-                <a:ea typeface="华文仿宋" panose="02010600040101010101" pitchFamily="2" charset="-122"/>
-              </a:rPr>
-              <a:t>DO178C</a:t>
-            </a:r>
-            <a:r>
-              <a:rPr lang="zh-CN" altLang="en-US" b="1" dirty="0">
-                <a:latin typeface="华文仿宋" panose="02010600040101010101" pitchFamily="2" charset="-122"/>
-                <a:ea typeface="华文仿宋" panose="02010600040101010101" pitchFamily="2" charset="-122"/>
-              </a:rPr>
-              <a:t>规定</a:t>
-            </a:r>
-            <a:r>
-              <a:rPr lang="zh-CN" altLang="en-US" b="1" dirty="0" smtClean="0">
-                <a:latin typeface="华文仿宋" panose="02010600040101010101" pitchFamily="2" charset="-122"/>
-                <a:ea typeface="华文仿宋" panose="02010600040101010101" pitchFamily="2" charset="-122"/>
-              </a:rPr>
-              <a:t>的编译</a:t>
-            </a:r>
-            <a:r>
-              <a:rPr lang="zh-CN" altLang="en-US" b="1" dirty="0">
-                <a:latin typeface="华文仿宋" panose="02010600040101010101" pitchFamily="2" charset="-122"/>
-                <a:ea typeface="华文仿宋" panose="02010600040101010101" pitchFamily="2" charset="-122"/>
-              </a:rPr>
-              <a:t>验证系统的可追踪性</a:t>
-            </a:r>
-            <a:r>
-              <a:rPr lang="zh-CN" altLang="en-US" b="1" dirty="0" smtClean="0">
-                <a:latin typeface="华文仿宋" panose="02010600040101010101" pitchFamily="2" charset="-122"/>
-                <a:ea typeface="华文仿宋" panose="02010600040101010101" pitchFamily="2" charset="-122"/>
-              </a:rPr>
-              <a:t>和高安全性需求。</a:t>
-            </a:r>
-            <a:endParaRPr lang="en-US" altLang="zh-CN" b="1" dirty="0" smtClean="0">
+              <a:t>。</a:t>
+            </a:r>
+            <a:endParaRPr lang="zh-CN" altLang="en-US" b="1" dirty="0">
               <a:latin typeface="华文仿宋" panose="02010600040101010101" pitchFamily="2" charset="-122"/>
               <a:ea typeface="华文仿宋" panose="02010600040101010101" pitchFamily="2" charset="-122"/>
             </a:endParaRPr>
-          </a:p>
-          <a:p>
-            <a:pPr lvl="1"/>
-            <a:r>
-              <a:rPr lang="zh-CN" altLang="en-US" b="1" dirty="0" smtClean="0">
-                <a:latin typeface="华文仿宋" panose="02010600040101010101" pitchFamily="2" charset="-122"/>
-                <a:ea typeface="华文仿宋" panose="02010600040101010101" pitchFamily="2" charset="-122"/>
-              </a:rPr>
-              <a:t>实现了一套基于上述</a:t>
-            </a:r>
-            <a:r>
-              <a:rPr lang="zh-CN" altLang="en-US" b="1" dirty="0">
-                <a:latin typeface="华文仿宋" panose="02010600040101010101" pitchFamily="2" charset="-122"/>
-                <a:ea typeface="华文仿宋" panose="02010600040101010101" pitchFamily="2" charset="-122"/>
-              </a:rPr>
-              <a:t>编译构建和验证</a:t>
-            </a:r>
-            <a:r>
-              <a:rPr lang="zh-CN" altLang="en-US" b="1" dirty="0" smtClean="0">
-                <a:latin typeface="华文仿宋" panose="02010600040101010101" pitchFamily="2" charset="-122"/>
-                <a:ea typeface="华文仿宋" panose="02010600040101010101" pitchFamily="2" charset="-122"/>
-              </a:rPr>
-              <a:t>方法的</a:t>
-            </a:r>
-            <a:r>
-              <a:rPr lang="zh-CN" altLang="en-US" b="1" dirty="0">
-                <a:latin typeface="华文仿宋" panose="02010600040101010101" pitchFamily="2" charset="-122"/>
-                <a:ea typeface="华文仿宋" panose="02010600040101010101" pitchFamily="2" charset="-122"/>
-              </a:rPr>
-              <a:t>编译</a:t>
-            </a:r>
-            <a:r>
-              <a:rPr lang="zh-CN" altLang="en-US" b="1" dirty="0" smtClean="0">
-                <a:latin typeface="华文仿宋" panose="02010600040101010101" pitchFamily="2" charset="-122"/>
-                <a:ea typeface="华文仿宋" panose="02010600040101010101" pitchFamily="2" charset="-122"/>
-              </a:rPr>
-              <a:t>验证工具</a:t>
-            </a:r>
-            <a:r>
-              <a:rPr lang="zh-CN" altLang="en-US" b="1" dirty="0">
-                <a:latin typeface="华文仿宋" panose="02010600040101010101" pitchFamily="2" charset="-122"/>
-                <a:ea typeface="华文仿宋" panose="02010600040101010101" pitchFamily="2" charset="-122"/>
-              </a:rPr>
-              <a:t>原型。</a:t>
-            </a:r>
-            <a:r>
-              <a:rPr lang="zh-CN" altLang="en-US" b="1" dirty="0" smtClean="0">
-                <a:latin typeface="华文仿宋" panose="02010600040101010101" pitchFamily="2" charset="-122"/>
-                <a:ea typeface="华文仿宋" panose="02010600040101010101" pitchFamily="2" charset="-122"/>
-              </a:rPr>
-              <a:t>为安全</a:t>
-            </a:r>
-            <a:r>
-              <a:rPr lang="en-US" altLang="zh-CN" b="1" dirty="0" smtClean="0">
-                <a:latin typeface="华文仿宋" panose="02010600040101010101" pitchFamily="2" charset="-122"/>
-                <a:ea typeface="华文仿宋" panose="02010600040101010101" pitchFamily="2" charset="-122"/>
-              </a:rPr>
-              <a:t>C</a:t>
-            </a:r>
-            <a:r>
-              <a:rPr lang="zh-CN" altLang="en-US" b="1" dirty="0" smtClean="0">
-                <a:latin typeface="华文仿宋" panose="02010600040101010101" pitchFamily="2" charset="-122"/>
-                <a:ea typeface="华文仿宋" panose="02010600040101010101" pitchFamily="2" charset="-122"/>
-              </a:rPr>
-              <a:t>编译器的构建和验证提供</a:t>
-            </a:r>
-            <a:r>
-              <a:rPr lang="zh-CN" altLang="en-US" b="1" dirty="0">
-                <a:latin typeface="华文仿宋" panose="02010600040101010101" pitchFamily="2" charset="-122"/>
-                <a:ea typeface="华文仿宋" panose="02010600040101010101" pitchFamily="2" charset="-122"/>
-              </a:rPr>
-              <a:t>一种可行的解决方案</a:t>
-            </a:r>
-            <a:r>
-              <a:rPr lang="zh-CN" altLang="en-US" b="1" dirty="0" smtClean="0">
-                <a:latin typeface="华文仿宋" panose="02010600040101010101" pitchFamily="2" charset="-122"/>
-                <a:ea typeface="华文仿宋" panose="02010600040101010101" pitchFamily="2" charset="-122"/>
-              </a:rPr>
-              <a:t>。</a:t>
-            </a:r>
-            <a:endParaRPr lang="en-US" altLang="zh-CN" b="1" dirty="0" smtClean="0">
-              <a:latin typeface="华文仿宋" panose="02010600040101010101" pitchFamily="2" charset="-122"/>
-              <a:ea typeface="华文仿宋" panose="02010600040101010101" pitchFamily="2" charset="-122"/>
-            </a:endParaRPr>
-          </a:p>
-          <a:p>
-            <a:r>
-              <a:rPr lang="zh-CN" altLang="en-US" b="1" dirty="0" smtClean="0">
-                <a:latin typeface="华文仿宋" panose="02010600040101010101" pitchFamily="2" charset="-122"/>
-                <a:ea typeface="华文仿宋" panose="02010600040101010101" pitchFamily="2" charset="-122"/>
-              </a:rPr>
-              <a:t>展望</a:t>
-            </a:r>
-            <a:endParaRPr lang="en-US" altLang="zh-CN" b="1" dirty="0" smtClean="0">
-              <a:latin typeface="华文仿宋" panose="02010600040101010101" pitchFamily="2" charset="-122"/>
-              <a:ea typeface="华文仿宋" panose="02010600040101010101" pitchFamily="2" charset="-122"/>
-            </a:endParaRPr>
-          </a:p>
-          <a:p>
-            <a:pPr lvl="1"/>
-            <a:r>
-              <a:rPr lang="zh-CN" altLang="en-US" dirty="0"/>
-              <a:t>为</a:t>
-            </a:r>
-            <a:r>
-              <a:rPr lang="zh-CN" altLang="en-US" dirty="0" smtClean="0"/>
-              <a:t>本系统加入代码优化</a:t>
-            </a:r>
-            <a:r>
-              <a:rPr lang="zh-CN" altLang="en-US" dirty="0"/>
-              <a:t>部分</a:t>
-            </a:r>
-            <a:r>
-              <a:rPr lang="zh-CN" altLang="en-US" dirty="0" smtClean="0"/>
-              <a:t>。</a:t>
-            </a:r>
-            <a:endParaRPr lang="zh-CN" altLang="en-US" dirty="0"/>
           </a:p>
         </p:txBody>
       </p:sp>
@@ -33016,7 +33725,7 @@
                 <a:latin typeface="Times New Roman" panose="02020603050405020304" pitchFamily="18" charset="0"/>
                 <a:cs typeface="Times New Roman" panose="02020603050405020304" pitchFamily="18" charset="0"/>
               </a:rPr>
-              <a:t>软件规模的增大测试难度倍增</a:t>
+              <a:t>软件规模的增大测试难度呈指数增长</a:t>
             </a:r>
             <a:endParaRPr lang="en-US" altLang="zh-CN" sz="2200" dirty="0" smtClean="0">
               <a:latin typeface="Times New Roman" panose="02020603050405020304" pitchFamily="18" charset="0"/>
@@ -33083,7 +33792,11 @@
             </a:pPr>
             <a:r>
               <a:rPr lang="zh-CN" altLang="en-US" sz="2200" dirty="0"/>
-              <a:t>定理证明、模型检测和程序检验</a:t>
+              <a:t>可以保证完全的</a:t>
+            </a:r>
+            <a:r>
+              <a:rPr lang="zh-CN" altLang="en-US" sz="2200" dirty="0" smtClean="0"/>
+              <a:t>正确性</a:t>
             </a:r>
             <a:endParaRPr lang="en-US" altLang="zh-CN" sz="2200" dirty="0" smtClean="0"/>
           </a:p>
@@ -33093,7 +33806,11 @@
             </a:pPr>
             <a:r>
               <a:rPr lang="zh-CN" altLang="en-US" sz="2200" dirty="0" smtClean="0"/>
-              <a:t>可以保证完全的正确性</a:t>
+              <a:t>定理证明</a:t>
+            </a:r>
+            <a:r>
+              <a:rPr lang="zh-CN" altLang="en-US" sz="2200" dirty="0"/>
+              <a:t>、模型检测和程序检验</a:t>
             </a:r>
             <a:endParaRPr lang="en-US" altLang="zh-CN" sz="2200" dirty="0" smtClean="0"/>
           </a:p>
@@ -33102,8 +33819,12 @@
               <a:buSzPct val="100000"/>
             </a:pPr>
             <a:r>
+              <a:rPr lang="zh-CN" altLang="en-US" sz="2200" dirty="0" smtClean="0"/>
+              <a:t>验证</a:t>
+            </a:r>
+            <a:r>
               <a:rPr lang="zh-CN" altLang="en-US" sz="2200" dirty="0"/>
-              <a:t>验证过程复杂</a:t>
+              <a:t>过程复杂</a:t>
             </a:r>
             <a:r>
               <a:rPr lang="zh-CN" altLang="en-US" sz="2200" dirty="0" smtClean="0"/>
@@ -33141,7 +33862,7 @@
             </a:pPr>
             <a:r>
               <a:rPr lang="zh-CN" altLang="en-US" sz="1800" dirty="0" smtClean="0"/>
-              <a:t>验证编译器程序满足给定规范的前后置条件</a:t>
+              <a:t>验证编译器程序本身满足给定规范的前后置条件</a:t>
             </a:r>
             <a:endParaRPr lang="en-US" altLang="zh-CN" sz="1800" dirty="0" smtClean="0"/>
           </a:p>
@@ -33150,13 +33871,13 @@
               <a:buSzPct val="100000"/>
             </a:pPr>
             <a:r>
-              <a:rPr lang="zh-CN" altLang="en-US" sz="2200" dirty="0" smtClean="0">
+              <a:rPr lang="zh-CN" altLang="en-US" sz="2200" b="1" u="sng" dirty="0" smtClean="0">
                 <a:latin typeface="Times New Roman" panose="02020603050405020304" pitchFamily="18" charset="0"/>
                 <a:cs typeface="Times New Roman" panose="02020603050405020304" pitchFamily="18" charset="0"/>
               </a:rPr>
               <a:t>验证编译过程的正确性</a:t>
             </a:r>
-            <a:endParaRPr lang="en-US" altLang="zh-CN" sz="2200" dirty="0" smtClean="0">
+            <a:endParaRPr lang="en-US" altLang="zh-CN" sz="2200" b="1" u="sng" dirty="0" smtClean="0">
               <a:latin typeface="Times New Roman" panose="02020603050405020304" pitchFamily="18" charset="0"/>
               <a:cs typeface="Times New Roman" panose="02020603050405020304" pitchFamily="18" charset="0"/>
             </a:endParaRPr>
@@ -33172,7 +33893,14 @@
                 <a:latin typeface="Times New Roman" panose="02020603050405020304" pitchFamily="18" charset="0"/>
                 <a:cs typeface="Times New Roman" panose="02020603050405020304" pitchFamily="18" charset="0"/>
               </a:rPr>
-              <a:t>源代码和编译后的目标代码语义一致</a:t>
+              <a:t>源代码和编译后的目标代码语义</a:t>
+            </a:r>
+            <a:r>
+              <a:rPr lang="zh-CN" altLang="en-US" sz="1800" dirty="0" smtClean="0">
+                <a:latin typeface="Times New Roman" panose="02020603050405020304" pitchFamily="18" charset="0"/>
+                <a:cs typeface="Times New Roman" panose="02020603050405020304" pitchFamily="18" charset="0"/>
+              </a:rPr>
+              <a:t>一致性</a:t>
             </a:r>
             <a:endParaRPr lang="en-US" altLang="zh-CN" sz="1800" dirty="0" smtClean="0">
               <a:latin typeface="Times New Roman" panose="02020603050405020304" pitchFamily="18" charset="0"/>
@@ -33461,7 +34189,7 @@
             </a:pPr>
             <a:r>
               <a:rPr lang="zh-CN" altLang="en-US" sz="2200" dirty="0" smtClean="0"/>
-              <a:t>航空</a:t>
+              <a:t>国际公认的航空</a:t>
             </a:r>
             <a:r>
               <a:rPr lang="zh-CN" altLang="en-US" sz="2200" dirty="0"/>
@@ -33496,12 +34224,8 @@
               <a:buSzPct val="100000"/>
             </a:pPr>
             <a:r>
-              <a:rPr lang="zh-CN" altLang="en-US" sz="2200" dirty="0"/>
-              <a:t>完整性、</a:t>
-            </a:r>
-            <a:r>
               <a:rPr lang="zh-CN" altLang="en-US" sz="2200" dirty="0" smtClean="0"/>
-              <a:t>一致性</a:t>
+              <a:t>过程的一致性</a:t>
             </a:r>
             <a:r>
               <a:rPr lang="zh-CN" altLang="en-US" sz="2200" dirty="0"/>
@@ -33513,11 +34237,11 @@
             </a:r>
             <a:r>
               <a:rPr lang="zh-CN" altLang="en-US" sz="2200" dirty="0"/>
-              <a:t>追溯性</a:t>
+              <a:t>追溯</a:t>
             </a:r>
             <a:r>
               <a:rPr lang="zh-CN" altLang="en-US" sz="2200" dirty="0" smtClean="0"/>
-              <a:t>等</a:t>
+              <a:t>性</a:t>
             </a:r>
             <a:endParaRPr lang="en-US" altLang="zh-CN" sz="2200" dirty="0"/>
           </a:p>
@@ -33537,11 +34261,18 @@
               <a:buSzPct val="100000"/>
             </a:pPr>
             <a:r>
+              <a:rPr lang="zh-CN" altLang="en-US" sz="2200" dirty="0" smtClean="0">
+                <a:latin typeface="Times New Roman" panose="02020603050405020304" pitchFamily="18" charset="0"/>
+                <a:cs typeface="Times New Roman" panose="02020603050405020304" pitchFamily="18" charset="0"/>
+              </a:rPr>
+              <a:t>原是汽车</a:t>
+            </a:r>
+            <a:r>
               <a:rPr lang="zh-CN" altLang="en-US" sz="2200" dirty="0">
                 <a:latin typeface="Times New Roman" panose="02020603050405020304" pitchFamily="18" charset="0"/>
                 <a:cs typeface="Times New Roman" panose="02020603050405020304" pitchFamily="18" charset="0"/>
               </a:rPr>
-              <a:t>汽车制造业嵌入式</a:t>
+              <a:t>制造业嵌入式</a:t>
             </a:r>
             <a:r>
               <a:rPr lang="en-US" altLang="zh-CN" sz="2200" dirty="0">
@@ -33618,50 +34349,111 @@
               <a:buSzPct val="100000"/>
             </a:pPr>
             <a:r>
-              <a:rPr lang="zh-CN" altLang="en-US" sz="2200" dirty="0" smtClean="0"/>
+              <a:rPr lang="zh-CN" altLang="en-US" sz="2200" dirty="0" smtClean="0">
+                <a:latin typeface="Times New Roman" panose="02020603050405020304" pitchFamily="18" charset="0"/>
+                <a:cs typeface="Times New Roman" panose="02020603050405020304" pitchFamily="18" charset="0"/>
+              </a:rPr>
               <a:t>与</a:t>
             </a:r>
             <a:r>
-              <a:rPr lang="zh-CN" altLang="en-US" sz="2200" dirty="0"/>
+              <a:rPr lang="zh-CN" altLang="en-US" sz="2200" dirty="0">
+                <a:latin typeface="Times New Roman" panose="02020603050405020304" pitchFamily="18" charset="0"/>
+                <a:cs typeface="Times New Roman" panose="02020603050405020304" pitchFamily="18" charset="0"/>
+              </a:rPr>
               <a:t>航天型号软件的特点相结合</a:t>
             </a:r>
             <a:r>
-              <a:rPr lang="zh-CN" altLang="en-US" sz="2200" dirty="0" smtClean="0"/>
+              <a:rPr lang="zh-CN" altLang="en-US" sz="2200" dirty="0" smtClean="0">
+                <a:latin typeface="Times New Roman" panose="02020603050405020304" pitchFamily="18" charset="0"/>
+                <a:cs typeface="Times New Roman" panose="02020603050405020304" pitchFamily="18" charset="0"/>
+              </a:rPr>
               <a:t>形成安全</a:t>
             </a:r>
             <a:r>
-              <a:rPr lang="en-US" altLang="zh-CN" sz="2200" dirty="0"/>
+              <a:rPr lang="en-US" altLang="zh-CN" sz="2200" dirty="0">
+                <a:latin typeface="Times New Roman" panose="02020603050405020304" pitchFamily="18" charset="0"/>
+                <a:cs typeface="Times New Roman" panose="02020603050405020304" pitchFamily="18" charset="0"/>
+              </a:rPr>
               <a:t>C</a:t>
             </a:r>
             <a:r>
-              <a:rPr lang="zh-CN" altLang="en-US" sz="2200" dirty="0" smtClean="0"/>
+              <a:rPr lang="zh-CN" altLang="en-US" sz="2200" dirty="0" smtClean="0">
+                <a:latin typeface="Times New Roman" panose="02020603050405020304" pitchFamily="18" charset="0"/>
+                <a:cs typeface="Times New Roman" panose="02020603050405020304" pitchFamily="18" charset="0"/>
+              </a:rPr>
               <a:t>子集</a:t>
             </a:r>
-            <a:endParaRPr lang="en-US" altLang="zh-CN" sz="2200" dirty="0" smtClean="0"/>
+            <a:endParaRPr lang="en-US" altLang="zh-CN" sz="2200" dirty="0" smtClean="0">
+              <a:latin typeface="Times New Roman" panose="02020603050405020304" pitchFamily="18" charset="0"/>
+              <a:cs typeface="Times New Roman" panose="02020603050405020304" pitchFamily="18" charset="0"/>
+            </a:endParaRPr>
           </a:p>
           <a:p>
             <a:pPr lvl="1">
               <a:buSzPct val="100000"/>
             </a:pPr>
             <a:r>
-              <a:rPr lang="zh-CN" altLang="en-US" sz="2200" dirty="0" smtClean="0"/>
+              <a:rPr lang="zh-CN" altLang="en-US" sz="2200" dirty="0" smtClean="0">
+                <a:latin typeface="Times New Roman" panose="02020603050405020304" pitchFamily="18" charset="0"/>
+                <a:cs typeface="Times New Roman" panose="02020603050405020304" pitchFamily="18" charset="0"/>
+              </a:rPr>
               <a:t>安全</a:t>
             </a:r>
             <a:r>
-              <a:rPr lang="en-US" altLang="zh-CN" sz="2200" dirty="0" smtClean="0"/>
+              <a:rPr lang="en-US" altLang="zh-CN" sz="2200" dirty="0" smtClean="0">
+                <a:latin typeface="Times New Roman" panose="02020603050405020304" pitchFamily="18" charset="0"/>
+                <a:cs typeface="Times New Roman" panose="02020603050405020304" pitchFamily="18" charset="0"/>
+              </a:rPr>
               <a:t>C</a:t>
             </a:r>
             <a:r>
-              <a:rPr lang="zh-CN" altLang="en-US" sz="2200" dirty="0"/>
-              <a:t>对编译器支持的</a:t>
-            </a:r>
-            <a:r>
-              <a:rPr lang="en-US" altLang="zh-CN" sz="2200" dirty="0"/>
+              <a:rPr lang="zh-CN" altLang="en-US" sz="2200" dirty="0" smtClean="0">
+                <a:latin typeface="Times New Roman" panose="02020603050405020304" pitchFamily="18" charset="0"/>
+                <a:cs typeface="Times New Roman" panose="02020603050405020304" pitchFamily="18" charset="0"/>
+              </a:rPr>
+              <a:t>子集对</a:t>
+            </a:r>
+            <a:r>
+              <a:rPr lang="zh-CN" altLang="en-US" sz="2200" dirty="0">
+                <a:latin typeface="Times New Roman" panose="02020603050405020304" pitchFamily="18" charset="0"/>
+                <a:cs typeface="Times New Roman" panose="02020603050405020304" pitchFamily="18" charset="0"/>
+              </a:rPr>
+              <a:t>编译器支持的</a:t>
+            </a:r>
+            <a:r>
+              <a:rPr lang="en-US" altLang="zh-CN" sz="2200" dirty="0">
+                <a:latin typeface="Times New Roman" panose="02020603050405020304" pitchFamily="18" charset="0"/>
+                <a:cs typeface="Times New Roman" panose="02020603050405020304" pitchFamily="18" charset="0"/>
+              </a:rPr>
               <a:t>C</a:t>
             </a:r>
             <a:r>
-              <a:rPr lang="zh-CN" altLang="en-US" sz="2200" dirty="0"/>
-              <a:t>语言集合作出了一定的限制</a:t>
+              <a:rPr lang="zh-CN" altLang="en-US" sz="2200" dirty="0" smtClean="0">
+                <a:latin typeface="Times New Roman" panose="02020603050405020304" pitchFamily="18" charset="0"/>
+                <a:cs typeface="Times New Roman" panose="02020603050405020304" pitchFamily="18" charset="0"/>
+              </a:rPr>
+              <a:t>语言</a:t>
+            </a:r>
+            <a:r>
+              <a:rPr lang="zh-CN" altLang="en-US" sz="2200" dirty="0">
+                <a:latin typeface="Times New Roman" panose="02020603050405020304" pitchFamily="18" charset="0"/>
+                <a:cs typeface="Times New Roman" panose="02020603050405020304" pitchFamily="18" charset="0"/>
+              </a:rPr>
+              <a:t>规范</a:t>
+            </a:r>
+            <a:r>
+              <a:rPr lang="zh-CN" altLang="en-US" sz="2200" dirty="0" smtClean="0">
+                <a:latin typeface="Times New Roman" panose="02020603050405020304" pitchFamily="18" charset="0"/>
+                <a:cs typeface="Times New Roman" panose="02020603050405020304" pitchFamily="18" charset="0"/>
+              </a:rPr>
+              <a:t>作出</a:t>
+            </a:r>
+            <a:r>
+              <a:rPr lang="zh-CN" altLang="en-US" sz="2200" dirty="0">
+                <a:latin typeface="Times New Roman" panose="02020603050405020304" pitchFamily="18" charset="0"/>
+                <a:cs typeface="Times New Roman" panose="02020603050405020304" pitchFamily="18" charset="0"/>
+              </a:rPr>
+              <a:t>了一定的限制</a:t>
             </a:r>
           </a:p>
           <a:p>
@@ -33769,11 +34561,18 @@
                 <a:t>DO-178C</a:t>
               </a:r>
               <a:r>
+                <a:rPr lang="zh-CN" altLang="en-US" sz="1100" dirty="0">
+                  <a:latin typeface="仿宋" panose="02010609060101010101" pitchFamily="49" charset="-122"/>
+                  <a:ea typeface="仿宋" panose="02010609060101010101" pitchFamily="49" charset="-122"/>
+                </a:rPr>
+                <a:t>标准</a:t>
+              </a:r>
+              <a:r>
                 <a:rPr lang="zh-CN" altLang="en-US" sz="1100" dirty="0" smtClean="0">
                   <a:latin typeface="仿宋" panose="02010609060101010101" pitchFamily="49" charset="-122"/>
                   <a:ea typeface="仿宋" panose="02010609060101010101" pitchFamily="49" charset="-122"/>
                 </a:rPr>
-                <a:t>规范的</a:t>
+                <a:t>的</a:t>
               </a:r>
               <a:r>
                 <a:rPr lang="zh-CN" altLang="en-US" sz="1100" dirty="0">
@@ -34226,145 +35025,274 @@
               <a:rPr lang="en-US" altLang="zh-CN" baseline="30000" dirty="0" smtClean="0"/>
               <a:t>[3]</a:t>
             </a:r>
-            <a:endParaRPr lang="en-US" altLang="zh-CN" baseline="30000" dirty="0" smtClean="0"/>
           </a:p>
           <a:p>
             <a:pPr lvl="1"/>
             <a:r>
-              <a:rPr lang="zh-CN" altLang="en-US" dirty="0" smtClean="0"/>
+              <a:rPr lang="zh-CN" altLang="en-US" dirty="0" smtClean="0">
+                <a:latin typeface="Times New Roman" panose="02020603050405020304" pitchFamily="18" charset="0"/>
+                <a:cs typeface="Times New Roman" panose="02020603050405020304" pitchFamily="18" charset="0"/>
+              </a:rPr>
               <a:t>近年来比较</a:t>
             </a:r>
             <a:r>
-              <a:rPr lang="zh-CN" altLang="en-US" dirty="0"/>
+              <a:rPr lang="zh-CN" altLang="en-US" dirty="0">
+                <a:latin typeface="Times New Roman" panose="02020603050405020304" pitchFamily="18" charset="0"/>
+                <a:cs typeface="Times New Roman" panose="02020603050405020304" pitchFamily="18" charset="0"/>
+              </a:rPr>
               <a:t>具有</a:t>
             </a:r>
             <a:r>
-              <a:rPr lang="zh-CN" altLang="en-US" dirty="0" smtClean="0"/>
-              <a:t>代表性的工作（开发中）</a:t>
-            </a:r>
-            <a:endParaRPr lang="en-US" altLang="zh-CN" dirty="0" smtClean="0"/>
+              <a:rPr lang="zh-CN" altLang="en-US" dirty="0" smtClean="0">
+                <a:latin typeface="Times New Roman" panose="02020603050405020304" pitchFamily="18" charset="0"/>
+                <a:cs typeface="Times New Roman" panose="02020603050405020304" pitchFamily="18" charset="0"/>
+              </a:rPr>
+              <a:t>代表性的工作（</a:t>
+            </a:r>
+            <a:r>
+              <a:rPr lang="zh-CN" altLang="en-US" dirty="0">
+                <a:latin typeface="Times New Roman" panose="02020603050405020304" pitchFamily="18" charset="0"/>
+                <a:cs typeface="Times New Roman" panose="02020603050405020304" pitchFamily="18" charset="0"/>
+              </a:rPr>
+              <a:t>进行</a:t>
+            </a:r>
+            <a:r>
+              <a:rPr lang="zh-CN" altLang="en-US" dirty="0" smtClean="0">
+                <a:latin typeface="Times New Roman" panose="02020603050405020304" pitchFamily="18" charset="0"/>
+                <a:cs typeface="Times New Roman" panose="02020603050405020304" pitchFamily="18" charset="0"/>
+              </a:rPr>
+              <a:t>中）</a:t>
+            </a:r>
+            <a:endParaRPr lang="en-US" altLang="zh-CN" dirty="0" smtClean="0">
+              <a:latin typeface="Times New Roman" panose="02020603050405020304" pitchFamily="18" charset="0"/>
+              <a:cs typeface="Times New Roman" panose="02020603050405020304" pitchFamily="18" charset="0"/>
+            </a:endParaRPr>
           </a:p>
           <a:p>
             <a:pPr lvl="1"/>
             <a:r>
-              <a:rPr lang="en-US" altLang="zh-CN" dirty="0" smtClean="0"/>
+              <a:rPr lang="en-US" altLang="zh-CN" dirty="0" smtClean="0">
+                <a:latin typeface="Times New Roman" panose="02020603050405020304" pitchFamily="18" charset="0"/>
+                <a:cs typeface="Times New Roman" panose="02020603050405020304" pitchFamily="18" charset="0"/>
+              </a:rPr>
               <a:t>Xavier Leroy</a:t>
             </a:r>
             <a:r>
-              <a:rPr lang="zh-CN" altLang="en-US" dirty="0" smtClean="0"/>
+              <a:rPr lang="zh-CN" altLang="en-US" dirty="0" smtClean="0">
+                <a:latin typeface="Times New Roman" panose="02020603050405020304" pitchFamily="18" charset="0"/>
+                <a:cs typeface="Times New Roman" panose="02020603050405020304" pitchFamily="18" charset="0"/>
+              </a:rPr>
               <a:t>于</a:t>
             </a:r>
             <a:r>
-              <a:rPr lang="en-US" altLang="zh-CN" dirty="0" smtClean="0"/>
+              <a:rPr lang="en-US" altLang="zh-CN" dirty="0" smtClean="0">
+                <a:latin typeface="Times New Roman" panose="02020603050405020304" pitchFamily="18" charset="0"/>
+                <a:cs typeface="Times New Roman" panose="02020603050405020304" pitchFamily="18" charset="0"/>
+              </a:rPr>
               <a:t>2009</a:t>
             </a:r>
             <a:r>
-              <a:rPr lang="zh-CN" altLang="en-US" dirty="0" smtClean="0"/>
+              <a:rPr lang="zh-CN" altLang="en-US" dirty="0" smtClean="0">
+                <a:latin typeface="Times New Roman" panose="02020603050405020304" pitchFamily="18" charset="0"/>
+                <a:cs typeface="Times New Roman" panose="02020603050405020304" pitchFamily="18" charset="0"/>
+              </a:rPr>
               <a:t>年公布</a:t>
             </a:r>
             <a:r>
-              <a:rPr lang="en-US" altLang="zh-CN" dirty="0" err="1" smtClean="0"/>
+              <a:rPr lang="en-US" altLang="zh-CN" dirty="0" err="1" smtClean="0">
+                <a:latin typeface="Times New Roman" panose="02020603050405020304" pitchFamily="18" charset="0"/>
+                <a:cs typeface="Times New Roman" panose="02020603050405020304" pitchFamily="18" charset="0"/>
+              </a:rPr>
               <a:t>CompCert</a:t>
             </a:r>
             <a:r>
-              <a:rPr lang="zh-CN" altLang="en-US" dirty="0"/>
+              <a:rPr lang="zh-CN" altLang="en-US" dirty="0">
+                <a:latin typeface="Times New Roman" panose="02020603050405020304" pitchFamily="18" charset="0"/>
+                <a:cs typeface="Times New Roman" panose="02020603050405020304" pitchFamily="18" charset="0"/>
+              </a:rPr>
               <a:t>编译器的开发和验证</a:t>
             </a:r>
             <a:r>
-              <a:rPr lang="zh-CN" altLang="en-US" dirty="0" smtClean="0"/>
+              <a:rPr lang="zh-CN" altLang="en-US" dirty="0" smtClean="0">
+                <a:latin typeface="Times New Roman" panose="02020603050405020304" pitchFamily="18" charset="0"/>
+                <a:cs typeface="Times New Roman" panose="02020603050405020304" pitchFamily="18" charset="0"/>
+              </a:rPr>
               <a:t>进展</a:t>
             </a:r>
-            <a:endParaRPr lang="en-US" altLang="zh-CN" dirty="0" smtClean="0"/>
+            <a:endParaRPr lang="en-US" altLang="zh-CN" dirty="0" smtClean="0">
+              <a:latin typeface="Times New Roman" panose="02020603050405020304" pitchFamily="18" charset="0"/>
+              <a:cs typeface="Times New Roman" panose="02020603050405020304" pitchFamily="18" charset="0"/>
+            </a:endParaRPr>
           </a:p>
           <a:p>
             <a:pPr lvl="1"/>
             <a:r>
-              <a:rPr lang="zh-CN" altLang="en-US" dirty="0" smtClean="0"/>
+              <a:rPr lang="zh-CN" altLang="en-US" dirty="0" smtClean="0">
+                <a:latin typeface="Times New Roman" panose="02020603050405020304" pitchFamily="18" charset="0"/>
+                <a:cs typeface="Times New Roman" panose="02020603050405020304" pitchFamily="18" charset="0"/>
+              </a:rPr>
               <a:t>基于</a:t>
             </a:r>
             <a:r>
-              <a:rPr lang="en-US" altLang="zh-CN" u="sng" dirty="0" smtClean="0"/>
+              <a:rPr lang="en-US" altLang="zh-CN" u="sng" dirty="0" smtClean="0">
+                <a:latin typeface="Times New Roman" panose="02020603050405020304" pitchFamily="18" charset="0"/>
+                <a:cs typeface="Times New Roman" panose="02020603050405020304" pitchFamily="18" charset="0"/>
+              </a:rPr>
               <a:t>Coq</a:t>
             </a:r>
             <a:r>
-              <a:rPr lang="zh-CN" altLang="en-US" u="sng" dirty="0" smtClean="0"/>
+              <a:rPr lang="zh-CN" altLang="en-US" u="sng" dirty="0" smtClean="0">
+                <a:latin typeface="Times New Roman" panose="02020603050405020304" pitchFamily="18" charset="0"/>
+                <a:cs typeface="Times New Roman" panose="02020603050405020304" pitchFamily="18" charset="0"/>
+              </a:rPr>
               <a:t>定理证明</a:t>
             </a:r>
             <a:r>
-              <a:rPr lang="zh-CN" altLang="en-US" u="sng" dirty="0"/>
+              <a:rPr lang="zh-CN" altLang="en-US" u="sng" dirty="0">
+                <a:latin typeface="Times New Roman" panose="02020603050405020304" pitchFamily="18" charset="0"/>
+                <a:cs typeface="Times New Roman" panose="02020603050405020304" pitchFamily="18" charset="0"/>
+              </a:rPr>
               <a:t>工具</a:t>
             </a:r>
             <a:r>
-              <a:rPr lang="zh-CN" altLang="en-US" dirty="0"/>
+              <a:rPr lang="zh-CN" altLang="en-US" dirty="0">
+                <a:latin typeface="Times New Roman" panose="02020603050405020304" pitchFamily="18" charset="0"/>
+                <a:cs typeface="Times New Roman" panose="02020603050405020304" pitchFamily="18" charset="0"/>
+              </a:rPr>
               <a:t>完成了对一个完整且实际的编译过程的</a:t>
             </a:r>
             <a:r>
-              <a:rPr lang="zh-CN" altLang="en-US" dirty="0" smtClean="0"/>
+              <a:rPr lang="zh-CN" altLang="en-US" dirty="0" smtClean="0">
+                <a:latin typeface="Times New Roman" panose="02020603050405020304" pitchFamily="18" charset="0"/>
+                <a:cs typeface="Times New Roman" panose="02020603050405020304" pitchFamily="18" charset="0"/>
+              </a:rPr>
               <a:t>正确性</a:t>
             </a:r>
-            <a:endParaRPr lang="en-US" altLang="zh-CN" dirty="0" smtClean="0"/>
+            <a:endParaRPr lang="en-US" altLang="zh-CN" dirty="0" smtClean="0">
+              <a:latin typeface="Times New Roman" panose="02020603050405020304" pitchFamily="18" charset="0"/>
+              <a:cs typeface="Times New Roman" panose="02020603050405020304" pitchFamily="18" charset="0"/>
+            </a:endParaRPr>
           </a:p>
           <a:p>
             <a:pPr marL="290250" lvl="1" indent="0">
               <a:buNone/>
             </a:pPr>
             <a:r>
-              <a:rPr lang="en-US" altLang="zh-CN" dirty="0"/>
+              <a:rPr lang="en-US" altLang="zh-CN" dirty="0">
+                <a:latin typeface="Times New Roman" panose="02020603050405020304" pitchFamily="18" charset="0"/>
+                <a:cs typeface="Times New Roman" panose="02020603050405020304" pitchFamily="18" charset="0"/>
+              </a:rPr>
               <a:t> </a:t>
             </a:r>
             <a:r>
-              <a:rPr lang="en-US" altLang="zh-CN" dirty="0" smtClean="0"/>
+              <a:rPr lang="en-US" altLang="zh-CN" dirty="0" smtClean="0">
+                <a:latin typeface="Times New Roman" panose="02020603050405020304" pitchFamily="18" charset="0"/>
+                <a:cs typeface="Times New Roman" panose="02020603050405020304" pitchFamily="18" charset="0"/>
+              </a:rPr>
               <a:t>  </a:t>
             </a:r>
             <a:r>
-              <a:rPr lang="zh-CN" altLang="en-US" dirty="0" smtClean="0"/>
+              <a:rPr lang="zh-CN" altLang="en-US" dirty="0" smtClean="0">
+                <a:latin typeface="Times New Roman" panose="02020603050405020304" pitchFamily="18" charset="0"/>
+                <a:cs typeface="Times New Roman" panose="02020603050405020304" pitchFamily="18" charset="0"/>
+              </a:rPr>
               <a:t>形式验证</a:t>
             </a:r>
-            <a:endParaRPr lang="en-US" altLang="zh-CN" dirty="0" smtClean="0"/>
+            <a:endParaRPr lang="en-US" altLang="zh-CN" dirty="0" smtClean="0">
+              <a:latin typeface="Times New Roman" panose="02020603050405020304" pitchFamily="18" charset="0"/>
+              <a:cs typeface="Times New Roman" panose="02020603050405020304" pitchFamily="18" charset="0"/>
+            </a:endParaRPr>
           </a:p>
           <a:p>
             <a:pPr lvl="1"/>
             <a:r>
-              <a:rPr lang="zh-CN" altLang="en-US" dirty="0"/>
-              <a:t>整个证明过程完全形式化的且是机器自动生成</a:t>
-            </a:r>
-            <a:r>
-              <a:rPr lang="zh-CN" altLang="en-US" dirty="0" smtClean="0"/>
+              <a:rPr lang="zh-CN" altLang="en-US" dirty="0">
+                <a:latin typeface="Times New Roman" panose="02020603050405020304" pitchFamily="18" charset="0"/>
+                <a:cs typeface="Times New Roman" panose="02020603050405020304" pitchFamily="18" charset="0"/>
+              </a:rPr>
+              <a:t>整个证明过程</a:t>
+            </a:r>
+            <a:r>
+              <a:rPr lang="zh-CN" altLang="en-US" u="sng" dirty="0">
+                <a:latin typeface="Times New Roman" panose="02020603050405020304" pitchFamily="18" charset="0"/>
+                <a:cs typeface="Times New Roman" panose="02020603050405020304" pitchFamily="18" charset="0"/>
+              </a:rPr>
+              <a:t>完全形式化</a:t>
+            </a:r>
+            <a:r>
+              <a:rPr lang="zh-CN" altLang="en-US" dirty="0">
+                <a:latin typeface="Times New Roman" panose="02020603050405020304" pitchFamily="18" charset="0"/>
+                <a:cs typeface="Times New Roman" panose="02020603050405020304" pitchFamily="18" charset="0"/>
+              </a:rPr>
+              <a:t>的且是机器自动生成</a:t>
+            </a:r>
+            <a:r>
+              <a:rPr lang="zh-CN" altLang="en-US" dirty="0" smtClean="0">
+                <a:latin typeface="Times New Roman" panose="02020603050405020304" pitchFamily="18" charset="0"/>
+                <a:cs typeface="Times New Roman" panose="02020603050405020304" pitchFamily="18" charset="0"/>
+              </a:rPr>
               <a:t>的</a:t>
             </a:r>
-            <a:endParaRPr lang="en-US" altLang="zh-CN" dirty="0" smtClean="0"/>
+            <a:endParaRPr lang="en-US" altLang="zh-CN" dirty="0" smtClean="0">
+              <a:latin typeface="Times New Roman" panose="02020603050405020304" pitchFamily="18" charset="0"/>
+              <a:cs typeface="Times New Roman" panose="02020603050405020304" pitchFamily="18" charset="0"/>
+            </a:endParaRPr>
           </a:p>
           <a:p>
             <a:pPr lvl="1"/>
             <a:r>
-              <a:rPr lang="en-US" altLang="zh-CN" dirty="0" err="1"/>
+              <a:rPr lang="en-US" altLang="zh-CN" dirty="0" err="1">
+                <a:latin typeface="Times New Roman" panose="02020603050405020304" pitchFamily="18" charset="0"/>
+                <a:cs typeface="Times New Roman" panose="02020603050405020304" pitchFamily="18" charset="0"/>
+              </a:rPr>
               <a:t>CompCert</a:t>
             </a:r>
             <a:r>
-              <a:rPr lang="zh-CN" altLang="en-US" dirty="0"/>
+              <a:rPr lang="zh-CN" altLang="en-US" dirty="0">
+                <a:latin typeface="Times New Roman" panose="02020603050405020304" pitchFamily="18" charset="0"/>
+                <a:cs typeface="Times New Roman" panose="02020603050405020304" pitchFamily="18" charset="0"/>
+              </a:rPr>
               <a:t>支持所有的</a:t>
             </a:r>
             <a:r>
-              <a:rPr lang="en-US" altLang="zh-CN" dirty="0"/>
+              <a:rPr lang="en-US" altLang="zh-CN" dirty="0">
+                <a:latin typeface="Times New Roman" panose="02020603050405020304" pitchFamily="18" charset="0"/>
+                <a:cs typeface="Times New Roman" panose="02020603050405020304" pitchFamily="18" charset="0"/>
+              </a:rPr>
               <a:t>MISRA-C:2004</a:t>
             </a:r>
             <a:r>
-              <a:rPr lang="zh-CN" altLang="en-US" dirty="0"/>
+              <a:rPr lang="zh-CN" altLang="en-US" dirty="0">
+                <a:latin typeface="Times New Roman" panose="02020603050405020304" pitchFamily="18" charset="0"/>
+                <a:cs typeface="Times New Roman" panose="02020603050405020304" pitchFamily="18" charset="0"/>
+              </a:rPr>
               <a:t>和所有被</a:t>
             </a:r>
             <a:r>
-              <a:rPr lang="en-US" altLang="zh-CN" dirty="0"/>
+              <a:rPr lang="en-US" altLang="zh-CN" dirty="0">
+                <a:latin typeface="Times New Roman" panose="02020603050405020304" pitchFamily="18" charset="0"/>
+                <a:cs typeface="Times New Roman" panose="02020603050405020304" pitchFamily="18" charset="0"/>
+              </a:rPr>
               <a:t>MISRA-C</a:t>
             </a:r>
             <a:r>
-              <a:rPr lang="zh-CN" altLang="en-US" dirty="0"/>
+              <a:rPr lang="zh-CN" altLang="en-US" dirty="0">
+                <a:latin typeface="Times New Roman" panose="02020603050405020304" pitchFamily="18" charset="0"/>
+                <a:cs typeface="Times New Roman" panose="02020603050405020304" pitchFamily="18" charset="0"/>
+              </a:rPr>
               <a:t>排除的</a:t>
             </a:r>
             <a:r>
-              <a:rPr lang="zh-CN" altLang="en-US" dirty="0" smtClean="0"/>
+              <a:rPr lang="zh-CN" altLang="en-US" dirty="0" smtClean="0">
+                <a:latin typeface="Times New Roman" panose="02020603050405020304" pitchFamily="18" charset="0"/>
+                <a:cs typeface="Times New Roman" panose="02020603050405020304" pitchFamily="18" charset="0"/>
+              </a:rPr>
               <a:t>特性</a:t>
             </a:r>
-            <a:endParaRPr lang="en-US" altLang="zh-CN" dirty="0" smtClean="0"/>
+            <a:endParaRPr lang="en-US" altLang="zh-CN" dirty="0" smtClean="0">
+              <a:latin typeface="Times New Roman" panose="02020603050405020304" pitchFamily="18" charset="0"/>
+              <a:cs typeface="Times New Roman" panose="02020603050405020304" pitchFamily="18" charset="0"/>
+            </a:endParaRPr>
           </a:p>
           <a:p>
             <a:r>
@@ -34380,189 +35308,331 @@
           <a:p>
             <a:pPr lvl="1"/>
             <a:r>
-              <a:rPr lang="zh-CN" altLang="en-US" dirty="0" smtClean="0"/>
+              <a:rPr lang="zh-CN" altLang="en-US" dirty="0" smtClean="0">
+                <a:latin typeface="Times New Roman" panose="02020603050405020304" pitchFamily="18" charset="0"/>
+                <a:cs typeface="Times New Roman" panose="02020603050405020304" pitchFamily="18" charset="0"/>
+              </a:rPr>
               <a:t>随机</a:t>
             </a:r>
             <a:r>
-              <a:rPr lang="zh-CN" altLang="en-US" dirty="0"/>
+              <a:rPr lang="zh-CN" altLang="en-US" dirty="0">
+                <a:latin typeface="Times New Roman" panose="02020603050405020304" pitchFamily="18" charset="0"/>
+                <a:cs typeface="Times New Roman" panose="02020603050405020304" pitchFamily="18" charset="0"/>
+              </a:rPr>
               <a:t>测试用例生成</a:t>
             </a:r>
             <a:r>
-              <a:rPr lang="zh-CN" altLang="en-US" dirty="0" smtClean="0"/>
+              <a:rPr lang="zh-CN" altLang="en-US" dirty="0" smtClean="0">
+                <a:latin typeface="Times New Roman" panose="02020603050405020304" pitchFamily="18" charset="0"/>
+                <a:cs typeface="Times New Roman" panose="02020603050405020304" pitchFamily="18" charset="0"/>
+              </a:rPr>
               <a:t>工具</a:t>
             </a:r>
-            <a:endParaRPr lang="en-US" altLang="zh-CN" dirty="0" smtClean="0"/>
+            <a:endParaRPr lang="en-US" altLang="zh-CN" dirty="0" smtClean="0">
+              <a:latin typeface="Times New Roman" panose="02020603050405020304" pitchFamily="18" charset="0"/>
+              <a:cs typeface="Times New Roman" panose="02020603050405020304" pitchFamily="18" charset="0"/>
+            </a:endParaRPr>
           </a:p>
           <a:p>
             <a:pPr lvl="1"/>
             <a:r>
-              <a:rPr lang="en-US" altLang="zh-CN" dirty="0" err="1"/>
+              <a:rPr lang="en-US" altLang="zh-CN" dirty="0" err="1">
+                <a:latin typeface="Times New Roman" panose="02020603050405020304" pitchFamily="18" charset="0"/>
+                <a:cs typeface="Times New Roman" panose="02020603050405020304" pitchFamily="18" charset="0"/>
+              </a:rPr>
               <a:t>Xuejun</a:t>
             </a:r>
             <a:r>
-              <a:rPr lang="en-US" altLang="zh-CN" dirty="0"/>
+              <a:rPr lang="en-US" altLang="zh-CN" dirty="0">
+                <a:latin typeface="Times New Roman" panose="02020603050405020304" pitchFamily="18" charset="0"/>
+                <a:cs typeface="Times New Roman" panose="02020603050405020304" pitchFamily="18" charset="0"/>
+              </a:rPr>
               <a:t> </a:t>
             </a:r>
             <a:r>
-              <a:rPr lang="en-US" altLang="zh-CN" dirty="0" smtClean="0"/>
+              <a:rPr lang="en-US" altLang="zh-CN" dirty="0" smtClean="0">
+                <a:latin typeface="Times New Roman" panose="02020603050405020304" pitchFamily="18" charset="0"/>
+                <a:cs typeface="Times New Roman" panose="02020603050405020304" pitchFamily="18" charset="0"/>
+              </a:rPr>
               <a:t>Yang</a:t>
             </a:r>
             <a:r>
-              <a:rPr lang="zh-CN" altLang="en-US" dirty="0" smtClean="0"/>
+              <a:rPr lang="zh-CN" altLang="en-US" dirty="0" smtClean="0">
+                <a:latin typeface="Times New Roman" panose="02020603050405020304" pitchFamily="18" charset="0"/>
+                <a:cs typeface="Times New Roman" panose="02020603050405020304" pitchFamily="18" charset="0"/>
+              </a:rPr>
               <a:t>团队（</a:t>
             </a:r>
             <a:r>
-              <a:rPr lang="en-US" altLang="zh-CN" dirty="0" smtClean="0"/>
+              <a:rPr lang="en-US" altLang="zh-CN" dirty="0" smtClean="0">
+                <a:latin typeface="Times New Roman" panose="02020603050405020304" pitchFamily="18" charset="0"/>
+                <a:cs typeface="Times New Roman" panose="02020603050405020304" pitchFamily="18" charset="0"/>
+              </a:rPr>
               <a:t>2011</a:t>
             </a:r>
             <a:r>
-              <a:rPr lang="zh-CN" altLang="en-US" dirty="0" smtClean="0"/>
+              <a:rPr lang="zh-CN" altLang="en-US" dirty="0" smtClean="0">
+                <a:latin typeface="Times New Roman" panose="02020603050405020304" pitchFamily="18" charset="0"/>
+                <a:cs typeface="Times New Roman" panose="02020603050405020304" pitchFamily="18" charset="0"/>
+              </a:rPr>
               <a:t>年）使用</a:t>
             </a:r>
             <a:r>
-              <a:rPr lang="en-US" altLang="zh-CN" dirty="0" err="1" smtClean="0"/>
+              <a:rPr lang="en-US" altLang="zh-CN" dirty="0" err="1" smtClean="0">
+                <a:latin typeface="Times New Roman" panose="02020603050405020304" pitchFamily="18" charset="0"/>
+                <a:cs typeface="Times New Roman" panose="02020603050405020304" pitchFamily="18" charset="0"/>
+              </a:rPr>
               <a:t>Csmith</a:t>
             </a:r>
-            <a:endParaRPr lang="en-US" altLang="zh-CN" dirty="0" smtClean="0"/>
+            <a:endParaRPr lang="en-US" altLang="zh-CN" dirty="0" smtClean="0">
+              <a:latin typeface="Times New Roman" panose="02020603050405020304" pitchFamily="18" charset="0"/>
+              <a:cs typeface="Times New Roman" panose="02020603050405020304" pitchFamily="18" charset="0"/>
+            </a:endParaRPr>
           </a:p>
           <a:p>
             <a:pPr marL="290250" lvl="1" indent="0">
               <a:buNone/>
             </a:pPr>
             <a:r>
-              <a:rPr lang="zh-CN" altLang="en-US" dirty="0" smtClean="0"/>
+              <a:rPr lang="zh-CN" altLang="en-US" dirty="0" smtClean="0">
+                <a:latin typeface="Times New Roman" panose="02020603050405020304" pitchFamily="18" charset="0"/>
+                <a:cs typeface="Times New Roman" panose="02020603050405020304" pitchFamily="18" charset="0"/>
+              </a:rPr>
               <a:t>   工具对</a:t>
             </a:r>
             <a:r>
-              <a:rPr lang="zh-CN" altLang="en-US" dirty="0"/>
+              <a:rPr lang="zh-CN" altLang="en-US" dirty="0">
+                <a:latin typeface="Times New Roman" panose="02020603050405020304" pitchFamily="18" charset="0"/>
+                <a:cs typeface="Times New Roman" panose="02020603050405020304" pitchFamily="18" charset="0"/>
+              </a:rPr>
               <a:t>主流</a:t>
             </a:r>
             <a:r>
-              <a:rPr lang="zh-CN" altLang="en-US" dirty="0" smtClean="0"/>
+              <a:rPr lang="zh-CN" altLang="en-US" dirty="0" smtClean="0">
+                <a:latin typeface="Times New Roman" panose="02020603050405020304" pitchFamily="18" charset="0"/>
+                <a:cs typeface="Times New Roman" panose="02020603050405020304" pitchFamily="18" charset="0"/>
+              </a:rPr>
               <a:t>的</a:t>
             </a:r>
             <a:r>
-              <a:rPr lang="en-US" altLang="zh-CN" dirty="0" smtClean="0"/>
+              <a:rPr lang="en-US" altLang="zh-CN" dirty="0" smtClean="0">
+                <a:latin typeface="Times New Roman" panose="02020603050405020304" pitchFamily="18" charset="0"/>
+                <a:cs typeface="Times New Roman" panose="02020603050405020304" pitchFamily="18" charset="0"/>
+              </a:rPr>
               <a:t>11</a:t>
             </a:r>
             <a:r>
-              <a:rPr lang="zh-CN" altLang="en-US" dirty="0" smtClean="0"/>
+              <a:rPr lang="zh-CN" altLang="en-US" dirty="0" smtClean="0">
+                <a:latin typeface="Times New Roman" panose="02020603050405020304" pitchFamily="18" charset="0"/>
+                <a:cs typeface="Times New Roman" panose="02020603050405020304" pitchFamily="18" charset="0"/>
+              </a:rPr>
               <a:t>款</a:t>
             </a:r>
             <a:r>
-              <a:rPr lang="en-US" altLang="zh-CN" dirty="0" smtClean="0"/>
+              <a:rPr lang="en-US" altLang="zh-CN" dirty="0" smtClean="0">
+                <a:latin typeface="Times New Roman" panose="02020603050405020304" pitchFamily="18" charset="0"/>
+                <a:cs typeface="Times New Roman" panose="02020603050405020304" pitchFamily="18" charset="0"/>
+              </a:rPr>
               <a:t>C</a:t>
             </a:r>
             <a:r>
-              <a:rPr lang="zh-CN" altLang="en-US" dirty="0"/>
+              <a:rPr lang="zh-CN" altLang="en-US" dirty="0">
+                <a:latin typeface="Times New Roman" panose="02020603050405020304" pitchFamily="18" charset="0"/>
+                <a:cs typeface="Times New Roman" panose="02020603050405020304" pitchFamily="18" charset="0"/>
+              </a:rPr>
               <a:t>编译器进行</a:t>
             </a:r>
             <a:r>
-              <a:rPr lang="zh-CN" altLang="en-US" dirty="0" smtClean="0"/>
+              <a:rPr lang="zh-CN" altLang="en-US" dirty="0" smtClean="0">
+                <a:latin typeface="Times New Roman" panose="02020603050405020304" pitchFamily="18" charset="0"/>
+                <a:cs typeface="Times New Roman" panose="02020603050405020304" pitchFamily="18" charset="0"/>
+              </a:rPr>
               <a:t>测试</a:t>
             </a:r>
-            <a:endParaRPr lang="en-US" altLang="zh-CN" dirty="0" smtClean="0"/>
+            <a:endParaRPr lang="en-US" altLang="zh-CN" dirty="0" smtClean="0">
+              <a:latin typeface="Times New Roman" panose="02020603050405020304" pitchFamily="18" charset="0"/>
+              <a:cs typeface="Times New Roman" panose="02020603050405020304" pitchFamily="18" charset="0"/>
+            </a:endParaRPr>
           </a:p>
           <a:p>
             <a:pPr lvl="1"/>
             <a:r>
-              <a:rPr lang="zh-CN" altLang="en-US" dirty="0" smtClean="0"/>
+              <a:rPr lang="zh-CN" altLang="en-US" dirty="0" smtClean="0">
+                <a:latin typeface="Times New Roman" panose="02020603050405020304" pitchFamily="18" charset="0"/>
+                <a:cs typeface="Times New Roman" panose="02020603050405020304" pitchFamily="18" charset="0"/>
+              </a:rPr>
               <a:t>著名</a:t>
             </a:r>
             <a:r>
-              <a:rPr lang="zh-CN" altLang="en-US" dirty="0"/>
+              <a:rPr lang="zh-CN" altLang="en-US" dirty="0">
+                <a:latin typeface="Times New Roman" panose="02020603050405020304" pitchFamily="18" charset="0"/>
+                <a:cs typeface="Times New Roman" panose="02020603050405020304" pitchFamily="18" charset="0"/>
+              </a:rPr>
               <a:t>的</a:t>
             </a:r>
             <a:r>
-              <a:rPr lang="en-US" altLang="zh-CN" dirty="0"/>
+              <a:rPr lang="en-US" altLang="zh-CN" dirty="0">
+                <a:latin typeface="Times New Roman" panose="02020603050405020304" pitchFamily="18" charset="0"/>
+                <a:cs typeface="Times New Roman" panose="02020603050405020304" pitchFamily="18" charset="0"/>
+              </a:rPr>
               <a:t>Intel CC</a:t>
             </a:r>
             <a:r>
-              <a:rPr lang="zh-CN" altLang="en-US" dirty="0"/>
+              <a:rPr lang="zh-CN" altLang="en-US" dirty="0">
+                <a:latin typeface="Times New Roman" panose="02020603050405020304" pitchFamily="18" charset="0"/>
+                <a:cs typeface="Times New Roman" panose="02020603050405020304" pitchFamily="18" charset="0"/>
+              </a:rPr>
               <a:t>、</a:t>
             </a:r>
             <a:r>
-              <a:rPr lang="en-US" altLang="zh-CN" dirty="0"/>
+              <a:rPr lang="en-US" altLang="zh-CN" dirty="0">
+                <a:latin typeface="Times New Roman" panose="02020603050405020304" pitchFamily="18" charset="0"/>
+                <a:cs typeface="Times New Roman" panose="02020603050405020304" pitchFamily="18" charset="0"/>
+              </a:rPr>
               <a:t>GCC</a:t>
             </a:r>
             <a:r>
-              <a:rPr lang="zh-CN" altLang="en-US" dirty="0"/>
+              <a:rPr lang="zh-CN" altLang="en-US" dirty="0">
+                <a:latin typeface="Times New Roman" panose="02020603050405020304" pitchFamily="18" charset="0"/>
+                <a:cs typeface="Times New Roman" panose="02020603050405020304" pitchFamily="18" charset="0"/>
+              </a:rPr>
               <a:t>和</a:t>
             </a:r>
             <a:r>
-              <a:rPr lang="en-US" altLang="zh-CN" dirty="0"/>
+              <a:rPr lang="en-US" altLang="zh-CN" dirty="0">
+                <a:latin typeface="Times New Roman" panose="02020603050405020304" pitchFamily="18" charset="0"/>
+                <a:cs typeface="Times New Roman" panose="02020603050405020304" pitchFamily="18" charset="0"/>
+              </a:rPr>
               <a:t>LLVM</a:t>
             </a:r>
             <a:r>
-              <a:rPr lang="zh-CN" altLang="en-US" dirty="0"/>
+              <a:rPr lang="zh-CN" altLang="en-US" dirty="0">
+                <a:latin typeface="Times New Roman" panose="02020603050405020304" pitchFamily="18" charset="0"/>
+                <a:cs typeface="Times New Roman" panose="02020603050405020304" pitchFamily="18" charset="0"/>
+              </a:rPr>
               <a:t>编译器</a:t>
             </a:r>
             <a:r>
-              <a:rPr lang="zh-CN" altLang="en-US" dirty="0" smtClean="0"/>
+              <a:rPr lang="zh-CN" altLang="en-US" dirty="0" smtClean="0">
+                <a:latin typeface="Times New Roman" panose="02020603050405020304" pitchFamily="18" charset="0"/>
+                <a:cs typeface="Times New Roman" panose="02020603050405020304" pitchFamily="18" charset="0"/>
+              </a:rPr>
               <a:t>等</a:t>
             </a:r>
-            <a:endParaRPr lang="en-US" altLang="zh-CN" dirty="0" smtClean="0"/>
+            <a:endParaRPr lang="en-US" altLang="zh-CN" dirty="0" smtClean="0">
+              <a:latin typeface="Times New Roman" panose="02020603050405020304" pitchFamily="18" charset="0"/>
+              <a:cs typeface="Times New Roman" panose="02020603050405020304" pitchFamily="18" charset="0"/>
+            </a:endParaRPr>
           </a:p>
           <a:p>
             <a:pPr lvl="1"/>
             <a:r>
-              <a:rPr lang="zh-CN" altLang="en-US" dirty="0" smtClean="0"/>
+              <a:rPr lang="zh-CN" altLang="en-US" dirty="0" smtClean="0">
+                <a:latin typeface="Times New Roman" panose="02020603050405020304" pitchFamily="18" charset="0"/>
+                <a:cs typeface="Times New Roman" panose="02020603050405020304" pitchFamily="18" charset="0"/>
+              </a:rPr>
               <a:t>共报告</a:t>
             </a:r>
             <a:r>
-              <a:rPr lang="zh-CN" altLang="en-US" dirty="0"/>
+              <a:rPr lang="zh-CN" altLang="en-US" dirty="0">
+                <a:latin typeface="Times New Roman" panose="02020603050405020304" pitchFamily="18" charset="0"/>
+                <a:cs typeface="Times New Roman" panose="02020603050405020304" pitchFamily="18" charset="0"/>
+              </a:rPr>
               <a:t>了</a:t>
             </a:r>
             <a:r>
-              <a:rPr lang="en-US" altLang="zh-CN" dirty="0"/>
+              <a:rPr lang="en-US" altLang="zh-CN" dirty="0">
+                <a:latin typeface="Times New Roman" panose="02020603050405020304" pitchFamily="18" charset="0"/>
+                <a:cs typeface="Times New Roman" panose="02020603050405020304" pitchFamily="18" charset="0"/>
+              </a:rPr>
               <a:t>325</a:t>
             </a:r>
             <a:r>
-              <a:rPr lang="zh-CN" altLang="en-US" dirty="0"/>
+              <a:rPr lang="zh-CN" altLang="en-US" dirty="0">
+                <a:latin typeface="Times New Roman" panose="02020603050405020304" pitchFamily="18" charset="0"/>
+                <a:cs typeface="Times New Roman" panose="02020603050405020304" pitchFamily="18" charset="0"/>
+              </a:rPr>
               <a:t>个未知的</a:t>
             </a:r>
             <a:r>
-              <a:rPr lang="en-US" altLang="zh-CN" dirty="0" smtClean="0"/>
+              <a:rPr lang="en-US" altLang="zh-CN" dirty="0" smtClean="0">
+                <a:latin typeface="Times New Roman" panose="02020603050405020304" pitchFamily="18" charset="0"/>
+                <a:cs typeface="Times New Roman" panose="02020603050405020304" pitchFamily="18" charset="0"/>
+              </a:rPr>
               <a:t>bugs</a:t>
             </a:r>
           </a:p>
           <a:p>
             <a:pPr lvl="1"/>
             <a:r>
-              <a:rPr lang="en-US" altLang="zh-CN" dirty="0" err="1" smtClean="0"/>
+              <a:rPr lang="en-US" altLang="zh-CN" dirty="0" err="1" smtClean="0">
+                <a:latin typeface="Times New Roman" panose="02020603050405020304" pitchFamily="18" charset="0"/>
+                <a:cs typeface="Times New Roman" panose="02020603050405020304" pitchFamily="18" charset="0"/>
+              </a:rPr>
               <a:t>CompCert</a:t>
             </a:r>
             <a:r>
-              <a:rPr lang="zh-CN" altLang="en-US" dirty="0" smtClean="0"/>
+              <a:rPr lang="zh-CN" altLang="en-US" dirty="0" smtClean="0">
+                <a:latin typeface="Times New Roman" panose="02020603050405020304" pitchFamily="18" charset="0"/>
+                <a:cs typeface="Times New Roman" panose="02020603050405020304" pitchFamily="18" charset="0"/>
+              </a:rPr>
               <a:t>在其</a:t>
             </a:r>
             <a:r>
-              <a:rPr lang="zh-CN" altLang="en-US" dirty="0"/>
+              <a:rPr lang="zh-CN" altLang="en-US" dirty="0">
+                <a:latin typeface="Times New Roman" panose="02020603050405020304" pitchFamily="18" charset="0"/>
+                <a:cs typeface="Times New Roman" panose="02020603050405020304" pitchFamily="18" charset="0"/>
+              </a:rPr>
               <a:t>已支持的</a:t>
             </a:r>
             <a:r>
-              <a:rPr lang="en-US" altLang="zh-CN" dirty="0"/>
+              <a:rPr lang="en-US" altLang="zh-CN" dirty="0">
+                <a:latin typeface="Times New Roman" panose="02020603050405020304" pitchFamily="18" charset="0"/>
+                <a:cs typeface="Times New Roman" panose="02020603050405020304" pitchFamily="18" charset="0"/>
+              </a:rPr>
               <a:t>C</a:t>
             </a:r>
             <a:r>
-              <a:rPr lang="zh-CN" altLang="en-US" dirty="0"/>
+              <a:rPr lang="zh-CN" altLang="en-US" dirty="0">
+                <a:latin typeface="Times New Roman" panose="02020603050405020304" pitchFamily="18" charset="0"/>
+                <a:cs typeface="Times New Roman" panose="02020603050405020304" pitchFamily="18" charset="0"/>
+              </a:rPr>
               <a:t>语言子集中</a:t>
             </a:r>
             <a:r>
-              <a:rPr lang="zh-CN" altLang="en-US" dirty="0" smtClean="0"/>
+              <a:rPr lang="zh-CN" altLang="en-US" dirty="0" smtClean="0">
+                <a:latin typeface="Times New Roman" panose="02020603050405020304" pitchFamily="18" charset="0"/>
+                <a:cs typeface="Times New Roman" panose="02020603050405020304" pitchFamily="18" charset="0"/>
+              </a:rPr>
               <a:t>，</a:t>
             </a:r>
-            <a:endParaRPr lang="en-US" altLang="zh-CN" dirty="0" smtClean="0"/>
+            <a:endParaRPr lang="en-US" altLang="zh-CN" dirty="0" smtClean="0">
+              <a:latin typeface="Times New Roman" panose="02020603050405020304" pitchFamily="18" charset="0"/>
+              <a:cs typeface="Times New Roman" panose="02020603050405020304" pitchFamily="18" charset="0"/>
+            </a:endParaRPr>
           </a:p>
           <a:p>
             <a:pPr marL="290250" lvl="1" indent="0">
               <a:buNone/>
             </a:pPr>
             <a:r>
-              <a:rPr lang="zh-CN" altLang="en-US" dirty="0" smtClean="0"/>
-              <a:t>  没有找到任何错误</a:t>
-            </a:r>
-            <a:endParaRPr lang="en-US" altLang="zh-CN" dirty="0"/>
+              <a:rPr lang="zh-CN" altLang="en-US" dirty="0" smtClean="0">
+                <a:latin typeface="Times New Roman" panose="02020603050405020304" pitchFamily="18" charset="0"/>
+                <a:cs typeface="Times New Roman" panose="02020603050405020304" pitchFamily="18" charset="0"/>
+              </a:rPr>
+              <a:t>  </a:t>
+            </a:r>
+            <a:r>
+              <a:rPr lang="zh-CN" altLang="en-US" u="sng" dirty="0" smtClean="0">
+                <a:latin typeface="Times New Roman" panose="02020603050405020304" pitchFamily="18" charset="0"/>
+                <a:cs typeface="Times New Roman" panose="02020603050405020304" pitchFamily="18" charset="0"/>
+              </a:rPr>
+              <a:t>没有找到任何错误</a:t>
+            </a:r>
+            <a:endParaRPr lang="en-US" altLang="zh-CN" u="sng" dirty="0">
+              <a:latin typeface="Times New Roman" panose="02020603050405020304" pitchFamily="18" charset="0"/>
+              <a:cs typeface="Times New Roman" panose="02020603050405020304" pitchFamily="18" charset="0"/>
+            </a:endParaRPr>
           </a:p>
         </p:txBody>
       </p:sp>
@@ -34764,152 +35834,181 @@
         </p:spPr>
         <p:txBody>
           <a:bodyPr>
-            <a:normAutofit fontScale="77500" lnSpcReduction="20000"/>
+            <a:normAutofit fontScale="92500" lnSpcReduction="20000"/>
           </a:bodyPr>
           <a:lstStyle/>
           <a:p>
             <a:r>
-              <a:rPr lang="en-US" altLang="zh-CN" dirty="0" smtClean="0"/>
+              <a:rPr lang="en-US" altLang="zh-CN" sz="2600" dirty="0" smtClean="0"/>
               <a:t>2008</a:t>
             </a:r>
             <a:r>
-              <a:rPr lang="zh-CN" altLang="en-US" dirty="0"/>
+              <a:rPr lang="zh-CN" altLang="en-US" sz="2600" dirty="0"/>
               <a:t>年</a:t>
             </a:r>
             <a:r>
-              <a:rPr lang="en-US" altLang="zh-CN" dirty="0" smtClean="0"/>
+              <a:rPr lang="en-US" altLang="zh-CN" sz="2600" dirty="0" smtClean="0"/>
               <a:t>10</a:t>
             </a:r>
             <a:r>
-              <a:rPr lang="zh-CN" altLang="en-US" dirty="0" smtClean="0"/>
+              <a:rPr lang="zh-CN" altLang="en-US" sz="2600" dirty="0" smtClean="0"/>
               <a:t>月中科大和耶鲁校长签署</a:t>
             </a:r>
             <a:r>
-              <a:rPr lang="zh-CN" altLang="en-US" dirty="0"/>
+              <a:rPr lang="zh-CN" altLang="en-US" sz="2600" dirty="0"/>
               <a:t>备忘录建立</a:t>
             </a:r>
             <a:r>
-              <a:rPr lang="zh-CN" altLang="en-US" dirty="0" smtClean="0"/>
-              <a:t>联合</a:t>
-            </a:r>
-            <a:r>
-              <a:rPr lang="zh-CN" altLang="en-US" dirty="0" smtClean="0"/>
-              <a:t>中心</a:t>
-            </a:r>
-            <a:endParaRPr lang="en-US" altLang="zh-CN" baseline="30000" dirty="0" smtClean="0"/>
-          </a:p>
-          <a:p>
-            <a:r>
-              <a:rPr lang="zh-CN" altLang="en-US" dirty="0"/>
+              <a:rPr lang="zh-CN" altLang="en-US" sz="2600" dirty="0" smtClean="0"/>
+              <a:t>联合中心</a:t>
+            </a:r>
+            <a:endParaRPr lang="en-US" altLang="zh-CN" sz="2600" baseline="30000" dirty="0" smtClean="0"/>
+          </a:p>
+          <a:p>
+            <a:r>
+              <a:rPr lang="zh-CN" altLang="en-US" sz="2600" dirty="0"/>
               <a:t>旨在研究高可信软件和形式化方法的各个领域</a:t>
             </a:r>
-            <a:endParaRPr lang="en-US" altLang="zh-CN" dirty="0" smtClean="0"/>
+            <a:endParaRPr lang="en-US" altLang="zh-CN" sz="2600" dirty="0" smtClean="0"/>
           </a:p>
           <a:p>
             <a:pPr lvl="1"/>
             <a:r>
-              <a:rPr lang="zh-CN" altLang="en-US" dirty="0" smtClean="0"/>
+              <a:rPr lang="zh-CN" altLang="en-US" sz="2100" dirty="0" smtClean="0"/>
               <a:t>探索</a:t>
             </a:r>
             <a:r>
-              <a:rPr lang="zh-CN" altLang="en-US" dirty="0"/>
-              <a:t>结合形式化程序验证和领域专用语言和逻辑进行软件开发的新</a:t>
-            </a:r>
-            <a:r>
-              <a:rPr lang="zh-CN" altLang="en-US" dirty="0" smtClean="0"/>
-              <a:t>方法</a:t>
-            </a:r>
-            <a:endParaRPr lang="en-US" altLang="zh-CN" dirty="0"/>
-          </a:p>
-          <a:p>
-            <a:pPr lvl="1"/>
-            <a:r>
-              <a:rPr lang="zh-CN" altLang="en-US" dirty="0" smtClean="0"/>
-              <a:t>为</a:t>
-            </a:r>
-            <a:r>
-              <a:rPr lang="zh-CN" altLang="en-US" dirty="0"/>
-              <a:t>大规模的以工业应用为目标的验证的系统软件进行基础研究</a:t>
-            </a:r>
-            <a:endParaRPr lang="en-US" altLang="zh-CN" dirty="0" smtClean="0"/>
-          </a:p>
-          <a:p>
-            <a:r>
-              <a:rPr lang="zh-CN" altLang="en-US" dirty="0" smtClean="0">
-                <a:latin typeface="+mn-ea"/>
-              </a:rPr>
-              <a:t>主要课题之一：</a:t>
-            </a:r>
-            <a:r>
-              <a:rPr lang="en-US" altLang="zh-CN" dirty="0">
-                <a:latin typeface="+mn-ea"/>
-              </a:rPr>
-              <a:t>C</a:t>
-            </a:r>
-            <a:r>
-              <a:rPr lang="zh-CN" altLang="en-US" dirty="0">
-                <a:latin typeface="+mn-ea"/>
-              </a:rPr>
-              <a:t>程序验证器和可信</a:t>
-            </a:r>
-            <a:r>
-              <a:rPr lang="zh-CN" altLang="en-US" dirty="0" smtClean="0">
-                <a:latin typeface="+mn-ea"/>
-              </a:rPr>
-              <a:t>编译</a:t>
-            </a:r>
-            <a:endParaRPr lang="zh-CN" altLang="en-US" dirty="0">
-              <a:latin typeface="+mn-ea"/>
-            </a:endParaRPr>
-          </a:p>
-          <a:p>
-            <a:pPr lvl="1"/>
-            <a:r>
-              <a:rPr lang="zh-CN" altLang="en-US" dirty="0" smtClean="0"/>
-              <a:t>负责人：陈意云教授</a:t>
-            </a:r>
-            <a:endParaRPr lang="en-US" altLang="zh-CN" dirty="0" smtClean="0"/>
-          </a:p>
-          <a:p>
-            <a:pPr lvl="1"/>
-            <a:r>
-              <a:rPr lang="en-US" altLang="zh-CN" dirty="0" smtClean="0"/>
-              <a:t>C</a:t>
-            </a:r>
-            <a:r>
-              <a:rPr lang="zh-CN" altLang="en-US" dirty="0"/>
-              <a:t>程序的自动验证</a:t>
-            </a:r>
-          </a:p>
-          <a:p>
-            <a:pPr lvl="1"/>
-            <a:r>
-              <a:rPr lang="zh-CN" altLang="en-US" dirty="0"/>
-              <a:t>编译后自动生成</a:t>
-            </a:r>
-            <a:r>
-              <a:rPr lang="zh-CN" altLang="en-US" dirty="0" smtClean="0"/>
-              <a:t>关于</a:t>
-            </a:r>
-            <a:endParaRPr lang="en-US" altLang="zh-CN" dirty="0" smtClean="0"/>
+              <a:rPr lang="zh-CN" altLang="en-US" sz="2100" dirty="0"/>
+              <a:t>结合形式化程序验证和领域专用语言和逻辑进行软件开发</a:t>
+            </a:r>
+            <a:r>
+              <a:rPr lang="zh-CN" altLang="en-US" sz="2100" dirty="0" smtClean="0"/>
+              <a:t>的</a:t>
+            </a:r>
+            <a:endParaRPr lang="en-US" altLang="zh-CN" sz="2100" dirty="0" smtClean="0"/>
           </a:p>
           <a:p>
             <a:pPr marL="290250" lvl="1" indent="0">
               <a:buNone/>
             </a:pPr>
             <a:r>
-              <a:rPr lang="zh-CN" altLang="en-US" dirty="0" smtClean="0"/>
-              <a:t>  二进制</a:t>
-            </a:r>
-            <a:r>
-              <a:rPr lang="zh-CN" altLang="en-US" dirty="0"/>
-              <a:t>程序的</a:t>
-            </a:r>
-            <a:r>
-              <a:rPr lang="zh-CN" altLang="en-US" dirty="0" smtClean="0"/>
+              <a:rPr lang="en-US" altLang="zh-CN" sz="2100" dirty="0"/>
+              <a:t> </a:t>
+            </a:r>
+            <a:r>
+              <a:rPr lang="en-US" altLang="zh-CN" sz="2100" dirty="0" smtClean="0"/>
+              <a:t> </a:t>
+            </a:r>
+            <a:r>
+              <a:rPr lang="zh-CN" altLang="en-US" sz="2100" dirty="0" smtClean="0"/>
+              <a:t>新方法</a:t>
+            </a:r>
+            <a:endParaRPr lang="en-US" altLang="zh-CN" sz="2100" dirty="0"/>
+          </a:p>
+          <a:p>
+            <a:pPr lvl="1"/>
+            <a:r>
+              <a:rPr lang="zh-CN" altLang="en-US" sz="2100" dirty="0" smtClean="0"/>
+              <a:t>为</a:t>
+            </a:r>
+            <a:r>
+              <a:rPr lang="zh-CN" altLang="en-US" sz="2100" dirty="0"/>
+              <a:t>大规模的以工业应用为目标的验证的系统软件进行基础研究</a:t>
+            </a:r>
+            <a:endParaRPr lang="en-US" altLang="zh-CN" sz="2100" dirty="0" smtClean="0"/>
+          </a:p>
+          <a:p>
+            <a:r>
+              <a:rPr lang="zh-CN" altLang="en-US" sz="2600" dirty="0" smtClean="0">
+                <a:latin typeface="+mn-ea"/>
+              </a:rPr>
+              <a:t>主要课题之一：</a:t>
+            </a:r>
+            <a:r>
+              <a:rPr lang="en-US" altLang="zh-CN" sz="2600" dirty="0">
+                <a:latin typeface="+mn-ea"/>
+              </a:rPr>
+              <a:t>C</a:t>
+            </a:r>
+            <a:r>
+              <a:rPr lang="zh-CN" altLang="en-US" sz="2600" dirty="0" smtClean="0">
+                <a:latin typeface="+mn-ea"/>
+              </a:rPr>
+              <a:t>程序验证和</a:t>
+            </a:r>
+            <a:r>
+              <a:rPr lang="zh-CN" altLang="en-US" sz="2600" dirty="0">
+                <a:latin typeface="+mn-ea"/>
+              </a:rPr>
+              <a:t>可信</a:t>
+            </a:r>
+            <a:r>
+              <a:rPr lang="zh-CN" altLang="en-US" sz="2600" dirty="0" smtClean="0">
+                <a:latin typeface="+mn-ea"/>
+              </a:rPr>
+              <a:t>编译</a:t>
+            </a:r>
+            <a:endParaRPr lang="zh-CN" altLang="en-US" sz="2600" dirty="0">
+              <a:latin typeface="+mn-ea"/>
+            </a:endParaRPr>
+          </a:p>
+          <a:p>
+            <a:pPr lvl="1"/>
+            <a:r>
+              <a:rPr lang="zh-CN" altLang="en-US" sz="2100" dirty="0" smtClean="0"/>
+              <a:t>负责人：陈意云教授</a:t>
+            </a:r>
+            <a:endParaRPr lang="en-US" altLang="zh-CN" sz="2100" dirty="0" smtClean="0"/>
+          </a:p>
+          <a:p>
+            <a:pPr lvl="1"/>
+            <a:r>
+              <a:rPr lang="zh-CN" altLang="en-US" sz="2100" dirty="0" smtClean="0"/>
+              <a:t>研究</a:t>
+            </a:r>
+            <a:r>
+              <a:rPr lang="en-US" altLang="zh-CN" sz="2100" dirty="0" smtClean="0"/>
+              <a:t>C</a:t>
+            </a:r>
+            <a:r>
+              <a:rPr lang="zh-CN" altLang="en-US" sz="2100" dirty="0"/>
+              <a:t>程序的自动验证</a:t>
+            </a:r>
+          </a:p>
+          <a:p>
+            <a:pPr lvl="1"/>
+            <a:r>
+              <a:rPr lang="zh-CN" altLang="en-US" sz="2100" dirty="0"/>
+              <a:t>编译后自动生成</a:t>
+            </a:r>
+            <a:r>
+              <a:rPr lang="zh-CN" altLang="en-US" sz="2100" dirty="0" smtClean="0"/>
+              <a:t>关于二进制程序</a:t>
+            </a:r>
+            <a:r>
+              <a:rPr lang="zh-CN" altLang="en-US" sz="2100" dirty="0"/>
+              <a:t>的</a:t>
+            </a:r>
+            <a:r>
+              <a:rPr lang="zh-CN" altLang="en-US" sz="2100" dirty="0" smtClean="0"/>
               <a:t>证明</a:t>
             </a:r>
-            <a:endParaRPr lang="zh-CN" altLang="en-US" dirty="0"/>
+            <a:endParaRPr lang="en-US" altLang="zh-CN" sz="2100" dirty="0"/>
+          </a:p>
+          <a:p>
+            <a:pPr lvl="2"/>
+            <a:r>
+              <a:rPr lang="zh-CN" altLang="en-US" sz="1700" dirty="0" smtClean="0"/>
+              <a:t>无需</a:t>
+            </a:r>
+            <a:r>
+              <a:rPr lang="zh-CN" altLang="en-US" sz="1700" dirty="0"/>
+              <a:t>相信编译器的正确性</a:t>
+            </a:r>
+          </a:p>
+          <a:p>
+            <a:pPr lvl="2"/>
+            <a:endParaRPr lang="en-US" altLang="zh-CN" dirty="0" smtClean="0"/>
           </a:p>
         </p:txBody>
       </p:sp>
@@ -34965,8 +36064,8 @@
         </p:blipFill>
         <p:spPr>
           <a:xfrm>
-            <a:off x="3405993" y="3629891"/>
-            <a:ext cx="4787606" cy="2951019"/>
+            <a:off x="4656644" y="4020974"/>
+            <a:ext cx="4813012" cy="2966679"/>
           </a:xfrm>
           <a:prstGeom prst="rect">
             <a:avLst/>
